--- a/Documentação/Sprint-2/Pesquisa e Inovacao- lições aprendidas.pptx
+++ b/Documentação/Sprint-2/Pesquisa e Inovacao- lições aprendidas.pptx
@@ -7,10 +7,10 @@
     <p:sldMasterId id="2147483665" r:id="rId3"/>
   </p:sldMasterIdLst>
   <p:notesMasterIdLst>
-    <p:notesMasterId r:id="rId9"/>
+    <p:notesMasterId r:id="rId13"/>
   </p:notesMasterIdLst>
   <p:handoutMasterIdLst>
-    <p:handoutMasterId r:id="rId10"/>
+    <p:handoutMasterId r:id="rId14"/>
   </p:handoutMasterIdLst>
   <p:sldIdLst>
     <p:sldId id="256" r:id="rId4"/>
@@ -18,6 +18,10 @@
     <p:sldId id="346" r:id="rId6"/>
     <p:sldId id="344" r:id="rId7"/>
     <p:sldId id="348" r:id="rId8"/>
+    <p:sldId id="349" r:id="rId9"/>
+    <p:sldId id="350" r:id="rId10"/>
+    <p:sldId id="351" r:id="rId11"/>
+    <p:sldId id="352" r:id="rId12"/>
   </p:sldIdLst>
   <p:sldSz cx="13442950" cy="7561263"/>
   <p:notesSz cx="6858000" cy="9144000"/>
@@ -118,7 +122,7 @@
   </p:defaultTextStyle>
   <p:extLst>
     <p:ext uri="{EFAFB233-063F-42B5-8137-9DF3F51BA10A}">
-      <p15:sldGuideLst xmlns:p15="http://schemas.microsoft.com/office/powerpoint/2012/main" xmlns="">
+      <p15:sldGuideLst xmlns:p15="http://schemas.microsoft.com/office/powerpoint/2012/main">
         <p15:guide id="1" orient="horz" pos="2427" userDrawn="1">
           <p15:clr>
             <a:srgbClr val="A4A3A4"/>
@@ -132,7 +136,7 @@
       </p15:sldGuideLst>
     </p:ext>
     <p:ext uri="{2D200454-40CA-4A62-9FC3-DE9A4176ACB9}">
-      <p15:notesGuideLst xmlns:p15="http://schemas.microsoft.com/office/powerpoint/2012/main" xmlns=""/>
+      <p15:notesGuideLst xmlns:p15="http://schemas.microsoft.com/office/powerpoint/2012/main"/>
     </p:ext>
   </p:extLst>
 </p:presentation>
@@ -140,9 +144,6 @@
 
 <file path=ppt/changesInfos/changesInfo1.xml><?xml version="1.0" encoding="utf-8"?>
 <pc:chgInfo xmlns:a="http://schemas.openxmlformats.org/drawingml/2006/main" xmlns:r="http://schemas.openxmlformats.org/officeDocument/2006/relationships" xmlns:ac="http://schemas.microsoft.com/office/drawing/2013/main/command" xmlns:pc="http://schemas.microsoft.com/office/powerpoint/2013/main/command">
-  <pc:docChgLst>
-    <pc:chgData name="Fernando Brandao" userId="98fd82832e5e8854" providerId="LiveId" clId="{34A35D82-E50D-40C5-AE13-6F86E0B975D0}"/>
-  </pc:docChgLst>
   <pc:docChgLst>
     <pc:chgData name="Fernando Brandao" userId="98fd82832e5e8854" providerId="LiveId" clId="{4A275135-4C01-4FCA-B794-9C2DE9918CC3}"/>
   </pc:docChgLst>
@@ -171,13 +172,16 @@
     </pc:docChg>
   </pc:docChgLst>
   <pc:docChgLst>
-    <pc:chgData name="Fernando Brandao" userId="98fd82832e5e8854" providerId="LiveId" clId="{4778F66F-A0C7-4DEB-9192-4251172539FB}"/>
+    <pc:chgData name="Fernando Brandao" userId="98fd82832e5e8854" providerId="LiveId" clId="{34A35D82-E50D-40C5-AE13-6F86E0B975D0}"/>
   </pc:docChgLst>
   <pc:docChgLst>
     <pc:chgData name="Fernando Brandao" userId="98fd82832e5e8854" providerId="LiveId" clId="{DB6130DC-7DFE-4F49-9E2C-C5F1B20DDDB1}"/>
   </pc:docChgLst>
   <pc:docChgLst>
     <pc:chgData name="Fernando Brandao" userId="98fd82832e5e8854" providerId="LiveId" clId="{5BC8178E-F97A-43B8-B01C-B7A69C6AA1DE}"/>
+  </pc:docChgLst>
+  <pc:docChgLst>
+    <pc:chgData name="Fernando Brandao" userId="98fd82832e5e8854" providerId="LiveId" clId="{4778F66F-A0C7-4DEB-9192-4251172539FB}"/>
   </pc:docChgLst>
 </pc:chgInfo>
 </file>
@@ -872,6 +876,346 @@
 </p:notes>
 </file>
 
+<file path=ppt/notesSlides/notesSlide3.xml><?xml version="1.0" encoding="utf-8"?>
+<p:notes xmlns:a="http://schemas.openxmlformats.org/drawingml/2006/main" xmlns:r="http://schemas.openxmlformats.org/officeDocument/2006/relationships" xmlns:p="http://schemas.openxmlformats.org/presentationml/2006/main">
+  <p:cSld>
+    <p:spTree>
+      <p:nvGrpSpPr>
+        <p:cNvPr id="1" name=""/>
+        <p:cNvGrpSpPr/>
+        <p:nvPr/>
+      </p:nvGrpSpPr>
+      <p:grpSpPr>
+        <a:xfrm>
+          <a:off x="0" y="0"/>
+          <a:ext cx="0" cy="0"/>
+          <a:chOff x="0" y="0"/>
+          <a:chExt cx="0" cy="0"/>
+        </a:xfrm>
+      </p:grpSpPr>
+      <p:sp>
+        <p:nvSpPr>
+          <p:cNvPr id="2" name="Espaço Reservado para Imagem de Slide 1"/>
+          <p:cNvSpPr>
+            <a:spLocks noGrp="1" noRot="1" noChangeAspect="1"/>
+          </p:cNvSpPr>
+          <p:nvPr>
+            <p:ph type="sldImg"/>
+          </p:nvPr>
+        </p:nvSpPr>
+        <p:spPr/>
+      </p:sp>
+      <p:sp>
+        <p:nvSpPr>
+          <p:cNvPr id="3" name="Espaço Reservado para Anotações 2"/>
+          <p:cNvSpPr>
+            <a:spLocks noGrp="1"/>
+          </p:cNvSpPr>
+          <p:nvPr>
+            <p:ph type="body" idx="1"/>
+          </p:nvPr>
+        </p:nvSpPr>
+        <p:spPr/>
+        <p:txBody>
+          <a:bodyPr/>
+          <a:lstStyle/>
+          <a:p>
+            <a:endParaRPr lang="pt-BR" dirty="0"/>
+          </a:p>
+        </p:txBody>
+      </p:sp>
+      <p:sp>
+        <p:nvSpPr>
+          <p:cNvPr id="4" name="Espaço Reservado para Número de Slide 3"/>
+          <p:cNvSpPr>
+            <a:spLocks noGrp="1"/>
+          </p:cNvSpPr>
+          <p:nvPr>
+            <p:ph type="sldNum" sz="quarter" idx="5"/>
+          </p:nvPr>
+        </p:nvSpPr>
+        <p:spPr/>
+        <p:txBody>
+          <a:bodyPr/>
+          <a:lstStyle/>
+          <a:p>
+            <a:fld id="{75B3645A-D0AE-4F6E-A17E-E0036A9041AF}" type="slidenum">
+              <a:rPr lang="pt-BR" smtClean="0"/>
+              <a:pPr/>
+              <a:t>6</a:t>
+            </a:fld>
+            <a:endParaRPr lang="pt-BR"/>
+          </a:p>
+        </p:txBody>
+      </p:sp>
+    </p:spTree>
+    <p:extLst>
+      <p:ext uri="{BB962C8B-B14F-4D97-AF65-F5344CB8AC3E}">
+        <p14:creationId xmlns:p14="http://schemas.microsoft.com/office/powerpoint/2010/main" val="3150764903"/>
+      </p:ext>
+    </p:extLst>
+  </p:cSld>
+  <p:clrMapOvr>
+    <a:masterClrMapping/>
+  </p:clrMapOvr>
+</p:notes>
+</file>
+
+<file path=ppt/notesSlides/notesSlide4.xml><?xml version="1.0" encoding="utf-8"?>
+<p:notes xmlns:a="http://schemas.openxmlformats.org/drawingml/2006/main" xmlns:r="http://schemas.openxmlformats.org/officeDocument/2006/relationships" xmlns:p="http://schemas.openxmlformats.org/presentationml/2006/main">
+  <p:cSld>
+    <p:spTree>
+      <p:nvGrpSpPr>
+        <p:cNvPr id="1" name=""/>
+        <p:cNvGrpSpPr/>
+        <p:nvPr/>
+      </p:nvGrpSpPr>
+      <p:grpSpPr>
+        <a:xfrm>
+          <a:off x="0" y="0"/>
+          <a:ext cx="0" cy="0"/>
+          <a:chOff x="0" y="0"/>
+          <a:chExt cx="0" cy="0"/>
+        </a:xfrm>
+      </p:grpSpPr>
+      <p:sp>
+        <p:nvSpPr>
+          <p:cNvPr id="2" name="Espaço Reservado para Imagem de Slide 1"/>
+          <p:cNvSpPr>
+            <a:spLocks noGrp="1" noRot="1" noChangeAspect="1"/>
+          </p:cNvSpPr>
+          <p:nvPr>
+            <p:ph type="sldImg"/>
+          </p:nvPr>
+        </p:nvSpPr>
+        <p:spPr/>
+      </p:sp>
+      <p:sp>
+        <p:nvSpPr>
+          <p:cNvPr id="3" name="Espaço Reservado para Anotações 2"/>
+          <p:cNvSpPr>
+            <a:spLocks noGrp="1"/>
+          </p:cNvSpPr>
+          <p:nvPr>
+            <p:ph type="body" idx="1"/>
+          </p:nvPr>
+        </p:nvSpPr>
+        <p:spPr/>
+        <p:txBody>
+          <a:bodyPr/>
+          <a:lstStyle/>
+          <a:p>
+            <a:endParaRPr lang="pt-BR" dirty="0"/>
+          </a:p>
+        </p:txBody>
+      </p:sp>
+      <p:sp>
+        <p:nvSpPr>
+          <p:cNvPr id="4" name="Espaço Reservado para Número de Slide 3"/>
+          <p:cNvSpPr>
+            <a:spLocks noGrp="1"/>
+          </p:cNvSpPr>
+          <p:nvPr>
+            <p:ph type="sldNum" sz="quarter" idx="5"/>
+          </p:nvPr>
+        </p:nvSpPr>
+        <p:spPr/>
+        <p:txBody>
+          <a:bodyPr/>
+          <a:lstStyle/>
+          <a:p>
+            <a:fld id="{75B3645A-D0AE-4F6E-A17E-E0036A9041AF}" type="slidenum">
+              <a:rPr lang="pt-BR" smtClean="0"/>
+              <a:pPr/>
+              <a:t>7</a:t>
+            </a:fld>
+            <a:endParaRPr lang="pt-BR"/>
+          </a:p>
+        </p:txBody>
+      </p:sp>
+    </p:spTree>
+    <p:extLst>
+      <p:ext uri="{BB962C8B-B14F-4D97-AF65-F5344CB8AC3E}">
+        <p14:creationId xmlns:p14="http://schemas.microsoft.com/office/powerpoint/2010/main" val="58760197"/>
+      </p:ext>
+    </p:extLst>
+  </p:cSld>
+  <p:clrMapOvr>
+    <a:masterClrMapping/>
+  </p:clrMapOvr>
+</p:notes>
+</file>
+
+<file path=ppt/notesSlides/notesSlide5.xml><?xml version="1.0" encoding="utf-8"?>
+<p:notes xmlns:a="http://schemas.openxmlformats.org/drawingml/2006/main" xmlns:r="http://schemas.openxmlformats.org/officeDocument/2006/relationships" xmlns:p="http://schemas.openxmlformats.org/presentationml/2006/main">
+  <p:cSld>
+    <p:spTree>
+      <p:nvGrpSpPr>
+        <p:cNvPr id="1" name=""/>
+        <p:cNvGrpSpPr/>
+        <p:nvPr/>
+      </p:nvGrpSpPr>
+      <p:grpSpPr>
+        <a:xfrm>
+          <a:off x="0" y="0"/>
+          <a:ext cx="0" cy="0"/>
+          <a:chOff x="0" y="0"/>
+          <a:chExt cx="0" cy="0"/>
+        </a:xfrm>
+      </p:grpSpPr>
+      <p:sp>
+        <p:nvSpPr>
+          <p:cNvPr id="2" name="Espaço Reservado para Imagem de Slide 1"/>
+          <p:cNvSpPr>
+            <a:spLocks noGrp="1" noRot="1" noChangeAspect="1"/>
+          </p:cNvSpPr>
+          <p:nvPr>
+            <p:ph type="sldImg"/>
+          </p:nvPr>
+        </p:nvSpPr>
+        <p:spPr/>
+      </p:sp>
+      <p:sp>
+        <p:nvSpPr>
+          <p:cNvPr id="3" name="Espaço Reservado para Anotações 2"/>
+          <p:cNvSpPr>
+            <a:spLocks noGrp="1"/>
+          </p:cNvSpPr>
+          <p:nvPr>
+            <p:ph type="body" idx="1"/>
+          </p:nvPr>
+        </p:nvSpPr>
+        <p:spPr/>
+        <p:txBody>
+          <a:bodyPr/>
+          <a:lstStyle/>
+          <a:p>
+            <a:endParaRPr lang="pt-BR" dirty="0"/>
+          </a:p>
+        </p:txBody>
+      </p:sp>
+      <p:sp>
+        <p:nvSpPr>
+          <p:cNvPr id="4" name="Espaço Reservado para Número de Slide 3"/>
+          <p:cNvSpPr>
+            <a:spLocks noGrp="1"/>
+          </p:cNvSpPr>
+          <p:nvPr>
+            <p:ph type="sldNum" sz="quarter" idx="5"/>
+          </p:nvPr>
+        </p:nvSpPr>
+        <p:spPr/>
+        <p:txBody>
+          <a:bodyPr/>
+          <a:lstStyle/>
+          <a:p>
+            <a:fld id="{75B3645A-D0AE-4F6E-A17E-E0036A9041AF}" type="slidenum">
+              <a:rPr lang="pt-BR" smtClean="0"/>
+              <a:pPr/>
+              <a:t>8</a:t>
+            </a:fld>
+            <a:endParaRPr lang="pt-BR"/>
+          </a:p>
+        </p:txBody>
+      </p:sp>
+    </p:spTree>
+    <p:extLst>
+      <p:ext uri="{BB962C8B-B14F-4D97-AF65-F5344CB8AC3E}">
+        <p14:creationId xmlns:p14="http://schemas.microsoft.com/office/powerpoint/2010/main" val="2018373631"/>
+      </p:ext>
+    </p:extLst>
+  </p:cSld>
+  <p:clrMapOvr>
+    <a:masterClrMapping/>
+  </p:clrMapOvr>
+</p:notes>
+</file>
+
+<file path=ppt/notesSlides/notesSlide6.xml><?xml version="1.0" encoding="utf-8"?>
+<p:notes xmlns:a="http://schemas.openxmlformats.org/drawingml/2006/main" xmlns:r="http://schemas.openxmlformats.org/officeDocument/2006/relationships" xmlns:p="http://schemas.openxmlformats.org/presentationml/2006/main">
+  <p:cSld>
+    <p:spTree>
+      <p:nvGrpSpPr>
+        <p:cNvPr id="1" name=""/>
+        <p:cNvGrpSpPr/>
+        <p:nvPr/>
+      </p:nvGrpSpPr>
+      <p:grpSpPr>
+        <a:xfrm>
+          <a:off x="0" y="0"/>
+          <a:ext cx="0" cy="0"/>
+          <a:chOff x="0" y="0"/>
+          <a:chExt cx="0" cy="0"/>
+        </a:xfrm>
+      </p:grpSpPr>
+      <p:sp>
+        <p:nvSpPr>
+          <p:cNvPr id="2" name="Espaço Reservado para Imagem de Slide 1"/>
+          <p:cNvSpPr>
+            <a:spLocks noGrp="1" noRot="1" noChangeAspect="1"/>
+          </p:cNvSpPr>
+          <p:nvPr>
+            <p:ph type="sldImg"/>
+          </p:nvPr>
+        </p:nvSpPr>
+        <p:spPr/>
+      </p:sp>
+      <p:sp>
+        <p:nvSpPr>
+          <p:cNvPr id="3" name="Espaço Reservado para Anotações 2"/>
+          <p:cNvSpPr>
+            <a:spLocks noGrp="1"/>
+          </p:cNvSpPr>
+          <p:nvPr>
+            <p:ph type="body" idx="1"/>
+          </p:nvPr>
+        </p:nvSpPr>
+        <p:spPr/>
+        <p:txBody>
+          <a:bodyPr/>
+          <a:lstStyle/>
+          <a:p>
+            <a:endParaRPr lang="pt-BR" dirty="0"/>
+          </a:p>
+        </p:txBody>
+      </p:sp>
+      <p:sp>
+        <p:nvSpPr>
+          <p:cNvPr id="4" name="Espaço Reservado para Número de Slide 3"/>
+          <p:cNvSpPr>
+            <a:spLocks noGrp="1"/>
+          </p:cNvSpPr>
+          <p:nvPr>
+            <p:ph type="sldNum" sz="quarter" idx="5"/>
+          </p:nvPr>
+        </p:nvSpPr>
+        <p:spPr/>
+        <p:txBody>
+          <a:bodyPr/>
+          <a:lstStyle/>
+          <a:p>
+            <a:fld id="{75B3645A-D0AE-4F6E-A17E-E0036A9041AF}" type="slidenum">
+              <a:rPr lang="pt-BR" smtClean="0"/>
+              <a:pPr/>
+              <a:t>9</a:t>
+            </a:fld>
+            <a:endParaRPr lang="pt-BR"/>
+          </a:p>
+        </p:txBody>
+      </p:sp>
+    </p:spTree>
+    <p:extLst>
+      <p:ext uri="{BB962C8B-B14F-4D97-AF65-F5344CB8AC3E}">
+        <p14:creationId xmlns:p14="http://schemas.microsoft.com/office/powerpoint/2010/main" val="765565012"/>
+      </p:ext>
+    </p:extLst>
+  </p:cSld>
+  <p:clrMapOvr>
+    <a:masterClrMapping/>
+  </p:clrMapOvr>
+</p:notes>
+</file>
+
 <file path=ppt/slideLayouts/slideLayout1.xml><?xml version="1.0" encoding="utf-8"?>
 <p:sldLayout xmlns:a="http://schemas.openxmlformats.org/drawingml/2006/main" xmlns:r="http://schemas.openxmlformats.org/officeDocument/2006/relationships" xmlns:p="http://schemas.openxmlformats.org/presentationml/2006/main" preserve="1">
   <p:cSld name="Capa 1A">
@@ -4376,7 +4720,7 @@
           <a:graphicData uri="http://schemas.openxmlformats.org/presentationml/2006/ole">
             <mc:AlternateContent xmlns:mc="http://schemas.openxmlformats.org/markup-compatibility/2006">
               <mc:Choice xmlns:v="urn:schemas-microsoft-com:vml" Requires="v">
-                <p:oleObj spid="_x0000_s1028" name="Slide do think-cell" r:id="rId4" imgW="270" imgH="270" progId="TCLayout.ActiveDocument.1">
+                <p:oleObj spid="_x0000_s1032" name="Slide do think-cell" r:id="rId4" imgW="270" imgH="270" progId="TCLayout.ActiveDocument.1">
                   <p:embed/>
                 </p:oleObj>
               </mc:Choice>
@@ -23184,25 +23528,8 @@
                 <a:latin typeface="Arial" panose="020B0604020202020204" pitchFamily="34" charset="0"/>
                 <a:cs typeface="Arial" panose="020B0604020202020204" pitchFamily="34" charset="0"/>
               </a:rPr>
-              <a:t>GRUPO </a:t>
+              <a:t>GRUPO 4 - ILLUMY</a:t>
             </a:r>
-            <a:r>
-              <a:rPr lang="pt-BR" sz="2400" b="1" dirty="0" smtClean="0">
-                <a:solidFill>
-                  <a:srgbClr val="253746"/>
-                </a:solidFill>
-                <a:latin typeface="Arial" panose="020B0604020202020204" pitchFamily="34" charset="0"/>
-                <a:cs typeface="Arial" panose="020B0604020202020204" pitchFamily="34" charset="0"/>
-              </a:rPr>
-              <a:t>4 - ILLUMY</a:t>
-            </a:r>
-            <a:endParaRPr lang="pt-BR" sz="2400" b="1" dirty="0">
-              <a:solidFill>
-                <a:srgbClr val="253746"/>
-              </a:solidFill>
-              <a:latin typeface="Arial" panose="020B0604020202020204" pitchFamily="34" charset="0"/>
-              <a:cs typeface="Arial" panose="020B0604020202020204" pitchFamily="34" charset="0"/>
-            </a:endParaRPr>
           </a:p>
           <a:p>
             <a:pPr algn="just"/>
@@ -23220,7 +23547,7 @@
               <a:buChar char="•"/>
             </a:pPr>
             <a:r>
-              <a:rPr lang="pt-BR" sz="2400" dirty="0" smtClean="0">
+              <a:rPr lang="pt-BR" sz="2400" dirty="0">
                 <a:solidFill>
                   <a:srgbClr val="253746"/>
                 </a:solidFill>
@@ -23229,13 +23556,6 @@
               </a:rPr>
               <a:t>Bianca Barranco 01191072</a:t>
             </a:r>
-            <a:endParaRPr lang="pt-BR" sz="2400" dirty="0">
-              <a:solidFill>
-                <a:srgbClr val="253746"/>
-              </a:solidFill>
-              <a:latin typeface="Arial" panose="020B0604020202020204" pitchFamily="34" charset="0"/>
-              <a:cs typeface="Arial" panose="020B0604020202020204" pitchFamily="34" charset="0"/>
-            </a:endParaRPr>
           </a:p>
           <a:p>
             <a:pPr marL="342900" indent="-342900" algn="just">
@@ -23243,14 +23563,14 @@
               <a:buChar char="•"/>
             </a:pPr>
             <a:r>
-              <a:rPr lang="pt-BR" sz="2400" dirty="0" smtClean="0">
+              <a:rPr lang="pt-BR" sz="2400" dirty="0">
                 <a:solidFill>
                   <a:srgbClr val="253746"/>
                 </a:solidFill>
                 <a:latin typeface="Arial" panose="020B0604020202020204" pitchFamily="34" charset="0"/>
                 <a:cs typeface="Arial" panose="020B0604020202020204" pitchFamily="34" charset="0"/>
               </a:rPr>
-              <a:t>Bruno Almeida</a:t>
+              <a:t>Bruno Almeida 01191093</a:t>
             </a:r>
           </a:p>
           <a:p>
@@ -23259,14 +23579,14 @@
               <a:buChar char="•"/>
             </a:pPr>
             <a:r>
-              <a:rPr lang="pt-BR" sz="2400" dirty="0" smtClean="0">
+              <a:rPr lang="pt-BR" sz="2400" dirty="0">
                 <a:solidFill>
                   <a:srgbClr val="253746"/>
                 </a:solidFill>
                 <a:latin typeface="Arial" panose="020B0604020202020204" pitchFamily="34" charset="0"/>
                 <a:cs typeface="Arial" panose="020B0604020202020204" pitchFamily="34" charset="0"/>
               </a:rPr>
-              <a:t>Cassio Pereira</a:t>
+              <a:t>Cassio Pereira 01191033</a:t>
             </a:r>
           </a:p>
           <a:p>
@@ -23275,34 +23595,14 @@
               <a:buChar char="•"/>
             </a:pPr>
             <a:r>
-              <a:rPr lang="pt-BR" sz="2400" dirty="0" smtClean="0">
+              <a:rPr lang="pt-BR" sz="2400" dirty="0">
                 <a:solidFill>
                   <a:srgbClr val="253746"/>
                 </a:solidFill>
                 <a:latin typeface="Arial" panose="020B0604020202020204" pitchFamily="34" charset="0"/>
                 <a:cs typeface="Arial" panose="020B0604020202020204" pitchFamily="34" charset="0"/>
               </a:rPr>
-              <a:t>Guilherme </a:t>
-            </a:r>
-            <a:r>
-              <a:rPr lang="pt-BR" sz="2400" dirty="0" err="1" smtClean="0">
-                <a:solidFill>
-                  <a:srgbClr val="253746"/>
-                </a:solidFill>
-                <a:latin typeface="Arial" panose="020B0604020202020204" pitchFamily="34" charset="0"/>
-                <a:cs typeface="Arial" panose="020B0604020202020204" pitchFamily="34" charset="0"/>
-              </a:rPr>
-              <a:t>Mingardi</a:t>
-            </a:r>
-            <a:r>
-              <a:rPr lang="pt-BR" sz="2400" dirty="0" smtClean="0">
-                <a:solidFill>
-                  <a:srgbClr val="253746"/>
-                </a:solidFill>
-                <a:latin typeface="Arial" panose="020B0604020202020204" pitchFamily="34" charset="0"/>
-                <a:cs typeface="Arial" panose="020B0604020202020204" pitchFamily="34" charset="0"/>
-              </a:rPr>
-              <a:t> 01191056</a:t>
+              <a:t>Guilherme Mingardi 01191056</a:t>
             </a:r>
           </a:p>
           <a:p>
@@ -23311,14 +23611,14 @@
               <a:buChar char="•"/>
             </a:pPr>
             <a:r>
-              <a:rPr lang="pt-BR" sz="2400" dirty="0" smtClean="0">
+              <a:rPr lang="pt-BR" sz="2400" dirty="0">
                 <a:solidFill>
                   <a:srgbClr val="253746"/>
                 </a:solidFill>
                 <a:latin typeface="Arial" panose="020B0604020202020204" pitchFamily="34" charset="0"/>
                 <a:cs typeface="Arial" panose="020B0604020202020204" pitchFamily="34" charset="0"/>
               </a:rPr>
-              <a:t>Gustavo Machado</a:t>
+              <a:t>Gustavo Machado 01191058</a:t>
             </a:r>
           </a:p>
           <a:p>
@@ -23327,7 +23627,7 @@
               <a:buChar char="•"/>
             </a:pPr>
             <a:r>
-              <a:rPr lang="pt-BR" sz="2400" dirty="0" smtClean="0">
+              <a:rPr lang="pt-BR" sz="2400" dirty="0">
                 <a:solidFill>
                   <a:srgbClr val="253746"/>
                 </a:solidFill>
@@ -23336,13 +23636,6 @@
               </a:rPr>
               <a:t>Lucas Abreu 01191094</a:t>
             </a:r>
-            <a:endParaRPr lang="pt-BR" sz="2400" dirty="0">
-              <a:solidFill>
-                <a:srgbClr val="253746"/>
-              </a:solidFill>
-              <a:latin typeface="Arial" panose="020B0604020202020204" pitchFamily="34" charset="0"/>
-              <a:cs typeface="Arial" panose="020B0604020202020204" pitchFamily="34" charset="0"/>
-            </a:endParaRPr>
           </a:p>
         </p:txBody>
       </p:sp>
@@ -23928,31 +24221,7 @@
                 </a:solidFill>
                 <a:latin typeface="Simplon BP Regular" pitchFamily="2" charset="0"/>
               </a:rPr>
-              <a:t>PROJETO </a:t>
-            </a:r>
-            <a:r>
-              <a:rPr lang="pt-BR" sz="3087" dirty="0" smtClean="0">
-                <a:solidFill>
-                  <a:schemeClr val="tx1">
-                    <a:lumMod val="75000"/>
-                    <a:lumOff val="25000"/>
-                  </a:schemeClr>
-                </a:solidFill>
-                <a:latin typeface="Simplon BP Regular" pitchFamily="2" charset="0"/>
-              </a:rPr>
-              <a:t>ILLUMY </a:t>
-            </a:r>
-            <a:r>
-              <a:rPr lang="pt-BR" sz="3087" dirty="0">
-                <a:solidFill>
-                  <a:schemeClr val="tx1">
-                    <a:lumMod val="75000"/>
-                    <a:lumOff val="25000"/>
-                  </a:schemeClr>
-                </a:solidFill>
-                <a:latin typeface="Simplon BP Regular" pitchFamily="2" charset="0"/>
-              </a:rPr>
-              <a:t>– REUNIÃO DE RETROSPECTIVA</a:t>
+              <a:t>PROJETO ILLUMY – REUNIÃO DE RETROSPECTIVA</a:t>
             </a:r>
           </a:p>
         </p:txBody>
@@ -24152,7 +24421,7 @@
           <p:cNvPr id="11" name="Retângulo 10">
             <a:extLst>
               <a:ext uri="{FF2B5EF4-FFF2-40B4-BE49-F238E27FC236}">
-                <a16:creationId xmlns:a16="http://schemas.microsoft.com/office/drawing/2014/main" xmlns="" id="{4997F601-006F-4BC7-9604-88E30DA500D9}"/>
+                <a16:creationId xmlns:a16="http://schemas.microsoft.com/office/drawing/2014/main" id="{4997F601-006F-4BC7-9604-88E30DA500D9}"/>
               </a:ext>
             </a:extLst>
           </p:cNvPr>
@@ -24204,7 +24473,7 @@
           <a:p>
             <a:pPr algn="ctr" defTabSz="1149969"/>
             <a:r>
-              <a:rPr lang="pt-BR" sz="1544" dirty="0" smtClean="0">
+              <a:rPr lang="pt-BR" sz="1544" dirty="0">
                 <a:solidFill>
                   <a:schemeClr val="tx1"/>
                 </a:solidFill>
@@ -24213,13 +24482,6 @@
               </a:rPr>
               <a:t>Curto prazo</a:t>
             </a:r>
-            <a:endParaRPr lang="pt-BR" sz="1544" dirty="0">
-              <a:solidFill>
-                <a:schemeClr val="tx1"/>
-              </a:solidFill>
-              <a:latin typeface="MV Boli" panose="02000500030200090000" pitchFamily="2" charset="0"/>
-              <a:cs typeface="MV Boli" panose="02000500030200090000" pitchFamily="2" charset="0"/>
-            </a:endParaRPr>
           </a:p>
         </p:txBody>
       </p:sp>
@@ -24228,7 +24490,7 @@
           <p:cNvPr id="13" name="Retângulo 12">
             <a:extLst>
               <a:ext uri="{FF2B5EF4-FFF2-40B4-BE49-F238E27FC236}">
-                <a16:creationId xmlns:a16="http://schemas.microsoft.com/office/drawing/2014/main" xmlns="" id="{4997F601-006F-4BC7-9604-88E30DA500D9}"/>
+                <a16:creationId xmlns:a16="http://schemas.microsoft.com/office/drawing/2014/main" id="{4997F601-006F-4BC7-9604-88E30DA500D9}"/>
               </a:ext>
             </a:extLst>
           </p:cNvPr>
@@ -24280,32 +24542,15 @@
           <a:p>
             <a:pPr algn="ctr" defTabSz="1149969"/>
             <a:r>
-              <a:rPr lang="pt-BR" sz="1544" dirty="0" smtClean="0">
+              <a:rPr lang="pt-BR" sz="1544" dirty="0">
                 <a:solidFill>
                   <a:schemeClr val="tx1"/>
                 </a:solidFill>
                 <a:latin typeface="MV Boli" panose="02000500030200090000" pitchFamily="2" charset="0"/>
                 <a:cs typeface="MV Boli" panose="02000500030200090000" pitchFamily="2" charset="0"/>
               </a:rPr>
-              <a:t>Indecisão/dificuldade para encontrar uma inovação</a:t>
+              <a:t>Indecisão/dificuldade para encontrar uma inovação </a:t>
             </a:r>
-            <a:r>
-              <a:rPr lang="pt-BR" sz="1544" dirty="0" smtClean="0">
-                <a:solidFill>
-                  <a:schemeClr val="tx1"/>
-                </a:solidFill>
-                <a:latin typeface="MV Boli" panose="02000500030200090000" pitchFamily="2" charset="0"/>
-                <a:cs typeface="MV Boli" panose="02000500030200090000" pitchFamily="2" charset="0"/>
-              </a:rPr>
-              <a:t> </a:t>
-            </a:r>
-            <a:endParaRPr lang="pt-BR" sz="1544" dirty="0">
-              <a:solidFill>
-                <a:schemeClr val="tx1"/>
-              </a:solidFill>
-              <a:latin typeface="MV Boli" panose="02000500030200090000" pitchFamily="2" charset="0"/>
-              <a:cs typeface="MV Boli" panose="02000500030200090000" pitchFamily="2" charset="0"/>
-            </a:endParaRPr>
           </a:p>
         </p:txBody>
       </p:sp>
@@ -24314,7 +24559,7 @@
           <p:cNvPr id="17" name="Retângulo 16">
             <a:extLst>
               <a:ext uri="{FF2B5EF4-FFF2-40B4-BE49-F238E27FC236}">
-                <a16:creationId xmlns:a16="http://schemas.microsoft.com/office/drawing/2014/main" xmlns="" id="{4997F601-006F-4BC7-9604-88E30DA500D9}"/>
+                <a16:creationId xmlns:a16="http://schemas.microsoft.com/office/drawing/2014/main" id="{4997F601-006F-4BC7-9604-88E30DA500D9}"/>
               </a:ext>
             </a:extLst>
           </p:cNvPr>
@@ -24370,32 +24615,15 @@
           <a:p>
             <a:pPr algn="ctr"/>
             <a:r>
-              <a:rPr lang="pt-BR" sz="1544" dirty="0" smtClean="0">
+              <a:rPr lang="pt-BR" sz="1544" dirty="0">
                 <a:solidFill>
                   <a:schemeClr val="tx1"/>
                 </a:solidFill>
                 <a:latin typeface="MV Boli" panose="02000500030200090000" pitchFamily="2" charset="0"/>
                 <a:cs typeface="MV Boli" panose="02000500030200090000" pitchFamily="2" charset="0"/>
               </a:rPr>
-              <a:t>Por conta do tempo, o site institucional não atingiu nossas expectativas</a:t>
+              <a:t>Por conta do tempo, o site institucional não atingiu nossas expectativas </a:t>
             </a:r>
-            <a:r>
-              <a:rPr lang="pt-BR" sz="1544" dirty="0" smtClean="0">
-                <a:solidFill>
-                  <a:schemeClr val="tx1"/>
-                </a:solidFill>
-                <a:latin typeface="MV Boli" panose="02000500030200090000" pitchFamily="2" charset="0"/>
-                <a:cs typeface="MV Boli" panose="02000500030200090000" pitchFamily="2" charset="0"/>
-              </a:rPr>
-              <a:t> </a:t>
-            </a:r>
-            <a:endParaRPr lang="pt-BR" sz="1544" dirty="0">
-              <a:solidFill>
-                <a:schemeClr val="tx1"/>
-              </a:solidFill>
-              <a:latin typeface="MV Boli" panose="02000500030200090000" pitchFamily="2" charset="0"/>
-              <a:cs typeface="MV Boli" panose="02000500030200090000" pitchFamily="2" charset="0"/>
-            </a:endParaRPr>
           </a:p>
         </p:txBody>
       </p:sp>
@@ -24404,7 +24632,7 @@
           <p:cNvPr id="27" name="Retângulo 26">
             <a:extLst>
               <a:ext uri="{FF2B5EF4-FFF2-40B4-BE49-F238E27FC236}">
-                <a16:creationId xmlns:a16="http://schemas.microsoft.com/office/drawing/2014/main" xmlns="" id="{4997F601-006F-4BC7-9604-88E30DA500D9}"/>
+                <a16:creationId xmlns:a16="http://schemas.microsoft.com/office/drawing/2014/main" id="{4997F601-006F-4BC7-9604-88E30DA500D9}"/>
               </a:ext>
             </a:extLst>
           </p:cNvPr>
@@ -24456,7 +24684,7 @@
           <a:p>
             <a:pPr algn="ctr"/>
             <a:r>
-              <a:rPr lang="pt-BR" sz="1544" dirty="0" smtClean="0">
+              <a:rPr lang="pt-BR" sz="1544" dirty="0">
                 <a:solidFill>
                   <a:schemeClr val="tx1"/>
                 </a:solidFill>
@@ -24465,13 +24693,6 @@
               </a:rPr>
               <a:t>Comunicação</a:t>
             </a:r>
-            <a:endParaRPr lang="pt-BR" sz="1544" dirty="0">
-              <a:solidFill>
-                <a:schemeClr val="tx1"/>
-              </a:solidFill>
-              <a:latin typeface="MV Boli" panose="02000500030200090000" pitchFamily="2" charset="0"/>
-              <a:cs typeface="MV Boli" panose="02000500030200090000" pitchFamily="2" charset="0"/>
-            </a:endParaRPr>
           </a:p>
         </p:txBody>
       </p:sp>
@@ -24530,7 +24751,7 @@
           <p:cNvPr id="19" name="Retângulo 18">
             <a:extLst>
               <a:ext uri="{FF2B5EF4-FFF2-40B4-BE49-F238E27FC236}">
-                <a16:creationId xmlns:a16="http://schemas.microsoft.com/office/drawing/2014/main" xmlns="" id="{4997F601-006F-4BC7-9604-88E30DA500D9}"/>
+                <a16:creationId xmlns:a16="http://schemas.microsoft.com/office/drawing/2014/main" id="{4997F601-006F-4BC7-9604-88E30DA500D9}"/>
               </a:ext>
             </a:extLst>
           </p:cNvPr>
@@ -24582,7 +24803,7 @@
           <a:p>
             <a:pPr algn="ctr"/>
             <a:r>
-              <a:rPr lang="pt-BR" sz="1544" dirty="0" smtClean="0">
+              <a:rPr lang="pt-BR" sz="1544" dirty="0">
                 <a:solidFill>
                   <a:schemeClr val="tx1"/>
                 </a:solidFill>
@@ -24591,13 +24812,6 @@
               </a:rPr>
               <a:t>Trabalho em equipe</a:t>
             </a:r>
-            <a:endParaRPr lang="pt-BR" sz="1544" dirty="0">
-              <a:solidFill>
-                <a:schemeClr val="tx1"/>
-              </a:solidFill>
-              <a:latin typeface="MV Boli" panose="02000500030200090000" pitchFamily="2" charset="0"/>
-              <a:cs typeface="MV Boli" panose="02000500030200090000" pitchFamily="2" charset="0"/>
-            </a:endParaRPr>
           </a:p>
         </p:txBody>
       </p:sp>
@@ -24606,7 +24820,7 @@
           <p:cNvPr id="20" name="Retângulo 19">
             <a:extLst>
               <a:ext uri="{FF2B5EF4-FFF2-40B4-BE49-F238E27FC236}">
-                <a16:creationId xmlns:a16="http://schemas.microsoft.com/office/drawing/2014/main" xmlns="" id="{4997F601-006F-4BC7-9604-88E30DA500D9}"/>
+                <a16:creationId xmlns:a16="http://schemas.microsoft.com/office/drawing/2014/main" id="{4997F601-006F-4BC7-9604-88E30DA500D9}"/>
               </a:ext>
             </a:extLst>
           </p:cNvPr>
@@ -24658,7 +24872,7 @@
           <a:p>
             <a:pPr algn="ctr"/>
             <a:r>
-              <a:rPr lang="pt-BR" sz="1544" dirty="0" smtClean="0">
+              <a:rPr lang="pt-BR" sz="1544" dirty="0">
                 <a:solidFill>
                   <a:schemeClr val="tx1"/>
                 </a:solidFill>
@@ -24667,13 +24881,6 @@
               </a:rPr>
               <a:t>Ajuda mútua</a:t>
             </a:r>
-            <a:endParaRPr lang="pt-BR" sz="1544" dirty="0">
-              <a:solidFill>
-                <a:schemeClr val="tx1"/>
-              </a:solidFill>
-              <a:latin typeface="MV Boli" panose="02000500030200090000" pitchFamily="2" charset="0"/>
-              <a:cs typeface="MV Boli" panose="02000500030200090000" pitchFamily="2" charset="0"/>
-            </a:endParaRPr>
           </a:p>
         </p:txBody>
       </p:sp>
@@ -24682,7 +24889,7 @@
           <p:cNvPr id="24" name="Retângulo 23">
             <a:extLst>
               <a:ext uri="{FF2B5EF4-FFF2-40B4-BE49-F238E27FC236}">
-                <a16:creationId xmlns:a16="http://schemas.microsoft.com/office/drawing/2014/main" xmlns="" id="{4997F601-006F-4BC7-9604-88E30DA500D9}"/>
+                <a16:creationId xmlns:a16="http://schemas.microsoft.com/office/drawing/2014/main" id="{4997F601-006F-4BC7-9604-88E30DA500D9}"/>
               </a:ext>
             </a:extLst>
           </p:cNvPr>
@@ -24734,7 +24941,7 @@
           <a:p>
             <a:pPr algn="ctr"/>
             <a:r>
-              <a:rPr lang="pt-BR" sz="1544" dirty="0" smtClean="0">
+              <a:rPr lang="pt-BR" sz="1544" dirty="0">
                 <a:solidFill>
                   <a:schemeClr val="tx1"/>
                 </a:solidFill>
@@ -24743,13 +24950,6 @@
               </a:rPr>
               <a:t>Comprometimento</a:t>
             </a:r>
-            <a:endParaRPr lang="pt-BR" sz="1544" dirty="0">
-              <a:solidFill>
-                <a:schemeClr val="tx1"/>
-              </a:solidFill>
-              <a:latin typeface="MV Boli" panose="02000500030200090000" pitchFamily="2" charset="0"/>
-              <a:cs typeface="MV Boli" panose="02000500030200090000" pitchFamily="2" charset="0"/>
-            </a:endParaRPr>
           </a:p>
         </p:txBody>
       </p:sp>
@@ -24840,53 +25040,8 @@
                 </a:solidFill>
                 <a:latin typeface="Simplon BP Regular" pitchFamily="2" charset="0"/>
               </a:rPr>
-              <a:t>PROJETO </a:t>
+              <a:t>PROJETO ILLUMY – PLANO DE AÇÃO</a:t>
             </a:r>
-            <a:r>
-              <a:rPr lang="pt-BR" sz="3087" dirty="0" smtClean="0">
-                <a:solidFill>
-                  <a:schemeClr val="tx1">
-                    <a:lumMod val="75000"/>
-                    <a:lumOff val="25000"/>
-                  </a:schemeClr>
-                </a:solidFill>
-                <a:latin typeface="Simplon BP Regular" pitchFamily="2" charset="0"/>
-              </a:rPr>
-              <a:t>ILLUMY </a:t>
-            </a:r>
-            <a:r>
-              <a:rPr lang="pt-BR" sz="3087" dirty="0">
-                <a:solidFill>
-                  <a:schemeClr val="tx1">
-                    <a:lumMod val="75000"/>
-                    <a:lumOff val="25000"/>
-                  </a:schemeClr>
-                </a:solidFill>
-                <a:latin typeface="Simplon BP Regular" pitchFamily="2" charset="0"/>
-              </a:rPr>
-              <a:t>– </a:t>
-            </a:r>
-            <a:r>
-              <a:rPr lang="pt-BR" sz="3087" dirty="0">
-                <a:solidFill>
-                  <a:schemeClr val="tx1">
-                    <a:lumMod val="75000"/>
-                    <a:lumOff val="25000"/>
-                  </a:schemeClr>
-                </a:solidFill>
-                <a:latin typeface="Simplon BP Regular" pitchFamily="2" charset="0"/>
-              </a:rPr>
-              <a:t>PLANO DE AÇÃO</a:t>
-            </a:r>
-            <a:endParaRPr lang="pt-BR" sz="3087" dirty="0">
-              <a:solidFill>
-                <a:schemeClr val="tx1">
-                  <a:lumMod val="75000"/>
-                  <a:lumOff val="25000"/>
-                </a:schemeClr>
-              </a:solidFill>
-              <a:latin typeface="Simplon BP Regular" pitchFamily="2" charset="0"/>
-            </a:endParaRPr>
           </a:p>
         </p:txBody>
       </p:sp>
@@ -25085,7 +25240,7 @@
           <p:cNvPr id="11" name="Retângulo 10">
             <a:extLst>
               <a:ext uri="{FF2B5EF4-FFF2-40B4-BE49-F238E27FC236}">
-                <a16:creationId xmlns:a16="http://schemas.microsoft.com/office/drawing/2014/main" xmlns="" id="{4997F601-006F-4BC7-9604-88E30DA500D9}"/>
+                <a16:creationId xmlns:a16="http://schemas.microsoft.com/office/drawing/2014/main" id="{4997F601-006F-4BC7-9604-88E30DA500D9}"/>
               </a:ext>
             </a:extLst>
           </p:cNvPr>
@@ -25137,7 +25292,7 @@
           <a:p>
             <a:pPr algn="ctr" defTabSz="1149969"/>
             <a:r>
-              <a:rPr lang="pt-BR" sz="1544" dirty="0" smtClean="0">
+              <a:rPr lang="pt-BR" sz="1544" dirty="0">
                 <a:solidFill>
                   <a:schemeClr val="tx1"/>
                 </a:solidFill>
@@ -25146,13 +25301,6 @@
               </a:rPr>
               <a:t>Curto prazo</a:t>
             </a:r>
-            <a:endParaRPr lang="pt-BR" sz="1544" dirty="0">
-              <a:solidFill>
-                <a:schemeClr val="tx1"/>
-              </a:solidFill>
-              <a:latin typeface="MV Boli" panose="02000500030200090000" pitchFamily="2" charset="0"/>
-              <a:cs typeface="MV Boli" panose="02000500030200090000" pitchFamily="2" charset="0"/>
-            </a:endParaRPr>
           </a:p>
         </p:txBody>
       </p:sp>
@@ -25161,7 +25309,7 @@
           <p:cNvPr id="13" name="Retângulo 12">
             <a:extLst>
               <a:ext uri="{FF2B5EF4-FFF2-40B4-BE49-F238E27FC236}">
-                <a16:creationId xmlns:a16="http://schemas.microsoft.com/office/drawing/2014/main" xmlns="" id="{4997F601-006F-4BC7-9604-88E30DA500D9}"/>
+                <a16:creationId xmlns:a16="http://schemas.microsoft.com/office/drawing/2014/main" id="{4997F601-006F-4BC7-9604-88E30DA500D9}"/>
               </a:ext>
             </a:extLst>
           </p:cNvPr>
@@ -25213,32 +25361,15 @@
           <a:p>
             <a:pPr algn="ctr" defTabSz="1149969"/>
             <a:r>
-              <a:rPr lang="pt-BR" sz="1544" dirty="0" smtClean="0">
+              <a:rPr lang="pt-BR" sz="1544" dirty="0">
                 <a:solidFill>
                   <a:schemeClr val="tx1"/>
                 </a:solidFill>
                 <a:latin typeface="MV Boli" panose="02000500030200090000" pitchFamily="2" charset="0"/>
                 <a:cs typeface="MV Boli" panose="02000500030200090000" pitchFamily="2" charset="0"/>
               </a:rPr>
-              <a:t>Indecisão/dificuldade para encontrar uma inovação</a:t>
+              <a:t>Indecisão/dificuldade para encontrar uma inovação </a:t>
             </a:r>
-            <a:r>
-              <a:rPr lang="pt-BR" sz="1544" dirty="0" smtClean="0">
-                <a:solidFill>
-                  <a:schemeClr val="tx1"/>
-                </a:solidFill>
-                <a:latin typeface="MV Boli" panose="02000500030200090000" pitchFamily="2" charset="0"/>
-                <a:cs typeface="MV Boli" panose="02000500030200090000" pitchFamily="2" charset="0"/>
-              </a:rPr>
-              <a:t> </a:t>
-            </a:r>
-            <a:endParaRPr lang="pt-BR" sz="1544" dirty="0">
-              <a:solidFill>
-                <a:schemeClr val="tx1"/>
-              </a:solidFill>
-              <a:latin typeface="MV Boli" panose="02000500030200090000" pitchFamily="2" charset="0"/>
-              <a:cs typeface="MV Boli" panose="02000500030200090000" pitchFamily="2" charset="0"/>
-            </a:endParaRPr>
           </a:p>
         </p:txBody>
       </p:sp>
@@ -25247,7 +25378,7 @@
           <p:cNvPr id="17" name="Retângulo 16">
             <a:extLst>
               <a:ext uri="{FF2B5EF4-FFF2-40B4-BE49-F238E27FC236}">
-                <a16:creationId xmlns:a16="http://schemas.microsoft.com/office/drawing/2014/main" xmlns="" id="{4997F601-006F-4BC7-9604-88E30DA500D9}"/>
+                <a16:creationId xmlns:a16="http://schemas.microsoft.com/office/drawing/2014/main" id="{4997F601-006F-4BC7-9604-88E30DA500D9}"/>
               </a:ext>
             </a:extLst>
           </p:cNvPr>
@@ -25303,32 +25434,15 @@
           <a:p>
             <a:pPr algn="ctr"/>
             <a:r>
-              <a:rPr lang="pt-BR" sz="1544" dirty="0" smtClean="0">
+              <a:rPr lang="pt-BR" sz="1544" dirty="0">
                 <a:solidFill>
                   <a:schemeClr val="tx1"/>
                 </a:solidFill>
                 <a:latin typeface="MV Boli" panose="02000500030200090000" pitchFamily="2" charset="0"/>
                 <a:cs typeface="MV Boli" panose="02000500030200090000" pitchFamily="2" charset="0"/>
               </a:rPr>
-              <a:t>Por conta do tempo, o site institucional não atingiu nossas expectativas</a:t>
+              <a:t>Por conta do tempo, o site institucional não atingiu nossas expectativas </a:t>
             </a:r>
-            <a:r>
-              <a:rPr lang="pt-BR" sz="1544" dirty="0" smtClean="0">
-                <a:solidFill>
-                  <a:schemeClr val="tx1"/>
-                </a:solidFill>
-                <a:latin typeface="MV Boli" panose="02000500030200090000" pitchFamily="2" charset="0"/>
-                <a:cs typeface="MV Boli" panose="02000500030200090000" pitchFamily="2" charset="0"/>
-              </a:rPr>
-              <a:t> </a:t>
-            </a:r>
-            <a:endParaRPr lang="pt-BR" sz="1544" dirty="0">
-              <a:solidFill>
-                <a:schemeClr val="tx1"/>
-              </a:solidFill>
-              <a:latin typeface="MV Boli" panose="02000500030200090000" pitchFamily="2" charset="0"/>
-              <a:cs typeface="MV Boli" panose="02000500030200090000" pitchFamily="2" charset="0"/>
-            </a:endParaRPr>
           </a:p>
         </p:txBody>
       </p:sp>
@@ -25337,7 +25451,7 @@
           <p:cNvPr id="27" name="Retângulo 26">
             <a:extLst>
               <a:ext uri="{FF2B5EF4-FFF2-40B4-BE49-F238E27FC236}">
-                <a16:creationId xmlns:a16="http://schemas.microsoft.com/office/drawing/2014/main" xmlns="" id="{4997F601-006F-4BC7-9604-88E30DA500D9}"/>
+                <a16:creationId xmlns:a16="http://schemas.microsoft.com/office/drawing/2014/main" id="{4997F601-006F-4BC7-9604-88E30DA500D9}"/>
               </a:ext>
             </a:extLst>
           </p:cNvPr>
@@ -25389,7 +25503,7 @@
           <a:p>
             <a:pPr algn="ctr"/>
             <a:r>
-              <a:rPr lang="pt-BR" sz="1544" dirty="0" smtClean="0">
+              <a:rPr lang="pt-BR" sz="1544" dirty="0">
                 <a:solidFill>
                   <a:schemeClr val="tx1"/>
                 </a:solidFill>
@@ -25398,13 +25512,6 @@
               </a:rPr>
               <a:t>Comunicação</a:t>
             </a:r>
-            <a:endParaRPr lang="pt-BR" sz="1544" dirty="0">
-              <a:solidFill>
-                <a:schemeClr val="tx1"/>
-              </a:solidFill>
-              <a:latin typeface="MV Boli" panose="02000500030200090000" pitchFamily="2" charset="0"/>
-              <a:cs typeface="MV Boli" panose="02000500030200090000" pitchFamily="2" charset="0"/>
-            </a:endParaRPr>
           </a:p>
         </p:txBody>
       </p:sp>
@@ -25463,7 +25570,7 @@
           <p:cNvPr id="19" name="Retângulo 18">
             <a:extLst>
               <a:ext uri="{FF2B5EF4-FFF2-40B4-BE49-F238E27FC236}">
-                <a16:creationId xmlns:a16="http://schemas.microsoft.com/office/drawing/2014/main" xmlns="" id="{4997F601-006F-4BC7-9604-88E30DA500D9}"/>
+                <a16:creationId xmlns:a16="http://schemas.microsoft.com/office/drawing/2014/main" id="{4997F601-006F-4BC7-9604-88E30DA500D9}"/>
               </a:ext>
             </a:extLst>
           </p:cNvPr>
@@ -25515,7 +25622,7 @@
           <a:p>
             <a:pPr algn="ctr"/>
             <a:r>
-              <a:rPr lang="pt-BR" sz="1544" dirty="0" smtClean="0">
+              <a:rPr lang="pt-BR" sz="1544" dirty="0">
                 <a:solidFill>
                   <a:schemeClr val="tx1"/>
                 </a:solidFill>
@@ -25524,13 +25631,6 @@
               </a:rPr>
               <a:t>Trabalho em equipe</a:t>
             </a:r>
-            <a:endParaRPr lang="pt-BR" sz="1544" dirty="0">
-              <a:solidFill>
-                <a:schemeClr val="tx1"/>
-              </a:solidFill>
-              <a:latin typeface="MV Boli" panose="02000500030200090000" pitchFamily="2" charset="0"/>
-              <a:cs typeface="MV Boli" panose="02000500030200090000" pitchFamily="2" charset="0"/>
-            </a:endParaRPr>
           </a:p>
         </p:txBody>
       </p:sp>
@@ -25539,7 +25639,7 @@
           <p:cNvPr id="20" name="Retângulo 19">
             <a:extLst>
               <a:ext uri="{FF2B5EF4-FFF2-40B4-BE49-F238E27FC236}">
-                <a16:creationId xmlns:a16="http://schemas.microsoft.com/office/drawing/2014/main" xmlns="" id="{4997F601-006F-4BC7-9604-88E30DA500D9}"/>
+                <a16:creationId xmlns:a16="http://schemas.microsoft.com/office/drawing/2014/main" id="{4997F601-006F-4BC7-9604-88E30DA500D9}"/>
               </a:ext>
             </a:extLst>
           </p:cNvPr>
@@ -25591,7 +25691,7 @@
           <a:p>
             <a:pPr algn="ctr"/>
             <a:r>
-              <a:rPr lang="pt-BR" sz="1544" dirty="0" smtClean="0">
+              <a:rPr lang="pt-BR" sz="1544" dirty="0">
                 <a:solidFill>
                   <a:schemeClr val="tx1"/>
                 </a:solidFill>
@@ -25600,13 +25700,6 @@
               </a:rPr>
               <a:t>Ajuda mútua</a:t>
             </a:r>
-            <a:endParaRPr lang="pt-BR" sz="1544" dirty="0">
-              <a:solidFill>
-                <a:schemeClr val="tx1"/>
-              </a:solidFill>
-              <a:latin typeface="MV Boli" panose="02000500030200090000" pitchFamily="2" charset="0"/>
-              <a:cs typeface="MV Boli" panose="02000500030200090000" pitchFamily="2" charset="0"/>
-            </a:endParaRPr>
           </a:p>
         </p:txBody>
       </p:sp>
@@ -25615,7 +25708,7 @@
           <p:cNvPr id="24" name="Retângulo 23">
             <a:extLst>
               <a:ext uri="{FF2B5EF4-FFF2-40B4-BE49-F238E27FC236}">
-                <a16:creationId xmlns:a16="http://schemas.microsoft.com/office/drawing/2014/main" xmlns="" id="{4997F601-006F-4BC7-9604-88E30DA500D9}"/>
+                <a16:creationId xmlns:a16="http://schemas.microsoft.com/office/drawing/2014/main" id="{4997F601-006F-4BC7-9604-88E30DA500D9}"/>
               </a:ext>
             </a:extLst>
           </p:cNvPr>
@@ -25667,7 +25760,7 @@
           <a:p>
             <a:pPr algn="ctr"/>
             <a:r>
-              <a:rPr lang="pt-BR" sz="1544" dirty="0" smtClean="0">
+              <a:rPr lang="pt-BR" sz="1544" dirty="0">
                 <a:solidFill>
                   <a:schemeClr val="tx1"/>
                 </a:solidFill>
@@ -25676,13 +25769,6 @@
               </a:rPr>
               <a:t>Comprometimento</a:t>
             </a:r>
-            <a:endParaRPr lang="pt-BR" sz="1544" dirty="0">
-              <a:solidFill>
-                <a:schemeClr val="tx1"/>
-              </a:solidFill>
-              <a:latin typeface="MV Boli" panose="02000500030200090000" pitchFamily="2" charset="0"/>
-              <a:cs typeface="MV Boli" panose="02000500030200090000" pitchFamily="2" charset="0"/>
-            </a:endParaRPr>
           </a:p>
         </p:txBody>
       </p:sp>
@@ -25691,7 +25777,7 @@
           <p:cNvPr id="18" name="Retângulo 17">
             <a:extLst>
               <a:ext uri="{FF2B5EF4-FFF2-40B4-BE49-F238E27FC236}">
-                <a16:creationId xmlns:a16="http://schemas.microsoft.com/office/drawing/2014/main" xmlns="" id="{4997F601-006F-4BC7-9604-88E30DA500D9}"/>
+                <a16:creationId xmlns:a16="http://schemas.microsoft.com/office/drawing/2014/main" id="{4997F601-006F-4BC7-9604-88E30DA500D9}"/>
               </a:ext>
             </a:extLst>
           </p:cNvPr>
@@ -25743,7 +25829,7 @@
           <a:p>
             <a:pPr algn="ctr" defTabSz="1149969"/>
             <a:r>
-              <a:rPr lang="pt-BR" sz="1544" dirty="0" smtClean="0">
+              <a:rPr lang="pt-BR" sz="1544" dirty="0">
                 <a:solidFill>
                   <a:schemeClr val="tx1"/>
                 </a:solidFill>
@@ -25752,13 +25838,6 @@
               </a:rPr>
               <a:t>Melhor planejamento</a:t>
             </a:r>
-            <a:endParaRPr lang="pt-BR" sz="1544" dirty="0">
-              <a:solidFill>
-                <a:schemeClr val="tx1"/>
-              </a:solidFill>
-              <a:latin typeface="MV Boli" panose="02000500030200090000" pitchFamily="2" charset="0"/>
-              <a:cs typeface="MV Boli" panose="02000500030200090000" pitchFamily="2" charset="0"/>
-            </a:endParaRPr>
           </a:p>
         </p:txBody>
       </p:sp>
@@ -25767,7 +25846,7 @@
           <p:cNvPr id="21" name="Retângulo 20">
             <a:extLst>
               <a:ext uri="{FF2B5EF4-FFF2-40B4-BE49-F238E27FC236}">
-                <a16:creationId xmlns:a16="http://schemas.microsoft.com/office/drawing/2014/main" xmlns="" id="{4997F601-006F-4BC7-9604-88E30DA500D9}"/>
+                <a16:creationId xmlns:a16="http://schemas.microsoft.com/office/drawing/2014/main" id="{4997F601-006F-4BC7-9604-88E30DA500D9}"/>
               </a:ext>
             </a:extLst>
           </p:cNvPr>
@@ -25819,7 +25898,7 @@
           <a:p>
             <a:pPr algn="ctr" defTabSz="1149969"/>
             <a:r>
-              <a:rPr lang="pt-BR" sz="1544" dirty="0" smtClean="0">
+              <a:rPr lang="pt-BR" sz="1544" dirty="0">
                 <a:solidFill>
                   <a:schemeClr val="tx1"/>
                 </a:solidFill>
@@ -25828,13 +25907,6 @@
               </a:rPr>
               <a:t>Maior embasamento nas pesquisas</a:t>
             </a:r>
-            <a:endParaRPr lang="pt-BR" sz="1544" dirty="0">
-              <a:solidFill>
-                <a:schemeClr val="tx1"/>
-              </a:solidFill>
-              <a:latin typeface="MV Boli" panose="02000500030200090000" pitchFamily="2" charset="0"/>
-              <a:cs typeface="MV Boli" panose="02000500030200090000" pitchFamily="2" charset="0"/>
-            </a:endParaRPr>
           </a:p>
         </p:txBody>
       </p:sp>
@@ -25843,7 +25915,7 @@
           <p:cNvPr id="22" name="Retângulo 21">
             <a:extLst>
               <a:ext uri="{FF2B5EF4-FFF2-40B4-BE49-F238E27FC236}">
-                <a16:creationId xmlns:a16="http://schemas.microsoft.com/office/drawing/2014/main" xmlns="" id="{4997F601-006F-4BC7-9604-88E30DA500D9}"/>
+                <a16:creationId xmlns:a16="http://schemas.microsoft.com/office/drawing/2014/main" id="{4997F601-006F-4BC7-9604-88E30DA500D9}"/>
               </a:ext>
             </a:extLst>
           </p:cNvPr>
@@ -25895,7 +25967,7 @@
           <a:p>
             <a:pPr algn="ctr" defTabSz="1149969"/>
             <a:r>
-              <a:rPr lang="pt-BR" sz="1544" dirty="0" smtClean="0">
+              <a:rPr lang="pt-BR" sz="1544" dirty="0">
                 <a:solidFill>
                   <a:schemeClr val="tx1"/>
                 </a:solidFill>
@@ -25904,13 +25976,6 @@
               </a:rPr>
               <a:t>Melhor planejamento </a:t>
             </a:r>
-            <a:endParaRPr lang="pt-BR" sz="1544" dirty="0">
-              <a:solidFill>
-                <a:schemeClr val="tx1"/>
-              </a:solidFill>
-              <a:latin typeface="MV Boli" panose="02000500030200090000" pitchFamily="2" charset="0"/>
-              <a:cs typeface="MV Boli" panose="02000500030200090000" pitchFamily="2" charset="0"/>
-            </a:endParaRPr>
           </a:p>
         </p:txBody>
       </p:sp>
@@ -25919,7 +25984,7 @@
           <p:cNvPr id="23" name="Retângulo 22">
             <a:extLst>
               <a:ext uri="{FF2B5EF4-FFF2-40B4-BE49-F238E27FC236}">
-                <a16:creationId xmlns:a16="http://schemas.microsoft.com/office/drawing/2014/main" xmlns="" id="{4997F601-006F-4BC7-9604-88E30DA500D9}"/>
+                <a16:creationId xmlns:a16="http://schemas.microsoft.com/office/drawing/2014/main" id="{4997F601-006F-4BC7-9604-88E30DA500D9}"/>
               </a:ext>
             </a:extLst>
           </p:cNvPr>
@@ -25971,7 +26036,7 @@
           <a:p>
             <a:pPr algn="ctr" defTabSz="1149969"/>
             <a:r>
-              <a:rPr lang="pt-BR" sz="1544" dirty="0" smtClean="0">
+              <a:rPr lang="pt-BR" sz="1544" dirty="0">
                 <a:solidFill>
                   <a:schemeClr val="tx1"/>
                 </a:solidFill>
@@ -25980,13 +26045,6 @@
               </a:rPr>
               <a:t>Manter a colaboração</a:t>
             </a:r>
-            <a:endParaRPr lang="pt-BR" sz="1544" dirty="0">
-              <a:solidFill>
-                <a:schemeClr val="tx1"/>
-              </a:solidFill>
-              <a:latin typeface="MV Boli" panose="02000500030200090000" pitchFamily="2" charset="0"/>
-              <a:cs typeface="MV Boli" panose="02000500030200090000" pitchFamily="2" charset="0"/>
-            </a:endParaRPr>
           </a:p>
         </p:txBody>
       </p:sp>
@@ -25995,7 +26053,7 @@
           <p:cNvPr id="25" name="Retângulo 24">
             <a:extLst>
               <a:ext uri="{FF2B5EF4-FFF2-40B4-BE49-F238E27FC236}">
-                <a16:creationId xmlns:a16="http://schemas.microsoft.com/office/drawing/2014/main" xmlns="" id="{4997F601-006F-4BC7-9604-88E30DA500D9}"/>
+                <a16:creationId xmlns:a16="http://schemas.microsoft.com/office/drawing/2014/main" id="{4997F601-006F-4BC7-9604-88E30DA500D9}"/>
               </a:ext>
             </a:extLst>
           </p:cNvPr>
@@ -26047,7 +26105,7 @@
           <a:p>
             <a:pPr algn="ctr" defTabSz="1149969"/>
             <a:r>
-              <a:rPr lang="pt-BR" sz="1544" dirty="0" smtClean="0">
+              <a:rPr lang="pt-BR" sz="1544" dirty="0">
                 <a:solidFill>
                   <a:schemeClr val="tx1"/>
                 </a:solidFill>
@@ -26056,13 +26114,6 @@
               </a:rPr>
               <a:t>Procurar expor as dificuldades e opiniões</a:t>
             </a:r>
-            <a:endParaRPr lang="pt-BR" sz="1544" dirty="0">
-              <a:solidFill>
-                <a:schemeClr val="tx1"/>
-              </a:solidFill>
-              <a:latin typeface="MV Boli" panose="02000500030200090000" pitchFamily="2" charset="0"/>
-              <a:cs typeface="MV Boli" panose="02000500030200090000" pitchFamily="2" charset="0"/>
-            </a:endParaRPr>
           </a:p>
         </p:txBody>
       </p:sp>
@@ -26071,7 +26122,7 @@
           <p:cNvPr id="28" name="Retângulo 27">
             <a:extLst>
               <a:ext uri="{FF2B5EF4-FFF2-40B4-BE49-F238E27FC236}">
-                <a16:creationId xmlns:a16="http://schemas.microsoft.com/office/drawing/2014/main" xmlns="" id="{4997F601-006F-4BC7-9604-88E30DA500D9}"/>
+                <a16:creationId xmlns:a16="http://schemas.microsoft.com/office/drawing/2014/main" id="{4997F601-006F-4BC7-9604-88E30DA500D9}"/>
               </a:ext>
             </a:extLst>
           </p:cNvPr>
@@ -26123,7 +26174,7 @@
           <a:p>
             <a:pPr algn="ctr" defTabSz="1149969"/>
             <a:r>
-              <a:rPr lang="pt-BR" sz="1544" dirty="0" smtClean="0">
+              <a:rPr lang="pt-BR" sz="1544" dirty="0">
                 <a:solidFill>
                   <a:schemeClr val="tx1"/>
                 </a:solidFill>
@@ -26132,13 +26183,6 @@
               </a:rPr>
               <a:t>Manter o apoio e auxiliar uns aos outros</a:t>
             </a:r>
-            <a:endParaRPr lang="pt-BR" sz="1544" dirty="0">
-              <a:solidFill>
-                <a:schemeClr val="tx1"/>
-              </a:solidFill>
-              <a:latin typeface="MV Boli" panose="02000500030200090000" pitchFamily="2" charset="0"/>
-              <a:cs typeface="MV Boli" panose="02000500030200090000" pitchFamily="2" charset="0"/>
-            </a:endParaRPr>
           </a:p>
         </p:txBody>
       </p:sp>
@@ -26147,7 +26191,7 @@
           <p:cNvPr id="29" name="Retângulo 28">
             <a:extLst>
               <a:ext uri="{FF2B5EF4-FFF2-40B4-BE49-F238E27FC236}">
-                <a16:creationId xmlns:a16="http://schemas.microsoft.com/office/drawing/2014/main" xmlns="" id="{4997F601-006F-4BC7-9604-88E30DA500D9}"/>
+                <a16:creationId xmlns:a16="http://schemas.microsoft.com/office/drawing/2014/main" id="{4997F601-006F-4BC7-9604-88E30DA500D9}"/>
               </a:ext>
             </a:extLst>
           </p:cNvPr>
@@ -26199,7 +26243,7 @@
           <a:p>
             <a:pPr algn="ctr" defTabSz="1149969"/>
             <a:r>
-              <a:rPr lang="pt-BR" sz="1544" dirty="0" smtClean="0">
+              <a:rPr lang="pt-BR" sz="1544" dirty="0">
                 <a:solidFill>
                   <a:schemeClr val="tx1"/>
                 </a:solidFill>
@@ -26208,13 +26252,6 @@
               </a:rPr>
               <a:t>Ter envolvimento e responsabilidade com o projeto</a:t>
             </a:r>
-            <a:endParaRPr lang="pt-BR" sz="1544" dirty="0">
-              <a:solidFill>
-                <a:schemeClr val="tx1"/>
-              </a:solidFill>
-              <a:latin typeface="MV Boli" panose="02000500030200090000" pitchFamily="2" charset="0"/>
-              <a:cs typeface="MV Boli" panose="02000500030200090000" pitchFamily="2" charset="0"/>
-            </a:endParaRPr>
           </a:p>
         </p:txBody>
       </p:sp>
@@ -26222,6 +26259,1106 @@
     <p:extLst>
       <p:ext uri="{BB962C8B-B14F-4D97-AF65-F5344CB8AC3E}">
         <p14:creationId xmlns:p14="http://schemas.microsoft.com/office/powerpoint/2010/main" val="1296799340"/>
+      </p:ext>
+    </p:extLst>
+  </p:cSld>
+  <p:clrMapOvr>
+    <a:masterClrMapping/>
+  </p:clrMapOvr>
+</p:sld>
+</file>
+
+<file path=ppt/slides/slide6.xml><?xml version="1.0" encoding="utf-8"?>
+<p:sld xmlns:a="http://schemas.openxmlformats.org/drawingml/2006/main" xmlns:r="http://schemas.openxmlformats.org/officeDocument/2006/relationships" xmlns:p="http://schemas.openxmlformats.org/presentationml/2006/main">
+  <p:cSld>
+    <p:spTree>
+      <p:nvGrpSpPr>
+        <p:cNvPr id="1" name=""/>
+        <p:cNvGrpSpPr/>
+        <p:nvPr/>
+      </p:nvGrpSpPr>
+      <p:grpSpPr>
+        <a:xfrm>
+          <a:off x="0" y="0"/>
+          <a:ext cx="0" cy="0"/>
+          <a:chOff x="0" y="0"/>
+          <a:chExt cx="0" cy="0"/>
+        </a:xfrm>
+      </p:grpSpPr>
+      <p:sp>
+        <p:nvSpPr>
+          <p:cNvPr id="3" name="Título 5">
+            <a:extLst>
+              <a:ext uri="{FF2B5EF4-FFF2-40B4-BE49-F238E27FC236}">
+                <a16:creationId xmlns:a16="http://schemas.microsoft.com/office/drawing/2014/main" id="{4E097E77-F80E-4867-86A1-4D220F4B9E0B}"/>
+              </a:ext>
+            </a:extLst>
+          </p:cNvPr>
+          <p:cNvSpPr txBox="1">
+            <a:spLocks/>
+          </p:cNvSpPr>
+          <p:nvPr/>
+        </p:nvSpPr>
+        <p:spPr>
+          <a:xfrm>
+            <a:off x="282944" y="186348"/>
+            <a:ext cx="10836482" cy="1252138"/>
+          </a:xfrm>
+          <a:prstGeom prst="rect">
+            <a:avLst/>
+          </a:prstGeom>
+        </p:spPr>
+        <p:txBody>
+          <a:bodyPr/>
+          <a:lstStyle>
+            <a:lvl1pPr algn="l" defTabSz="914400" rtl="0" eaLnBrk="1" latinLnBrk="0" hangingPunct="1">
+              <a:lnSpc>
+                <a:spcPct val="90000"/>
+              </a:lnSpc>
+              <a:spcBef>
+                <a:spcPct val="0"/>
+              </a:spcBef>
+              <a:buNone/>
+              <a:defRPr sz="4400" kern="1200">
+                <a:solidFill>
+                  <a:schemeClr val="tx1"/>
+                </a:solidFill>
+                <a:latin typeface="+mj-lt"/>
+                <a:ea typeface="+mj-ea"/>
+                <a:cs typeface="+mj-cs"/>
+              </a:defRPr>
+            </a:lvl1pPr>
+          </a:lstStyle>
+          <a:p>
+            <a:pPr>
+              <a:lnSpc>
+                <a:spcPct val="100000"/>
+              </a:lnSpc>
+              <a:spcAft>
+                <a:spcPts val="662"/>
+              </a:spcAft>
+            </a:pPr>
+            <a:r>
+              <a:rPr lang="pt-BR" sz="3087" dirty="0">
+                <a:solidFill>
+                  <a:schemeClr val="tx1">
+                    <a:lumMod val="75000"/>
+                    <a:lumOff val="25000"/>
+                  </a:schemeClr>
+                </a:solidFill>
+                <a:latin typeface="Simplon BP Regular" pitchFamily="2" charset="0"/>
+              </a:rPr>
+              <a:t>PROJETO ILLUMY – Planejamento/ Gestão do tempo</a:t>
+            </a:r>
+          </a:p>
+        </p:txBody>
+      </p:sp>
+      <p:sp>
+        <p:nvSpPr>
+          <p:cNvPr id="5" name="Retângulo 4">
+            <a:extLst>
+              <a:ext uri="{FF2B5EF4-FFF2-40B4-BE49-F238E27FC236}">
+                <a16:creationId xmlns:a16="http://schemas.microsoft.com/office/drawing/2014/main" id="{4FA34816-DBD2-4315-8DC9-1D28D9CEFEFB}"/>
+              </a:ext>
+            </a:extLst>
+          </p:cNvPr>
+          <p:cNvSpPr/>
+          <p:nvPr/>
+        </p:nvSpPr>
+        <p:spPr>
+          <a:xfrm>
+            <a:off x="816819" y="2052439"/>
+            <a:ext cx="7920880" cy="3046988"/>
+          </a:xfrm>
+          <a:prstGeom prst="rect">
+            <a:avLst/>
+          </a:prstGeom>
+        </p:spPr>
+        <p:txBody>
+          <a:bodyPr wrap="square">
+            <a:spAutoFit/>
+          </a:bodyPr>
+          <a:lstStyle/>
+          <a:p>
+            <a:pPr algn="just"/>
+            <a:endParaRPr lang="pt-BR" sz="2400" b="1" dirty="0">
+              <a:solidFill>
+                <a:srgbClr val="253746"/>
+              </a:solidFill>
+              <a:latin typeface="Simplon BP Regular"/>
+            </a:endParaRPr>
+          </a:p>
+          <a:p>
+            <a:pPr marL="342900" indent="-342900" algn="just">
+              <a:buFont typeface="Arial" panose="020B0604020202020204" pitchFamily="34" charset="0"/>
+              <a:buChar char="•"/>
+            </a:pPr>
+            <a:r>
+              <a:rPr lang="pt-BR" sz="2400" dirty="0">
+                <a:solidFill>
+                  <a:srgbClr val="253746"/>
+                </a:solidFill>
+                <a:latin typeface="Simplon BP Regular"/>
+              </a:rPr>
+              <a:t>Criação de horários comuns para chegada dos integrantes</a:t>
+            </a:r>
+          </a:p>
+          <a:p>
+            <a:pPr marL="342900" indent="-342900" algn="just">
+              <a:buFont typeface="Arial" panose="020B0604020202020204" pitchFamily="34" charset="0"/>
+              <a:buChar char="•"/>
+            </a:pPr>
+            <a:r>
+              <a:rPr lang="pt-BR" sz="2400" dirty="0">
+                <a:solidFill>
+                  <a:srgbClr val="253746"/>
+                </a:solidFill>
+                <a:latin typeface="Simplon BP Regular"/>
+              </a:rPr>
+              <a:t>Horário mínimo de permanência no </a:t>
+            </a:r>
+            <a:r>
+              <a:rPr lang="pt-BR" sz="2400" dirty="0" err="1">
+                <a:solidFill>
+                  <a:srgbClr val="253746"/>
+                </a:solidFill>
+                <a:latin typeface="Simplon BP Regular"/>
+              </a:rPr>
+              <a:t>OpenLab</a:t>
+            </a:r>
+            <a:endParaRPr lang="pt-BR" sz="2400" dirty="0">
+              <a:solidFill>
+                <a:srgbClr val="253746"/>
+              </a:solidFill>
+              <a:latin typeface="Simplon BP Regular"/>
+            </a:endParaRPr>
+          </a:p>
+          <a:p>
+            <a:pPr marL="342900" indent="-342900" algn="just">
+              <a:buFont typeface="Arial" panose="020B0604020202020204" pitchFamily="34" charset="0"/>
+              <a:buChar char="•"/>
+            </a:pPr>
+            <a:r>
+              <a:rPr lang="pt-BR" sz="2400" dirty="0">
+                <a:solidFill>
+                  <a:srgbClr val="253746"/>
+                </a:solidFill>
+                <a:latin typeface="Simplon BP Regular"/>
+              </a:rPr>
+              <a:t>Utilizamos o </a:t>
+            </a:r>
+            <a:r>
+              <a:rPr lang="pt-BR" sz="2400" dirty="0" err="1">
+                <a:solidFill>
+                  <a:srgbClr val="253746"/>
+                </a:solidFill>
+                <a:latin typeface="Simplon BP Regular"/>
+              </a:rPr>
+              <a:t>Planner</a:t>
+            </a:r>
+            <a:endParaRPr lang="pt-BR" sz="2400" dirty="0">
+              <a:solidFill>
+                <a:srgbClr val="253746"/>
+              </a:solidFill>
+              <a:latin typeface="Simplon BP Regular"/>
+            </a:endParaRPr>
+          </a:p>
+          <a:p>
+            <a:pPr marL="342900" indent="-342900" algn="just">
+              <a:buFont typeface="Arial" panose="020B0604020202020204" pitchFamily="34" charset="0"/>
+              <a:buChar char="•"/>
+            </a:pPr>
+            <a:r>
+              <a:rPr lang="pt-BR" sz="2400" dirty="0">
+                <a:solidFill>
+                  <a:srgbClr val="253746"/>
+                </a:solidFill>
+                <a:latin typeface="Simplon BP Regular"/>
+              </a:rPr>
+              <a:t>Slack/WhatsApp para comunicação </a:t>
+            </a:r>
+          </a:p>
+          <a:p>
+            <a:pPr marL="342900" indent="-342900" algn="just">
+              <a:buFont typeface="Arial" panose="020B0604020202020204" pitchFamily="34" charset="0"/>
+              <a:buChar char="•"/>
+            </a:pPr>
+            <a:r>
+              <a:rPr lang="pt-BR" sz="2400" dirty="0">
+                <a:solidFill>
+                  <a:srgbClr val="253746"/>
+                </a:solidFill>
+                <a:latin typeface="Simplon BP Regular"/>
+              </a:rPr>
+              <a:t>Google Drive para documentação temporária </a:t>
+            </a:r>
+          </a:p>
+          <a:p>
+            <a:pPr marL="342900" indent="-342900" algn="just">
+              <a:buFont typeface="Arial" panose="020B0604020202020204" pitchFamily="34" charset="0"/>
+              <a:buChar char="•"/>
+            </a:pPr>
+            <a:r>
+              <a:rPr lang="pt-BR" sz="2400" dirty="0">
+                <a:solidFill>
+                  <a:srgbClr val="253746"/>
+                </a:solidFill>
+                <a:latin typeface="Simplon BP Regular"/>
+              </a:rPr>
+              <a:t>GitHub para envio todos os arquivos do projeto</a:t>
+            </a:r>
+          </a:p>
+          <a:p>
+            <a:pPr marL="342900" indent="-342900" algn="just">
+              <a:buFont typeface="Arial" panose="020B0604020202020204" pitchFamily="34" charset="0"/>
+              <a:buChar char="•"/>
+            </a:pPr>
+            <a:endParaRPr lang="pt-BR" sz="2400" dirty="0">
+              <a:solidFill>
+                <a:srgbClr val="253746"/>
+              </a:solidFill>
+              <a:latin typeface="Simplon BP Regular"/>
+            </a:endParaRPr>
+          </a:p>
+        </p:txBody>
+      </p:sp>
+      <p:pic>
+        <p:nvPicPr>
+          <p:cNvPr id="2050" name="Picture 2" descr="Resultado de imagem para tempo png">
+            <a:extLst>
+              <a:ext uri="{FF2B5EF4-FFF2-40B4-BE49-F238E27FC236}">
+                <a16:creationId xmlns:a16="http://schemas.microsoft.com/office/drawing/2014/main" id="{DF86C165-D545-467E-844B-E83EB207FD63}"/>
+              </a:ext>
+            </a:extLst>
+          </p:cNvPr>
+          <p:cNvPicPr>
+            <a:picLocks noChangeAspect="1" noChangeArrowheads="1"/>
+          </p:cNvPicPr>
+          <p:nvPr/>
+        </p:nvPicPr>
+        <p:blipFill>
+          <a:blip r:embed="rId3">
+            <a:extLst>
+              <a:ext uri="{28A0092B-C50C-407E-A947-70E740481C1C}">
+                <a14:useLocalDpi xmlns:a14="http://schemas.microsoft.com/office/drawing/2010/main" val="0"/>
+              </a:ext>
+            </a:extLst>
+          </a:blip>
+          <a:srcRect/>
+          <a:stretch>
+            <a:fillRect/>
+          </a:stretch>
+        </p:blipFill>
+        <p:spPr bwMode="auto">
+          <a:xfrm>
+            <a:off x="9097739" y="2478385"/>
+            <a:ext cx="3268784" cy="2195096"/>
+          </a:xfrm>
+          <a:prstGeom prst="rect">
+            <a:avLst/>
+          </a:prstGeom>
+          <a:noFill/>
+          <a:extLst>
+            <a:ext uri="{909E8E84-426E-40DD-AFC4-6F175D3DCCD1}">
+              <a14:hiddenFill xmlns:a14="http://schemas.microsoft.com/office/drawing/2010/main">
+                <a:solidFill>
+                  <a:srgbClr val="FFFFFF"/>
+                </a:solidFill>
+              </a14:hiddenFill>
+            </a:ext>
+          </a:extLst>
+        </p:spPr>
+      </p:pic>
+    </p:spTree>
+    <p:extLst>
+      <p:ext uri="{BB962C8B-B14F-4D97-AF65-F5344CB8AC3E}">
+        <p14:creationId xmlns:p14="http://schemas.microsoft.com/office/powerpoint/2010/main" val="431258497"/>
+      </p:ext>
+    </p:extLst>
+  </p:cSld>
+  <p:clrMapOvr>
+    <a:masterClrMapping/>
+  </p:clrMapOvr>
+</p:sld>
+</file>
+
+<file path=ppt/slides/slide7.xml><?xml version="1.0" encoding="utf-8"?>
+<p:sld xmlns:a="http://schemas.openxmlformats.org/drawingml/2006/main" xmlns:r="http://schemas.openxmlformats.org/officeDocument/2006/relationships" xmlns:p="http://schemas.openxmlformats.org/presentationml/2006/main">
+  <p:cSld>
+    <p:spTree>
+      <p:nvGrpSpPr>
+        <p:cNvPr id="1" name=""/>
+        <p:cNvGrpSpPr/>
+        <p:nvPr/>
+      </p:nvGrpSpPr>
+      <p:grpSpPr>
+        <a:xfrm>
+          <a:off x="0" y="0"/>
+          <a:ext cx="0" cy="0"/>
+          <a:chOff x="0" y="0"/>
+          <a:chExt cx="0" cy="0"/>
+        </a:xfrm>
+      </p:grpSpPr>
+      <p:sp>
+        <p:nvSpPr>
+          <p:cNvPr id="3" name="Título 5">
+            <a:extLst>
+              <a:ext uri="{FF2B5EF4-FFF2-40B4-BE49-F238E27FC236}">
+                <a16:creationId xmlns:a16="http://schemas.microsoft.com/office/drawing/2014/main" id="{4E097E77-F80E-4867-86A1-4D220F4B9E0B}"/>
+              </a:ext>
+            </a:extLst>
+          </p:cNvPr>
+          <p:cNvSpPr txBox="1">
+            <a:spLocks/>
+          </p:cNvSpPr>
+          <p:nvPr/>
+        </p:nvSpPr>
+        <p:spPr>
+          <a:xfrm>
+            <a:off x="282944" y="186348"/>
+            <a:ext cx="10836482" cy="1252138"/>
+          </a:xfrm>
+          <a:prstGeom prst="rect">
+            <a:avLst/>
+          </a:prstGeom>
+        </p:spPr>
+        <p:txBody>
+          <a:bodyPr/>
+          <a:lstStyle>
+            <a:lvl1pPr algn="l" defTabSz="914400" rtl="0" eaLnBrk="1" latinLnBrk="0" hangingPunct="1">
+              <a:lnSpc>
+                <a:spcPct val="90000"/>
+              </a:lnSpc>
+              <a:spcBef>
+                <a:spcPct val="0"/>
+              </a:spcBef>
+              <a:buNone/>
+              <a:defRPr sz="4400" kern="1200">
+                <a:solidFill>
+                  <a:schemeClr val="tx1"/>
+                </a:solidFill>
+                <a:latin typeface="+mj-lt"/>
+                <a:ea typeface="+mj-ea"/>
+                <a:cs typeface="+mj-cs"/>
+              </a:defRPr>
+            </a:lvl1pPr>
+          </a:lstStyle>
+          <a:p>
+            <a:pPr>
+              <a:lnSpc>
+                <a:spcPct val="100000"/>
+              </a:lnSpc>
+              <a:spcAft>
+                <a:spcPts val="662"/>
+              </a:spcAft>
+            </a:pPr>
+            <a:r>
+              <a:rPr lang="pt-BR" sz="3087" dirty="0">
+                <a:solidFill>
+                  <a:schemeClr val="tx1">
+                    <a:lumMod val="75000"/>
+                    <a:lumOff val="25000"/>
+                  </a:schemeClr>
+                </a:solidFill>
+                <a:latin typeface="Simplon BP Regular" pitchFamily="2" charset="0"/>
+              </a:rPr>
+              <a:t>PROJETO ILLUMY – Execução </a:t>
+            </a:r>
+          </a:p>
+        </p:txBody>
+      </p:sp>
+      <p:sp>
+        <p:nvSpPr>
+          <p:cNvPr id="5" name="Retângulo 4">
+            <a:extLst>
+              <a:ext uri="{FF2B5EF4-FFF2-40B4-BE49-F238E27FC236}">
+                <a16:creationId xmlns:a16="http://schemas.microsoft.com/office/drawing/2014/main" id="{4FA34816-DBD2-4315-8DC9-1D28D9CEFEFB}"/>
+              </a:ext>
+            </a:extLst>
+          </p:cNvPr>
+          <p:cNvSpPr/>
+          <p:nvPr/>
+        </p:nvSpPr>
+        <p:spPr>
+          <a:xfrm>
+            <a:off x="816819" y="2052439"/>
+            <a:ext cx="8712968" cy="2308324"/>
+          </a:xfrm>
+          <a:prstGeom prst="rect">
+            <a:avLst/>
+          </a:prstGeom>
+        </p:spPr>
+        <p:txBody>
+          <a:bodyPr wrap="square">
+            <a:spAutoFit/>
+          </a:bodyPr>
+          <a:lstStyle/>
+          <a:p>
+            <a:pPr algn="just"/>
+            <a:endParaRPr lang="pt-BR" sz="2400" b="1" dirty="0">
+              <a:solidFill>
+                <a:srgbClr val="253746"/>
+              </a:solidFill>
+              <a:latin typeface="Simplon BP Regular"/>
+            </a:endParaRPr>
+          </a:p>
+          <a:p>
+            <a:pPr marL="342900" indent="-342900" algn="just">
+              <a:buFont typeface="Arial" panose="020B0604020202020204" pitchFamily="34" charset="0"/>
+              <a:buChar char="•"/>
+            </a:pPr>
+            <a:r>
+              <a:rPr lang="pt-BR" sz="2400" dirty="0">
+                <a:solidFill>
+                  <a:srgbClr val="253746"/>
+                </a:solidFill>
+                <a:latin typeface="Simplon BP Regular"/>
+              </a:rPr>
+              <a:t>No primeiro momento houve mínima rotatividade </a:t>
+            </a:r>
+          </a:p>
+          <a:p>
+            <a:pPr marL="342900" indent="-342900" algn="just">
+              <a:buFont typeface="Arial" panose="020B0604020202020204" pitchFamily="34" charset="0"/>
+              <a:buChar char="•"/>
+            </a:pPr>
+            <a:r>
+              <a:rPr lang="pt-BR" sz="2400" dirty="0">
+                <a:solidFill>
+                  <a:srgbClr val="253746"/>
+                </a:solidFill>
+                <a:latin typeface="Simplon BP Regular"/>
+              </a:rPr>
+              <a:t>Construir bases sólidas</a:t>
+            </a:r>
+          </a:p>
+          <a:p>
+            <a:pPr marL="342900" indent="-342900" algn="just">
+              <a:buFont typeface="Arial" panose="020B0604020202020204" pitchFamily="34" charset="0"/>
+              <a:buChar char="•"/>
+            </a:pPr>
+            <a:r>
+              <a:rPr lang="pt-BR" sz="2400" dirty="0">
+                <a:solidFill>
+                  <a:srgbClr val="253746"/>
+                </a:solidFill>
+                <a:latin typeface="Simplon BP Regular"/>
+              </a:rPr>
+              <a:t>Início de uma rotatividade mais efetiva </a:t>
+            </a:r>
+          </a:p>
+          <a:p>
+            <a:pPr marL="342900" indent="-342900" algn="just">
+              <a:buFont typeface="Arial" panose="020B0604020202020204" pitchFamily="34" charset="0"/>
+              <a:buChar char="•"/>
+            </a:pPr>
+            <a:r>
+              <a:rPr lang="pt-BR" sz="2400" dirty="0">
+                <a:solidFill>
+                  <a:srgbClr val="253746"/>
+                </a:solidFill>
+                <a:latin typeface="Simplon BP Regular"/>
+              </a:rPr>
+              <a:t>Todos tiveram contato com todos os pontos do projeto </a:t>
+            </a:r>
+          </a:p>
+          <a:p>
+            <a:pPr marL="342900" indent="-342900" algn="just">
+              <a:buFont typeface="Arial" panose="020B0604020202020204" pitchFamily="34" charset="0"/>
+              <a:buChar char="•"/>
+            </a:pPr>
+            <a:r>
+              <a:rPr lang="pt-BR" sz="2400" dirty="0">
+                <a:solidFill>
+                  <a:srgbClr val="253746"/>
+                </a:solidFill>
+                <a:latin typeface="Simplon BP Regular"/>
+              </a:rPr>
+              <a:t>Reuniões as sextas-feiras das 16h30 até 18h30 (horário mínimo)</a:t>
+            </a:r>
+          </a:p>
+        </p:txBody>
+      </p:sp>
+      <p:pic>
+        <p:nvPicPr>
+          <p:cNvPr id="3074" name="Picture 2" descr="Resultado de imagem para execuÃ§Ã£o png">
+            <a:extLst>
+              <a:ext uri="{FF2B5EF4-FFF2-40B4-BE49-F238E27FC236}">
+                <a16:creationId xmlns:a16="http://schemas.microsoft.com/office/drawing/2014/main" id="{A985E3FE-A141-4668-8D4E-19A28CF4F8CA}"/>
+              </a:ext>
+            </a:extLst>
+          </p:cNvPr>
+          <p:cNvPicPr>
+            <a:picLocks noChangeAspect="1" noChangeArrowheads="1"/>
+          </p:cNvPicPr>
+          <p:nvPr/>
+        </p:nvPicPr>
+        <p:blipFill>
+          <a:blip r:embed="rId3">
+            <a:extLst>
+              <a:ext uri="{28A0092B-C50C-407E-A947-70E740481C1C}">
+                <a14:useLocalDpi xmlns:a14="http://schemas.microsoft.com/office/drawing/2010/main" val="0"/>
+              </a:ext>
+            </a:extLst>
+          </a:blip>
+          <a:srcRect/>
+          <a:stretch>
+            <a:fillRect/>
+          </a:stretch>
+        </p:blipFill>
+        <p:spPr bwMode="auto">
+          <a:xfrm>
+            <a:off x="9529787" y="2103525"/>
+            <a:ext cx="2871241" cy="2871241"/>
+          </a:xfrm>
+          <a:prstGeom prst="rect">
+            <a:avLst/>
+          </a:prstGeom>
+          <a:noFill/>
+          <a:extLst>
+            <a:ext uri="{909E8E84-426E-40DD-AFC4-6F175D3DCCD1}">
+              <a14:hiddenFill xmlns:a14="http://schemas.microsoft.com/office/drawing/2010/main">
+                <a:solidFill>
+                  <a:srgbClr val="FFFFFF"/>
+                </a:solidFill>
+              </a14:hiddenFill>
+            </a:ext>
+          </a:extLst>
+        </p:spPr>
+      </p:pic>
+    </p:spTree>
+    <p:extLst>
+      <p:ext uri="{BB962C8B-B14F-4D97-AF65-F5344CB8AC3E}">
+        <p14:creationId xmlns:p14="http://schemas.microsoft.com/office/powerpoint/2010/main" val="800186173"/>
+      </p:ext>
+    </p:extLst>
+  </p:cSld>
+  <p:clrMapOvr>
+    <a:masterClrMapping/>
+  </p:clrMapOvr>
+</p:sld>
+</file>
+
+<file path=ppt/slides/slide8.xml><?xml version="1.0" encoding="utf-8"?>
+<p:sld xmlns:a="http://schemas.openxmlformats.org/drawingml/2006/main" xmlns:r="http://schemas.openxmlformats.org/officeDocument/2006/relationships" xmlns:p="http://schemas.openxmlformats.org/presentationml/2006/main">
+  <p:cSld>
+    <p:spTree>
+      <p:nvGrpSpPr>
+        <p:cNvPr id="1" name=""/>
+        <p:cNvGrpSpPr/>
+        <p:nvPr/>
+      </p:nvGrpSpPr>
+      <p:grpSpPr>
+        <a:xfrm>
+          <a:off x="0" y="0"/>
+          <a:ext cx="0" cy="0"/>
+          <a:chOff x="0" y="0"/>
+          <a:chExt cx="0" cy="0"/>
+        </a:xfrm>
+      </p:grpSpPr>
+      <p:sp>
+        <p:nvSpPr>
+          <p:cNvPr id="3" name="Título 5">
+            <a:extLst>
+              <a:ext uri="{FF2B5EF4-FFF2-40B4-BE49-F238E27FC236}">
+                <a16:creationId xmlns:a16="http://schemas.microsoft.com/office/drawing/2014/main" id="{4E097E77-F80E-4867-86A1-4D220F4B9E0B}"/>
+              </a:ext>
+            </a:extLst>
+          </p:cNvPr>
+          <p:cNvSpPr txBox="1">
+            <a:spLocks/>
+          </p:cNvSpPr>
+          <p:nvPr/>
+        </p:nvSpPr>
+        <p:spPr>
+          <a:xfrm>
+            <a:off x="282944" y="186348"/>
+            <a:ext cx="10836482" cy="1252138"/>
+          </a:xfrm>
+          <a:prstGeom prst="rect">
+            <a:avLst/>
+          </a:prstGeom>
+        </p:spPr>
+        <p:txBody>
+          <a:bodyPr/>
+          <a:lstStyle>
+            <a:lvl1pPr algn="l" defTabSz="914400" rtl="0" eaLnBrk="1" latinLnBrk="0" hangingPunct="1">
+              <a:lnSpc>
+                <a:spcPct val="90000"/>
+              </a:lnSpc>
+              <a:spcBef>
+                <a:spcPct val="0"/>
+              </a:spcBef>
+              <a:buNone/>
+              <a:defRPr sz="4400" kern="1200">
+                <a:solidFill>
+                  <a:schemeClr val="tx1"/>
+                </a:solidFill>
+                <a:latin typeface="+mj-lt"/>
+                <a:ea typeface="+mj-ea"/>
+                <a:cs typeface="+mj-cs"/>
+              </a:defRPr>
+            </a:lvl1pPr>
+          </a:lstStyle>
+          <a:p>
+            <a:pPr>
+              <a:lnSpc>
+                <a:spcPct val="100000"/>
+              </a:lnSpc>
+              <a:spcAft>
+                <a:spcPts val="662"/>
+              </a:spcAft>
+            </a:pPr>
+            <a:r>
+              <a:rPr lang="pt-BR" sz="3087" dirty="0">
+                <a:solidFill>
+                  <a:schemeClr val="tx1">
+                    <a:lumMod val="75000"/>
+                    <a:lumOff val="25000"/>
+                  </a:schemeClr>
+                </a:solidFill>
+                <a:latin typeface="Simplon BP Regular" pitchFamily="2" charset="0"/>
+              </a:rPr>
+              <a:t>PROJETO ILLUMY – Metodologia de trabalho </a:t>
+            </a:r>
+          </a:p>
+        </p:txBody>
+      </p:sp>
+      <p:sp>
+        <p:nvSpPr>
+          <p:cNvPr id="5" name="Retângulo 4">
+            <a:extLst>
+              <a:ext uri="{FF2B5EF4-FFF2-40B4-BE49-F238E27FC236}">
+                <a16:creationId xmlns:a16="http://schemas.microsoft.com/office/drawing/2014/main" id="{4FA34816-DBD2-4315-8DC9-1D28D9CEFEFB}"/>
+              </a:ext>
+            </a:extLst>
+          </p:cNvPr>
+          <p:cNvSpPr/>
+          <p:nvPr/>
+        </p:nvSpPr>
+        <p:spPr>
+          <a:xfrm>
+            <a:off x="816819" y="2052439"/>
+            <a:ext cx="7416824" cy="2677656"/>
+          </a:xfrm>
+          <a:prstGeom prst="rect">
+            <a:avLst/>
+          </a:prstGeom>
+        </p:spPr>
+        <p:txBody>
+          <a:bodyPr wrap="square">
+            <a:spAutoFit/>
+          </a:bodyPr>
+          <a:lstStyle/>
+          <a:p>
+            <a:pPr algn="just"/>
+            <a:endParaRPr lang="pt-BR" sz="2400" b="1" dirty="0">
+              <a:solidFill>
+                <a:srgbClr val="253746"/>
+              </a:solidFill>
+              <a:latin typeface="Simplon BP Regular"/>
+            </a:endParaRPr>
+          </a:p>
+          <a:p>
+            <a:pPr marL="342900" indent="-342900" algn="just">
+              <a:buFont typeface="Arial" panose="020B0604020202020204" pitchFamily="34" charset="0"/>
+              <a:buChar char="•"/>
+            </a:pPr>
+            <a:r>
+              <a:rPr lang="pt-BR" sz="2400" dirty="0">
+                <a:solidFill>
+                  <a:srgbClr val="253746"/>
+                </a:solidFill>
+                <a:latin typeface="Simplon BP Regular"/>
+              </a:rPr>
+              <a:t>Utilizamos a metodologia ágil (Scrum)</a:t>
+            </a:r>
+          </a:p>
+          <a:p>
+            <a:pPr marL="342900" indent="-342900" algn="just">
+              <a:buFont typeface="Arial" panose="020B0604020202020204" pitchFamily="34" charset="0"/>
+              <a:buChar char="•"/>
+            </a:pPr>
+            <a:r>
+              <a:rPr lang="pt-BR" sz="2400" dirty="0">
+                <a:solidFill>
+                  <a:srgbClr val="253746"/>
+                </a:solidFill>
+                <a:latin typeface="Simplon BP Regular"/>
+              </a:rPr>
+              <a:t>Entregas semanais para pessoa com maior domínio no </a:t>
+            </a:r>
+          </a:p>
+          <a:p>
+            <a:pPr algn="just"/>
+            <a:r>
+              <a:rPr lang="pt-BR" sz="2400" dirty="0">
+                <a:solidFill>
+                  <a:srgbClr val="253746"/>
+                </a:solidFill>
+                <a:latin typeface="Simplon BP Regular"/>
+              </a:rPr>
+              <a:t>assunto avaliar </a:t>
+            </a:r>
+          </a:p>
+          <a:p>
+            <a:pPr marL="342900" indent="-342900" algn="just">
+              <a:buFont typeface="Arial" panose="020B0604020202020204" pitchFamily="34" charset="0"/>
+              <a:buChar char="•"/>
+            </a:pPr>
+            <a:r>
+              <a:rPr lang="pt-BR" sz="2400" dirty="0">
+                <a:solidFill>
+                  <a:srgbClr val="253746"/>
+                </a:solidFill>
+                <a:latin typeface="Simplon BP Regular"/>
+              </a:rPr>
+              <a:t>Revisão de tarefas</a:t>
+            </a:r>
+          </a:p>
+          <a:p>
+            <a:pPr marL="342900" indent="-342900" algn="just">
+              <a:buFont typeface="Arial" panose="020B0604020202020204" pitchFamily="34" charset="0"/>
+              <a:buChar char="•"/>
+            </a:pPr>
+            <a:r>
+              <a:rPr lang="pt-BR" sz="2400" dirty="0">
+                <a:solidFill>
+                  <a:srgbClr val="253746"/>
+                </a:solidFill>
+                <a:latin typeface="Simplon BP Regular"/>
+              </a:rPr>
+              <a:t>Participação coletiva na tomada de decisões</a:t>
+            </a:r>
+          </a:p>
+          <a:p>
+            <a:pPr marL="342900" indent="-342900" algn="just">
+              <a:buFont typeface="Arial" panose="020B0604020202020204" pitchFamily="34" charset="0"/>
+              <a:buChar char="•"/>
+            </a:pPr>
+            <a:r>
+              <a:rPr lang="pt-BR" sz="2400" dirty="0" err="1">
+                <a:solidFill>
+                  <a:srgbClr val="253746"/>
+                </a:solidFill>
+                <a:latin typeface="Simplon BP Regular"/>
+              </a:rPr>
+              <a:t>Feebacks</a:t>
+            </a:r>
+            <a:r>
+              <a:rPr lang="pt-BR" sz="2400" dirty="0">
+                <a:solidFill>
+                  <a:srgbClr val="253746"/>
+                </a:solidFill>
+                <a:latin typeface="Simplon BP Regular"/>
+              </a:rPr>
+              <a:t> constantes</a:t>
+            </a:r>
+          </a:p>
+        </p:txBody>
+      </p:sp>
+      <p:pic>
+        <p:nvPicPr>
+          <p:cNvPr id="4098" name="Picture 2" descr="Imagem relacionada">
+            <a:extLst>
+              <a:ext uri="{FF2B5EF4-FFF2-40B4-BE49-F238E27FC236}">
+                <a16:creationId xmlns:a16="http://schemas.microsoft.com/office/drawing/2014/main" id="{9AE64546-6C9D-4F96-A74D-C3312265E12B}"/>
+              </a:ext>
+            </a:extLst>
+          </p:cNvPr>
+          <p:cNvPicPr>
+            <a:picLocks noChangeAspect="1" noChangeArrowheads="1"/>
+          </p:cNvPicPr>
+          <p:nvPr/>
+        </p:nvPicPr>
+        <p:blipFill>
+          <a:blip r:embed="rId3">
+            <a:extLst>
+              <a:ext uri="{28A0092B-C50C-407E-A947-70E740481C1C}">
+                <a14:useLocalDpi xmlns:a14="http://schemas.microsoft.com/office/drawing/2010/main" val="0"/>
+              </a:ext>
+            </a:extLst>
+          </a:blip>
+          <a:srcRect/>
+          <a:stretch>
+            <a:fillRect/>
+          </a:stretch>
+        </p:blipFill>
+        <p:spPr bwMode="auto">
+          <a:xfrm>
+            <a:off x="9097739" y="1677763"/>
+            <a:ext cx="3427008" cy="3427008"/>
+          </a:xfrm>
+          <a:prstGeom prst="rect">
+            <a:avLst/>
+          </a:prstGeom>
+          <a:noFill/>
+          <a:extLst>
+            <a:ext uri="{909E8E84-426E-40DD-AFC4-6F175D3DCCD1}">
+              <a14:hiddenFill xmlns:a14="http://schemas.microsoft.com/office/drawing/2010/main">
+                <a:solidFill>
+                  <a:srgbClr val="FFFFFF"/>
+                </a:solidFill>
+              </a14:hiddenFill>
+            </a:ext>
+          </a:extLst>
+        </p:spPr>
+      </p:pic>
+    </p:spTree>
+    <p:extLst>
+      <p:ext uri="{BB962C8B-B14F-4D97-AF65-F5344CB8AC3E}">
+        <p14:creationId xmlns:p14="http://schemas.microsoft.com/office/powerpoint/2010/main" val="2087651878"/>
+      </p:ext>
+    </p:extLst>
+  </p:cSld>
+  <p:clrMapOvr>
+    <a:masterClrMapping/>
+  </p:clrMapOvr>
+</p:sld>
+</file>
+
+<file path=ppt/slides/slide9.xml><?xml version="1.0" encoding="utf-8"?>
+<p:sld xmlns:a="http://schemas.openxmlformats.org/drawingml/2006/main" xmlns:r="http://schemas.openxmlformats.org/officeDocument/2006/relationships" xmlns:p="http://schemas.openxmlformats.org/presentationml/2006/main">
+  <p:cSld>
+    <p:spTree>
+      <p:nvGrpSpPr>
+        <p:cNvPr id="1" name=""/>
+        <p:cNvGrpSpPr/>
+        <p:nvPr/>
+      </p:nvGrpSpPr>
+      <p:grpSpPr>
+        <a:xfrm>
+          <a:off x="0" y="0"/>
+          <a:ext cx="0" cy="0"/>
+          <a:chOff x="0" y="0"/>
+          <a:chExt cx="0" cy="0"/>
+        </a:xfrm>
+      </p:grpSpPr>
+      <p:sp>
+        <p:nvSpPr>
+          <p:cNvPr id="3" name="Título 5">
+            <a:extLst>
+              <a:ext uri="{FF2B5EF4-FFF2-40B4-BE49-F238E27FC236}">
+                <a16:creationId xmlns:a16="http://schemas.microsoft.com/office/drawing/2014/main" id="{4E097E77-F80E-4867-86A1-4D220F4B9E0B}"/>
+              </a:ext>
+            </a:extLst>
+          </p:cNvPr>
+          <p:cNvSpPr txBox="1">
+            <a:spLocks/>
+          </p:cNvSpPr>
+          <p:nvPr/>
+        </p:nvSpPr>
+        <p:spPr>
+          <a:xfrm>
+            <a:off x="282944" y="186348"/>
+            <a:ext cx="10836482" cy="1252138"/>
+          </a:xfrm>
+          <a:prstGeom prst="rect">
+            <a:avLst/>
+          </a:prstGeom>
+        </p:spPr>
+        <p:txBody>
+          <a:bodyPr/>
+          <a:lstStyle>
+            <a:lvl1pPr algn="l" defTabSz="914400" rtl="0" eaLnBrk="1" latinLnBrk="0" hangingPunct="1">
+              <a:lnSpc>
+                <a:spcPct val="90000"/>
+              </a:lnSpc>
+              <a:spcBef>
+                <a:spcPct val="0"/>
+              </a:spcBef>
+              <a:buNone/>
+              <a:defRPr sz="4400" kern="1200">
+                <a:solidFill>
+                  <a:schemeClr val="tx1"/>
+                </a:solidFill>
+                <a:latin typeface="+mj-lt"/>
+                <a:ea typeface="+mj-ea"/>
+                <a:cs typeface="+mj-cs"/>
+              </a:defRPr>
+            </a:lvl1pPr>
+          </a:lstStyle>
+          <a:p>
+            <a:pPr>
+              <a:lnSpc>
+                <a:spcPct val="100000"/>
+              </a:lnSpc>
+              <a:spcAft>
+                <a:spcPts val="662"/>
+              </a:spcAft>
+            </a:pPr>
+            <a:r>
+              <a:rPr lang="pt-BR" sz="3087" dirty="0">
+                <a:solidFill>
+                  <a:schemeClr val="tx1">
+                    <a:lumMod val="75000"/>
+                    <a:lumOff val="25000"/>
+                  </a:schemeClr>
+                </a:solidFill>
+                <a:latin typeface="Simplon BP Regular" pitchFamily="2" charset="0"/>
+              </a:rPr>
+              <a:t>PROJETO ILLUMY – Riscos/Imprevistos</a:t>
+            </a:r>
+          </a:p>
+        </p:txBody>
+      </p:sp>
+      <p:sp>
+        <p:nvSpPr>
+          <p:cNvPr id="5" name="Retângulo 4">
+            <a:extLst>
+              <a:ext uri="{FF2B5EF4-FFF2-40B4-BE49-F238E27FC236}">
+                <a16:creationId xmlns:a16="http://schemas.microsoft.com/office/drawing/2014/main" id="{4FA34816-DBD2-4315-8DC9-1D28D9CEFEFB}"/>
+              </a:ext>
+            </a:extLst>
+          </p:cNvPr>
+          <p:cNvSpPr/>
+          <p:nvPr/>
+        </p:nvSpPr>
+        <p:spPr>
+          <a:xfrm>
+            <a:off x="816819" y="2052439"/>
+            <a:ext cx="7920880" cy="1938992"/>
+          </a:xfrm>
+          <a:prstGeom prst="rect">
+            <a:avLst/>
+          </a:prstGeom>
+        </p:spPr>
+        <p:txBody>
+          <a:bodyPr wrap="square">
+            <a:spAutoFit/>
+          </a:bodyPr>
+          <a:lstStyle/>
+          <a:p>
+            <a:pPr algn="just"/>
+            <a:endParaRPr lang="pt-BR" sz="2400" b="1" dirty="0">
+              <a:solidFill>
+                <a:srgbClr val="253746"/>
+              </a:solidFill>
+              <a:latin typeface="Simplon BP Regular"/>
+            </a:endParaRPr>
+          </a:p>
+          <a:p>
+            <a:pPr marL="342900" indent="-342900" algn="just">
+              <a:buFont typeface="Arial" panose="020B0604020202020204" pitchFamily="34" charset="0"/>
+              <a:buChar char="•"/>
+            </a:pPr>
+            <a:r>
+              <a:rPr lang="pt-BR" sz="2400" dirty="0">
+                <a:solidFill>
+                  <a:srgbClr val="253746"/>
+                </a:solidFill>
+                <a:latin typeface="Simplon BP Regular"/>
+              </a:rPr>
+              <a:t>Determinamos um corresponsável </a:t>
+            </a:r>
+          </a:p>
+          <a:p>
+            <a:pPr marL="342900" indent="-342900" algn="just">
+              <a:buFont typeface="Arial" panose="020B0604020202020204" pitchFamily="34" charset="0"/>
+              <a:buChar char="•"/>
+            </a:pPr>
+            <a:r>
+              <a:rPr lang="pt-BR" sz="2400" dirty="0" err="1">
+                <a:solidFill>
+                  <a:srgbClr val="253746"/>
+                </a:solidFill>
+                <a:latin typeface="Simplon BP Regular"/>
+              </a:rPr>
+              <a:t>Lider</a:t>
+            </a:r>
+            <a:r>
+              <a:rPr lang="pt-BR" sz="2400" dirty="0">
+                <a:solidFill>
+                  <a:srgbClr val="253746"/>
+                </a:solidFill>
+                <a:latin typeface="Simplon BP Regular"/>
+              </a:rPr>
+              <a:t> técnico para áreas especificas</a:t>
+            </a:r>
+          </a:p>
+          <a:p>
+            <a:pPr marL="342900" indent="-342900" algn="just">
+              <a:buFont typeface="Arial" panose="020B0604020202020204" pitchFamily="34" charset="0"/>
+              <a:buChar char="•"/>
+            </a:pPr>
+            <a:r>
+              <a:rPr lang="pt-BR" sz="2400" dirty="0">
+                <a:solidFill>
+                  <a:srgbClr val="253746"/>
+                </a:solidFill>
+                <a:latin typeface="Simplon BP Regular"/>
+              </a:rPr>
+              <a:t>Punição para quem não tem justificativa plausível </a:t>
+            </a:r>
+          </a:p>
+          <a:p>
+            <a:pPr marL="342900" indent="-342900" algn="just">
+              <a:buFont typeface="Arial" panose="020B0604020202020204" pitchFamily="34" charset="0"/>
+              <a:buChar char="•"/>
+            </a:pPr>
+            <a:r>
+              <a:rPr lang="pt-BR" sz="2400" dirty="0">
+                <a:solidFill>
+                  <a:srgbClr val="253746"/>
+                </a:solidFill>
+                <a:latin typeface="Simplon BP Regular"/>
+              </a:rPr>
+              <a:t>Opinião em momento de escolhas não será valida</a:t>
+            </a:r>
+          </a:p>
+        </p:txBody>
+      </p:sp>
+      <p:pic>
+        <p:nvPicPr>
+          <p:cNvPr id="5124" name="Picture 4" descr="Resultado de imagem para alert png">
+            <a:extLst>
+              <a:ext uri="{FF2B5EF4-FFF2-40B4-BE49-F238E27FC236}">
+                <a16:creationId xmlns:a16="http://schemas.microsoft.com/office/drawing/2014/main" id="{629118B5-4BD8-4BCC-A67D-2C78BB0F3D13}"/>
+              </a:ext>
+            </a:extLst>
+          </p:cNvPr>
+          <p:cNvPicPr>
+            <a:picLocks noChangeAspect="1" noChangeArrowheads="1"/>
+          </p:cNvPicPr>
+          <p:nvPr/>
+        </p:nvPicPr>
+        <p:blipFill>
+          <a:blip r:embed="rId3" cstate="print">
+            <a:extLst>
+              <a:ext uri="{28A0092B-C50C-407E-A947-70E740481C1C}">
+                <a14:useLocalDpi xmlns:a14="http://schemas.microsoft.com/office/drawing/2010/main" val="0"/>
+              </a:ext>
+            </a:extLst>
+          </a:blip>
+          <a:srcRect/>
+          <a:stretch>
+            <a:fillRect/>
+          </a:stretch>
+        </p:blipFill>
+        <p:spPr bwMode="auto">
+          <a:xfrm>
+            <a:off x="9495827" y="2196455"/>
+            <a:ext cx="3247198" cy="2412479"/>
+          </a:xfrm>
+          <a:prstGeom prst="rect">
+            <a:avLst/>
+          </a:prstGeom>
+          <a:noFill/>
+          <a:extLst>
+            <a:ext uri="{909E8E84-426E-40DD-AFC4-6F175D3DCCD1}">
+              <a14:hiddenFill xmlns:a14="http://schemas.microsoft.com/office/drawing/2010/main">
+                <a:solidFill>
+                  <a:srgbClr val="FFFFFF"/>
+                </a:solidFill>
+              </a14:hiddenFill>
+            </a:ext>
+          </a:extLst>
+        </p:spPr>
+      </p:pic>
+    </p:spTree>
+    <p:extLst>
+      <p:ext uri="{BB962C8B-B14F-4D97-AF65-F5344CB8AC3E}">
+        <p14:creationId xmlns:p14="http://schemas.microsoft.com/office/powerpoint/2010/main" val="1173550451"/>
       </p:ext>
     </p:extLst>
   </p:cSld>

--- a/Documentação/Sprint-2/Pesquisa e Inovacao- lições aprendidas.pptx
+++ b/Documentação/Sprint-2/Pesquisa e Inovacao- lições aprendidas.pptx
@@ -7,10 +7,10 @@
     <p:sldMasterId id="2147483665" r:id="rId3"/>
   </p:sldMasterIdLst>
   <p:notesMasterIdLst>
-    <p:notesMasterId r:id="rId13"/>
+    <p:notesMasterId r:id="rId9"/>
   </p:notesMasterIdLst>
   <p:handoutMasterIdLst>
-    <p:handoutMasterId r:id="rId14"/>
+    <p:handoutMasterId r:id="rId10"/>
   </p:handoutMasterIdLst>
   <p:sldIdLst>
     <p:sldId id="256" r:id="rId4"/>
@@ -18,10 +18,6 @@
     <p:sldId id="346" r:id="rId6"/>
     <p:sldId id="344" r:id="rId7"/>
     <p:sldId id="348" r:id="rId8"/>
-    <p:sldId id="349" r:id="rId9"/>
-    <p:sldId id="350" r:id="rId10"/>
-    <p:sldId id="351" r:id="rId11"/>
-    <p:sldId id="352" r:id="rId12"/>
   </p:sldIdLst>
   <p:sldSz cx="13442950" cy="7561263"/>
   <p:notesSz cx="6858000" cy="9144000"/>
@@ -122,7 +118,7 @@
   </p:defaultTextStyle>
   <p:extLst>
     <p:ext uri="{EFAFB233-063F-42B5-8137-9DF3F51BA10A}">
-      <p15:sldGuideLst xmlns:p15="http://schemas.microsoft.com/office/powerpoint/2012/main">
+      <p15:sldGuideLst xmlns:p15="http://schemas.microsoft.com/office/powerpoint/2012/main" xmlns="">
         <p15:guide id="1" orient="horz" pos="2427" userDrawn="1">
           <p15:clr>
             <a:srgbClr val="A4A3A4"/>
@@ -136,7 +132,7 @@
       </p15:sldGuideLst>
     </p:ext>
     <p:ext uri="{2D200454-40CA-4A62-9FC3-DE9A4176ACB9}">
-      <p15:notesGuideLst xmlns:p15="http://schemas.microsoft.com/office/powerpoint/2012/main"/>
+      <p15:notesGuideLst xmlns:p15="http://schemas.microsoft.com/office/powerpoint/2012/main" xmlns=""/>
     </p:ext>
   </p:extLst>
 </p:presentation>
@@ -144,6 +140,9 @@
 
 <file path=ppt/changesInfos/changesInfo1.xml><?xml version="1.0" encoding="utf-8"?>
 <pc:chgInfo xmlns:a="http://schemas.openxmlformats.org/drawingml/2006/main" xmlns:r="http://schemas.openxmlformats.org/officeDocument/2006/relationships" xmlns:ac="http://schemas.microsoft.com/office/drawing/2013/main/command" xmlns:pc="http://schemas.microsoft.com/office/powerpoint/2013/main/command">
+  <pc:docChgLst>
+    <pc:chgData name="Fernando Brandao" userId="98fd82832e5e8854" providerId="LiveId" clId="{34A35D82-E50D-40C5-AE13-6F86E0B975D0}"/>
+  </pc:docChgLst>
   <pc:docChgLst>
     <pc:chgData name="Fernando Brandao" userId="98fd82832e5e8854" providerId="LiveId" clId="{4A275135-4C01-4FCA-B794-9C2DE9918CC3}"/>
   </pc:docChgLst>
@@ -172,16 +171,13 @@
     </pc:docChg>
   </pc:docChgLst>
   <pc:docChgLst>
-    <pc:chgData name="Fernando Brandao" userId="98fd82832e5e8854" providerId="LiveId" clId="{34A35D82-E50D-40C5-AE13-6F86E0B975D0}"/>
+    <pc:chgData name="Fernando Brandao" userId="98fd82832e5e8854" providerId="LiveId" clId="{4778F66F-A0C7-4DEB-9192-4251172539FB}"/>
   </pc:docChgLst>
   <pc:docChgLst>
     <pc:chgData name="Fernando Brandao" userId="98fd82832e5e8854" providerId="LiveId" clId="{DB6130DC-7DFE-4F49-9E2C-C5F1B20DDDB1}"/>
   </pc:docChgLst>
   <pc:docChgLst>
     <pc:chgData name="Fernando Brandao" userId="98fd82832e5e8854" providerId="LiveId" clId="{5BC8178E-F97A-43B8-B01C-B7A69C6AA1DE}"/>
-  </pc:docChgLst>
-  <pc:docChgLst>
-    <pc:chgData name="Fernando Brandao" userId="98fd82832e5e8854" providerId="LiveId" clId="{4778F66F-A0C7-4DEB-9192-4251172539FB}"/>
   </pc:docChgLst>
 </pc:chgInfo>
 </file>
@@ -876,346 +872,6 @@
 </p:notes>
 </file>
 
-<file path=ppt/notesSlides/notesSlide3.xml><?xml version="1.0" encoding="utf-8"?>
-<p:notes xmlns:a="http://schemas.openxmlformats.org/drawingml/2006/main" xmlns:r="http://schemas.openxmlformats.org/officeDocument/2006/relationships" xmlns:p="http://schemas.openxmlformats.org/presentationml/2006/main">
-  <p:cSld>
-    <p:spTree>
-      <p:nvGrpSpPr>
-        <p:cNvPr id="1" name=""/>
-        <p:cNvGrpSpPr/>
-        <p:nvPr/>
-      </p:nvGrpSpPr>
-      <p:grpSpPr>
-        <a:xfrm>
-          <a:off x="0" y="0"/>
-          <a:ext cx="0" cy="0"/>
-          <a:chOff x="0" y="0"/>
-          <a:chExt cx="0" cy="0"/>
-        </a:xfrm>
-      </p:grpSpPr>
-      <p:sp>
-        <p:nvSpPr>
-          <p:cNvPr id="2" name="Espaço Reservado para Imagem de Slide 1"/>
-          <p:cNvSpPr>
-            <a:spLocks noGrp="1" noRot="1" noChangeAspect="1"/>
-          </p:cNvSpPr>
-          <p:nvPr>
-            <p:ph type="sldImg"/>
-          </p:nvPr>
-        </p:nvSpPr>
-        <p:spPr/>
-      </p:sp>
-      <p:sp>
-        <p:nvSpPr>
-          <p:cNvPr id="3" name="Espaço Reservado para Anotações 2"/>
-          <p:cNvSpPr>
-            <a:spLocks noGrp="1"/>
-          </p:cNvSpPr>
-          <p:nvPr>
-            <p:ph type="body" idx="1"/>
-          </p:nvPr>
-        </p:nvSpPr>
-        <p:spPr/>
-        <p:txBody>
-          <a:bodyPr/>
-          <a:lstStyle/>
-          <a:p>
-            <a:endParaRPr lang="pt-BR" dirty="0"/>
-          </a:p>
-        </p:txBody>
-      </p:sp>
-      <p:sp>
-        <p:nvSpPr>
-          <p:cNvPr id="4" name="Espaço Reservado para Número de Slide 3"/>
-          <p:cNvSpPr>
-            <a:spLocks noGrp="1"/>
-          </p:cNvSpPr>
-          <p:nvPr>
-            <p:ph type="sldNum" sz="quarter" idx="5"/>
-          </p:nvPr>
-        </p:nvSpPr>
-        <p:spPr/>
-        <p:txBody>
-          <a:bodyPr/>
-          <a:lstStyle/>
-          <a:p>
-            <a:fld id="{75B3645A-D0AE-4F6E-A17E-E0036A9041AF}" type="slidenum">
-              <a:rPr lang="pt-BR" smtClean="0"/>
-              <a:pPr/>
-              <a:t>6</a:t>
-            </a:fld>
-            <a:endParaRPr lang="pt-BR"/>
-          </a:p>
-        </p:txBody>
-      </p:sp>
-    </p:spTree>
-    <p:extLst>
-      <p:ext uri="{BB962C8B-B14F-4D97-AF65-F5344CB8AC3E}">
-        <p14:creationId xmlns:p14="http://schemas.microsoft.com/office/powerpoint/2010/main" val="3150764903"/>
-      </p:ext>
-    </p:extLst>
-  </p:cSld>
-  <p:clrMapOvr>
-    <a:masterClrMapping/>
-  </p:clrMapOvr>
-</p:notes>
-</file>
-
-<file path=ppt/notesSlides/notesSlide4.xml><?xml version="1.0" encoding="utf-8"?>
-<p:notes xmlns:a="http://schemas.openxmlformats.org/drawingml/2006/main" xmlns:r="http://schemas.openxmlformats.org/officeDocument/2006/relationships" xmlns:p="http://schemas.openxmlformats.org/presentationml/2006/main">
-  <p:cSld>
-    <p:spTree>
-      <p:nvGrpSpPr>
-        <p:cNvPr id="1" name=""/>
-        <p:cNvGrpSpPr/>
-        <p:nvPr/>
-      </p:nvGrpSpPr>
-      <p:grpSpPr>
-        <a:xfrm>
-          <a:off x="0" y="0"/>
-          <a:ext cx="0" cy="0"/>
-          <a:chOff x="0" y="0"/>
-          <a:chExt cx="0" cy="0"/>
-        </a:xfrm>
-      </p:grpSpPr>
-      <p:sp>
-        <p:nvSpPr>
-          <p:cNvPr id="2" name="Espaço Reservado para Imagem de Slide 1"/>
-          <p:cNvSpPr>
-            <a:spLocks noGrp="1" noRot="1" noChangeAspect="1"/>
-          </p:cNvSpPr>
-          <p:nvPr>
-            <p:ph type="sldImg"/>
-          </p:nvPr>
-        </p:nvSpPr>
-        <p:spPr/>
-      </p:sp>
-      <p:sp>
-        <p:nvSpPr>
-          <p:cNvPr id="3" name="Espaço Reservado para Anotações 2"/>
-          <p:cNvSpPr>
-            <a:spLocks noGrp="1"/>
-          </p:cNvSpPr>
-          <p:nvPr>
-            <p:ph type="body" idx="1"/>
-          </p:nvPr>
-        </p:nvSpPr>
-        <p:spPr/>
-        <p:txBody>
-          <a:bodyPr/>
-          <a:lstStyle/>
-          <a:p>
-            <a:endParaRPr lang="pt-BR" dirty="0"/>
-          </a:p>
-        </p:txBody>
-      </p:sp>
-      <p:sp>
-        <p:nvSpPr>
-          <p:cNvPr id="4" name="Espaço Reservado para Número de Slide 3"/>
-          <p:cNvSpPr>
-            <a:spLocks noGrp="1"/>
-          </p:cNvSpPr>
-          <p:nvPr>
-            <p:ph type="sldNum" sz="quarter" idx="5"/>
-          </p:nvPr>
-        </p:nvSpPr>
-        <p:spPr/>
-        <p:txBody>
-          <a:bodyPr/>
-          <a:lstStyle/>
-          <a:p>
-            <a:fld id="{75B3645A-D0AE-4F6E-A17E-E0036A9041AF}" type="slidenum">
-              <a:rPr lang="pt-BR" smtClean="0"/>
-              <a:pPr/>
-              <a:t>7</a:t>
-            </a:fld>
-            <a:endParaRPr lang="pt-BR"/>
-          </a:p>
-        </p:txBody>
-      </p:sp>
-    </p:spTree>
-    <p:extLst>
-      <p:ext uri="{BB962C8B-B14F-4D97-AF65-F5344CB8AC3E}">
-        <p14:creationId xmlns:p14="http://schemas.microsoft.com/office/powerpoint/2010/main" val="58760197"/>
-      </p:ext>
-    </p:extLst>
-  </p:cSld>
-  <p:clrMapOvr>
-    <a:masterClrMapping/>
-  </p:clrMapOvr>
-</p:notes>
-</file>
-
-<file path=ppt/notesSlides/notesSlide5.xml><?xml version="1.0" encoding="utf-8"?>
-<p:notes xmlns:a="http://schemas.openxmlformats.org/drawingml/2006/main" xmlns:r="http://schemas.openxmlformats.org/officeDocument/2006/relationships" xmlns:p="http://schemas.openxmlformats.org/presentationml/2006/main">
-  <p:cSld>
-    <p:spTree>
-      <p:nvGrpSpPr>
-        <p:cNvPr id="1" name=""/>
-        <p:cNvGrpSpPr/>
-        <p:nvPr/>
-      </p:nvGrpSpPr>
-      <p:grpSpPr>
-        <a:xfrm>
-          <a:off x="0" y="0"/>
-          <a:ext cx="0" cy="0"/>
-          <a:chOff x="0" y="0"/>
-          <a:chExt cx="0" cy="0"/>
-        </a:xfrm>
-      </p:grpSpPr>
-      <p:sp>
-        <p:nvSpPr>
-          <p:cNvPr id="2" name="Espaço Reservado para Imagem de Slide 1"/>
-          <p:cNvSpPr>
-            <a:spLocks noGrp="1" noRot="1" noChangeAspect="1"/>
-          </p:cNvSpPr>
-          <p:nvPr>
-            <p:ph type="sldImg"/>
-          </p:nvPr>
-        </p:nvSpPr>
-        <p:spPr/>
-      </p:sp>
-      <p:sp>
-        <p:nvSpPr>
-          <p:cNvPr id="3" name="Espaço Reservado para Anotações 2"/>
-          <p:cNvSpPr>
-            <a:spLocks noGrp="1"/>
-          </p:cNvSpPr>
-          <p:nvPr>
-            <p:ph type="body" idx="1"/>
-          </p:nvPr>
-        </p:nvSpPr>
-        <p:spPr/>
-        <p:txBody>
-          <a:bodyPr/>
-          <a:lstStyle/>
-          <a:p>
-            <a:endParaRPr lang="pt-BR" dirty="0"/>
-          </a:p>
-        </p:txBody>
-      </p:sp>
-      <p:sp>
-        <p:nvSpPr>
-          <p:cNvPr id="4" name="Espaço Reservado para Número de Slide 3"/>
-          <p:cNvSpPr>
-            <a:spLocks noGrp="1"/>
-          </p:cNvSpPr>
-          <p:nvPr>
-            <p:ph type="sldNum" sz="quarter" idx="5"/>
-          </p:nvPr>
-        </p:nvSpPr>
-        <p:spPr/>
-        <p:txBody>
-          <a:bodyPr/>
-          <a:lstStyle/>
-          <a:p>
-            <a:fld id="{75B3645A-D0AE-4F6E-A17E-E0036A9041AF}" type="slidenum">
-              <a:rPr lang="pt-BR" smtClean="0"/>
-              <a:pPr/>
-              <a:t>8</a:t>
-            </a:fld>
-            <a:endParaRPr lang="pt-BR"/>
-          </a:p>
-        </p:txBody>
-      </p:sp>
-    </p:spTree>
-    <p:extLst>
-      <p:ext uri="{BB962C8B-B14F-4D97-AF65-F5344CB8AC3E}">
-        <p14:creationId xmlns:p14="http://schemas.microsoft.com/office/powerpoint/2010/main" val="2018373631"/>
-      </p:ext>
-    </p:extLst>
-  </p:cSld>
-  <p:clrMapOvr>
-    <a:masterClrMapping/>
-  </p:clrMapOvr>
-</p:notes>
-</file>
-
-<file path=ppt/notesSlides/notesSlide6.xml><?xml version="1.0" encoding="utf-8"?>
-<p:notes xmlns:a="http://schemas.openxmlformats.org/drawingml/2006/main" xmlns:r="http://schemas.openxmlformats.org/officeDocument/2006/relationships" xmlns:p="http://schemas.openxmlformats.org/presentationml/2006/main">
-  <p:cSld>
-    <p:spTree>
-      <p:nvGrpSpPr>
-        <p:cNvPr id="1" name=""/>
-        <p:cNvGrpSpPr/>
-        <p:nvPr/>
-      </p:nvGrpSpPr>
-      <p:grpSpPr>
-        <a:xfrm>
-          <a:off x="0" y="0"/>
-          <a:ext cx="0" cy="0"/>
-          <a:chOff x="0" y="0"/>
-          <a:chExt cx="0" cy="0"/>
-        </a:xfrm>
-      </p:grpSpPr>
-      <p:sp>
-        <p:nvSpPr>
-          <p:cNvPr id="2" name="Espaço Reservado para Imagem de Slide 1"/>
-          <p:cNvSpPr>
-            <a:spLocks noGrp="1" noRot="1" noChangeAspect="1"/>
-          </p:cNvSpPr>
-          <p:nvPr>
-            <p:ph type="sldImg"/>
-          </p:nvPr>
-        </p:nvSpPr>
-        <p:spPr/>
-      </p:sp>
-      <p:sp>
-        <p:nvSpPr>
-          <p:cNvPr id="3" name="Espaço Reservado para Anotações 2"/>
-          <p:cNvSpPr>
-            <a:spLocks noGrp="1"/>
-          </p:cNvSpPr>
-          <p:nvPr>
-            <p:ph type="body" idx="1"/>
-          </p:nvPr>
-        </p:nvSpPr>
-        <p:spPr/>
-        <p:txBody>
-          <a:bodyPr/>
-          <a:lstStyle/>
-          <a:p>
-            <a:endParaRPr lang="pt-BR" dirty="0"/>
-          </a:p>
-        </p:txBody>
-      </p:sp>
-      <p:sp>
-        <p:nvSpPr>
-          <p:cNvPr id="4" name="Espaço Reservado para Número de Slide 3"/>
-          <p:cNvSpPr>
-            <a:spLocks noGrp="1"/>
-          </p:cNvSpPr>
-          <p:nvPr>
-            <p:ph type="sldNum" sz="quarter" idx="5"/>
-          </p:nvPr>
-        </p:nvSpPr>
-        <p:spPr/>
-        <p:txBody>
-          <a:bodyPr/>
-          <a:lstStyle/>
-          <a:p>
-            <a:fld id="{75B3645A-D0AE-4F6E-A17E-E0036A9041AF}" type="slidenum">
-              <a:rPr lang="pt-BR" smtClean="0"/>
-              <a:pPr/>
-              <a:t>9</a:t>
-            </a:fld>
-            <a:endParaRPr lang="pt-BR"/>
-          </a:p>
-        </p:txBody>
-      </p:sp>
-    </p:spTree>
-    <p:extLst>
-      <p:ext uri="{BB962C8B-B14F-4D97-AF65-F5344CB8AC3E}">
-        <p14:creationId xmlns:p14="http://schemas.microsoft.com/office/powerpoint/2010/main" val="765565012"/>
-      </p:ext>
-    </p:extLst>
-  </p:cSld>
-  <p:clrMapOvr>
-    <a:masterClrMapping/>
-  </p:clrMapOvr>
-</p:notes>
-</file>
-
 <file path=ppt/slideLayouts/slideLayout1.xml><?xml version="1.0" encoding="utf-8"?>
 <p:sldLayout xmlns:a="http://schemas.openxmlformats.org/drawingml/2006/main" xmlns:r="http://schemas.openxmlformats.org/officeDocument/2006/relationships" xmlns:p="http://schemas.openxmlformats.org/presentationml/2006/main" preserve="1">
   <p:cSld name="Capa 1A">
@@ -4720,7 +4376,7 @@
           <a:graphicData uri="http://schemas.openxmlformats.org/presentationml/2006/ole">
             <mc:AlternateContent xmlns:mc="http://schemas.openxmlformats.org/markup-compatibility/2006">
               <mc:Choice xmlns:v="urn:schemas-microsoft-com:vml" Requires="v">
-                <p:oleObj spid="_x0000_s1032" name="Slide do think-cell" r:id="rId4" imgW="270" imgH="270" progId="TCLayout.ActiveDocument.1">
+                <p:oleObj spid="_x0000_s1028" name="Slide do think-cell" r:id="rId4" imgW="270" imgH="270" progId="TCLayout.ActiveDocument.1">
                   <p:embed/>
                 </p:oleObj>
               </mc:Choice>
@@ -23528,8 +23184,25 @@
                 <a:latin typeface="Arial" panose="020B0604020202020204" pitchFamily="34" charset="0"/>
                 <a:cs typeface="Arial" panose="020B0604020202020204" pitchFamily="34" charset="0"/>
               </a:rPr>
-              <a:t>GRUPO 4 - ILLUMY</a:t>
+              <a:t>GRUPO </a:t>
             </a:r>
+            <a:r>
+              <a:rPr lang="pt-BR" sz="2400" b="1" dirty="0" smtClean="0">
+                <a:solidFill>
+                  <a:srgbClr val="253746"/>
+                </a:solidFill>
+                <a:latin typeface="Arial" panose="020B0604020202020204" pitchFamily="34" charset="0"/>
+                <a:cs typeface="Arial" panose="020B0604020202020204" pitchFamily="34" charset="0"/>
+              </a:rPr>
+              <a:t>4 - ILLUMY</a:t>
+            </a:r>
+            <a:endParaRPr lang="pt-BR" sz="2400" b="1" dirty="0">
+              <a:solidFill>
+                <a:srgbClr val="253746"/>
+              </a:solidFill>
+              <a:latin typeface="Arial" panose="020B0604020202020204" pitchFamily="34" charset="0"/>
+              <a:cs typeface="Arial" panose="020B0604020202020204" pitchFamily="34" charset="0"/>
+            </a:endParaRPr>
           </a:p>
           <a:p>
             <a:pPr algn="just"/>
@@ -23547,7 +23220,7 @@
               <a:buChar char="•"/>
             </a:pPr>
             <a:r>
-              <a:rPr lang="pt-BR" sz="2400" dirty="0">
+              <a:rPr lang="pt-BR" sz="2400" dirty="0" smtClean="0">
                 <a:solidFill>
                   <a:srgbClr val="253746"/>
                 </a:solidFill>
@@ -23556,6 +23229,13 @@
               </a:rPr>
               <a:t>Bianca Barranco 01191072</a:t>
             </a:r>
+            <a:endParaRPr lang="pt-BR" sz="2400" dirty="0">
+              <a:solidFill>
+                <a:srgbClr val="253746"/>
+              </a:solidFill>
+              <a:latin typeface="Arial" panose="020B0604020202020204" pitchFamily="34" charset="0"/>
+              <a:cs typeface="Arial" panose="020B0604020202020204" pitchFamily="34" charset="0"/>
+            </a:endParaRPr>
           </a:p>
           <a:p>
             <a:pPr marL="342900" indent="-342900" algn="just">
@@ -23563,14 +23243,14 @@
               <a:buChar char="•"/>
             </a:pPr>
             <a:r>
-              <a:rPr lang="pt-BR" sz="2400" dirty="0">
+              <a:rPr lang="pt-BR" sz="2400" dirty="0" smtClean="0">
                 <a:solidFill>
                   <a:srgbClr val="253746"/>
                 </a:solidFill>
                 <a:latin typeface="Arial" panose="020B0604020202020204" pitchFamily="34" charset="0"/>
                 <a:cs typeface="Arial" panose="020B0604020202020204" pitchFamily="34" charset="0"/>
               </a:rPr>
-              <a:t>Bruno Almeida 01191093</a:t>
+              <a:t>Bruno Almeida</a:t>
             </a:r>
           </a:p>
           <a:p>
@@ -23579,14 +23259,14 @@
               <a:buChar char="•"/>
             </a:pPr>
             <a:r>
-              <a:rPr lang="pt-BR" sz="2400" dirty="0">
+              <a:rPr lang="pt-BR" sz="2400" dirty="0" smtClean="0">
                 <a:solidFill>
                   <a:srgbClr val="253746"/>
                 </a:solidFill>
                 <a:latin typeface="Arial" panose="020B0604020202020204" pitchFamily="34" charset="0"/>
                 <a:cs typeface="Arial" panose="020B0604020202020204" pitchFamily="34" charset="0"/>
               </a:rPr>
-              <a:t>Cassio Pereira 01191033</a:t>
+              <a:t>Cassio Pereira</a:t>
             </a:r>
           </a:p>
           <a:p>
@@ -23595,14 +23275,34 @@
               <a:buChar char="•"/>
             </a:pPr>
             <a:r>
-              <a:rPr lang="pt-BR" sz="2400" dirty="0">
+              <a:rPr lang="pt-BR" sz="2400" dirty="0" smtClean="0">
                 <a:solidFill>
                   <a:srgbClr val="253746"/>
                 </a:solidFill>
                 <a:latin typeface="Arial" panose="020B0604020202020204" pitchFamily="34" charset="0"/>
                 <a:cs typeface="Arial" panose="020B0604020202020204" pitchFamily="34" charset="0"/>
               </a:rPr>
-              <a:t>Guilherme Mingardi 01191056</a:t>
+              <a:t>Guilherme </a:t>
+            </a:r>
+            <a:r>
+              <a:rPr lang="pt-BR" sz="2400" dirty="0" err="1" smtClean="0">
+                <a:solidFill>
+                  <a:srgbClr val="253746"/>
+                </a:solidFill>
+                <a:latin typeface="Arial" panose="020B0604020202020204" pitchFamily="34" charset="0"/>
+                <a:cs typeface="Arial" panose="020B0604020202020204" pitchFamily="34" charset="0"/>
+              </a:rPr>
+              <a:t>Mingardi</a:t>
+            </a:r>
+            <a:r>
+              <a:rPr lang="pt-BR" sz="2400" dirty="0" smtClean="0">
+                <a:solidFill>
+                  <a:srgbClr val="253746"/>
+                </a:solidFill>
+                <a:latin typeface="Arial" panose="020B0604020202020204" pitchFamily="34" charset="0"/>
+                <a:cs typeface="Arial" panose="020B0604020202020204" pitchFamily="34" charset="0"/>
+              </a:rPr>
+              <a:t> 01191056</a:t>
             </a:r>
           </a:p>
           <a:p>
@@ -23611,14 +23311,14 @@
               <a:buChar char="•"/>
             </a:pPr>
             <a:r>
-              <a:rPr lang="pt-BR" sz="2400" dirty="0">
+              <a:rPr lang="pt-BR" sz="2400" dirty="0" smtClean="0">
                 <a:solidFill>
                   <a:srgbClr val="253746"/>
                 </a:solidFill>
                 <a:latin typeface="Arial" panose="020B0604020202020204" pitchFamily="34" charset="0"/>
                 <a:cs typeface="Arial" panose="020B0604020202020204" pitchFamily="34" charset="0"/>
               </a:rPr>
-              <a:t>Gustavo Machado 01191058</a:t>
+              <a:t>Gustavo Machado</a:t>
             </a:r>
           </a:p>
           <a:p>
@@ -23627,7 +23327,7 @@
               <a:buChar char="•"/>
             </a:pPr>
             <a:r>
-              <a:rPr lang="pt-BR" sz="2400" dirty="0">
+              <a:rPr lang="pt-BR" sz="2400" dirty="0" smtClean="0">
                 <a:solidFill>
                   <a:srgbClr val="253746"/>
                 </a:solidFill>
@@ -23636,6 +23336,13 @@
               </a:rPr>
               <a:t>Lucas Abreu 01191094</a:t>
             </a:r>
+            <a:endParaRPr lang="pt-BR" sz="2400" dirty="0">
+              <a:solidFill>
+                <a:srgbClr val="253746"/>
+              </a:solidFill>
+              <a:latin typeface="Arial" panose="020B0604020202020204" pitchFamily="34" charset="0"/>
+              <a:cs typeface="Arial" panose="020B0604020202020204" pitchFamily="34" charset="0"/>
+            </a:endParaRPr>
           </a:p>
         </p:txBody>
       </p:sp>
@@ -24221,7 +23928,31 @@
                 </a:solidFill>
                 <a:latin typeface="Simplon BP Regular" pitchFamily="2" charset="0"/>
               </a:rPr>
-              <a:t>PROJETO ILLUMY – REUNIÃO DE RETROSPECTIVA</a:t>
+              <a:t>PROJETO </a:t>
+            </a:r>
+            <a:r>
+              <a:rPr lang="pt-BR" sz="3087" dirty="0" smtClean="0">
+                <a:solidFill>
+                  <a:schemeClr val="tx1">
+                    <a:lumMod val="75000"/>
+                    <a:lumOff val="25000"/>
+                  </a:schemeClr>
+                </a:solidFill>
+                <a:latin typeface="Simplon BP Regular" pitchFamily="2" charset="0"/>
+              </a:rPr>
+              <a:t>ILLUMY </a:t>
+            </a:r>
+            <a:r>
+              <a:rPr lang="pt-BR" sz="3087" dirty="0">
+                <a:solidFill>
+                  <a:schemeClr val="tx1">
+                    <a:lumMod val="75000"/>
+                    <a:lumOff val="25000"/>
+                  </a:schemeClr>
+                </a:solidFill>
+                <a:latin typeface="Simplon BP Regular" pitchFamily="2" charset="0"/>
+              </a:rPr>
+              <a:t>– REUNIÃO DE RETROSPECTIVA</a:t>
             </a:r>
           </a:p>
         </p:txBody>
@@ -24421,7 +24152,7 @@
           <p:cNvPr id="11" name="Retângulo 10">
             <a:extLst>
               <a:ext uri="{FF2B5EF4-FFF2-40B4-BE49-F238E27FC236}">
-                <a16:creationId xmlns:a16="http://schemas.microsoft.com/office/drawing/2014/main" id="{4997F601-006F-4BC7-9604-88E30DA500D9}"/>
+                <a16:creationId xmlns:a16="http://schemas.microsoft.com/office/drawing/2014/main" xmlns="" id="{4997F601-006F-4BC7-9604-88E30DA500D9}"/>
               </a:ext>
             </a:extLst>
           </p:cNvPr>
@@ -24473,7 +24204,7 @@
           <a:p>
             <a:pPr algn="ctr" defTabSz="1149969"/>
             <a:r>
-              <a:rPr lang="pt-BR" sz="1544" dirty="0">
+              <a:rPr lang="pt-BR" sz="1544" dirty="0" smtClean="0">
                 <a:solidFill>
                   <a:schemeClr val="tx1"/>
                 </a:solidFill>
@@ -24482,6 +24213,13 @@
               </a:rPr>
               <a:t>Curto prazo</a:t>
             </a:r>
+            <a:endParaRPr lang="pt-BR" sz="1544" dirty="0">
+              <a:solidFill>
+                <a:schemeClr val="tx1"/>
+              </a:solidFill>
+              <a:latin typeface="MV Boli" panose="02000500030200090000" pitchFamily="2" charset="0"/>
+              <a:cs typeface="MV Boli" panose="02000500030200090000" pitchFamily="2" charset="0"/>
+            </a:endParaRPr>
           </a:p>
         </p:txBody>
       </p:sp>
@@ -24490,7 +24228,7 @@
           <p:cNvPr id="13" name="Retângulo 12">
             <a:extLst>
               <a:ext uri="{FF2B5EF4-FFF2-40B4-BE49-F238E27FC236}">
-                <a16:creationId xmlns:a16="http://schemas.microsoft.com/office/drawing/2014/main" id="{4997F601-006F-4BC7-9604-88E30DA500D9}"/>
+                <a16:creationId xmlns:a16="http://schemas.microsoft.com/office/drawing/2014/main" xmlns="" id="{4997F601-006F-4BC7-9604-88E30DA500D9}"/>
               </a:ext>
             </a:extLst>
           </p:cNvPr>
@@ -24542,15 +24280,32 @@
           <a:p>
             <a:pPr algn="ctr" defTabSz="1149969"/>
             <a:r>
-              <a:rPr lang="pt-BR" sz="1544" dirty="0">
+              <a:rPr lang="pt-BR" sz="1544" dirty="0" smtClean="0">
                 <a:solidFill>
                   <a:schemeClr val="tx1"/>
                 </a:solidFill>
                 <a:latin typeface="MV Boli" panose="02000500030200090000" pitchFamily="2" charset="0"/>
                 <a:cs typeface="MV Boli" panose="02000500030200090000" pitchFamily="2" charset="0"/>
               </a:rPr>
-              <a:t>Indecisão/dificuldade para encontrar uma inovação </a:t>
+              <a:t>Indecisão/dificuldade para encontrar uma inovação</a:t>
             </a:r>
+            <a:r>
+              <a:rPr lang="pt-BR" sz="1544" dirty="0" smtClean="0">
+                <a:solidFill>
+                  <a:schemeClr val="tx1"/>
+                </a:solidFill>
+                <a:latin typeface="MV Boli" panose="02000500030200090000" pitchFamily="2" charset="0"/>
+                <a:cs typeface="MV Boli" panose="02000500030200090000" pitchFamily="2" charset="0"/>
+              </a:rPr>
+              <a:t> </a:t>
+            </a:r>
+            <a:endParaRPr lang="pt-BR" sz="1544" dirty="0">
+              <a:solidFill>
+                <a:schemeClr val="tx1"/>
+              </a:solidFill>
+              <a:latin typeface="MV Boli" panose="02000500030200090000" pitchFamily="2" charset="0"/>
+              <a:cs typeface="MV Boli" panose="02000500030200090000" pitchFamily="2" charset="0"/>
+            </a:endParaRPr>
           </a:p>
         </p:txBody>
       </p:sp>
@@ -24559,7 +24314,7 @@
           <p:cNvPr id="17" name="Retângulo 16">
             <a:extLst>
               <a:ext uri="{FF2B5EF4-FFF2-40B4-BE49-F238E27FC236}">
-                <a16:creationId xmlns:a16="http://schemas.microsoft.com/office/drawing/2014/main" id="{4997F601-006F-4BC7-9604-88E30DA500D9}"/>
+                <a16:creationId xmlns:a16="http://schemas.microsoft.com/office/drawing/2014/main" xmlns="" id="{4997F601-006F-4BC7-9604-88E30DA500D9}"/>
               </a:ext>
             </a:extLst>
           </p:cNvPr>
@@ -24615,15 +24370,32 @@
           <a:p>
             <a:pPr algn="ctr"/>
             <a:r>
-              <a:rPr lang="pt-BR" sz="1544" dirty="0">
+              <a:rPr lang="pt-BR" sz="1544" dirty="0" smtClean="0">
                 <a:solidFill>
                   <a:schemeClr val="tx1"/>
                 </a:solidFill>
                 <a:latin typeface="MV Boli" panose="02000500030200090000" pitchFamily="2" charset="0"/>
                 <a:cs typeface="MV Boli" panose="02000500030200090000" pitchFamily="2" charset="0"/>
               </a:rPr>
-              <a:t>Por conta do tempo, o site institucional não atingiu nossas expectativas </a:t>
+              <a:t>Por conta do tempo, o site institucional não atingiu nossas expectativas</a:t>
             </a:r>
+            <a:r>
+              <a:rPr lang="pt-BR" sz="1544" dirty="0" smtClean="0">
+                <a:solidFill>
+                  <a:schemeClr val="tx1"/>
+                </a:solidFill>
+                <a:latin typeface="MV Boli" panose="02000500030200090000" pitchFamily="2" charset="0"/>
+                <a:cs typeface="MV Boli" panose="02000500030200090000" pitchFamily="2" charset="0"/>
+              </a:rPr>
+              <a:t> </a:t>
+            </a:r>
+            <a:endParaRPr lang="pt-BR" sz="1544" dirty="0">
+              <a:solidFill>
+                <a:schemeClr val="tx1"/>
+              </a:solidFill>
+              <a:latin typeface="MV Boli" panose="02000500030200090000" pitchFamily="2" charset="0"/>
+              <a:cs typeface="MV Boli" panose="02000500030200090000" pitchFamily="2" charset="0"/>
+            </a:endParaRPr>
           </a:p>
         </p:txBody>
       </p:sp>
@@ -24632,7 +24404,7 @@
           <p:cNvPr id="27" name="Retângulo 26">
             <a:extLst>
               <a:ext uri="{FF2B5EF4-FFF2-40B4-BE49-F238E27FC236}">
-                <a16:creationId xmlns:a16="http://schemas.microsoft.com/office/drawing/2014/main" id="{4997F601-006F-4BC7-9604-88E30DA500D9}"/>
+                <a16:creationId xmlns:a16="http://schemas.microsoft.com/office/drawing/2014/main" xmlns="" id="{4997F601-006F-4BC7-9604-88E30DA500D9}"/>
               </a:ext>
             </a:extLst>
           </p:cNvPr>
@@ -24684,7 +24456,7 @@
           <a:p>
             <a:pPr algn="ctr"/>
             <a:r>
-              <a:rPr lang="pt-BR" sz="1544" dirty="0">
+              <a:rPr lang="pt-BR" sz="1544" dirty="0" smtClean="0">
                 <a:solidFill>
                   <a:schemeClr val="tx1"/>
                 </a:solidFill>
@@ -24693,6 +24465,13 @@
               </a:rPr>
               <a:t>Comunicação</a:t>
             </a:r>
+            <a:endParaRPr lang="pt-BR" sz="1544" dirty="0">
+              <a:solidFill>
+                <a:schemeClr val="tx1"/>
+              </a:solidFill>
+              <a:latin typeface="MV Boli" panose="02000500030200090000" pitchFamily="2" charset="0"/>
+              <a:cs typeface="MV Boli" panose="02000500030200090000" pitchFamily="2" charset="0"/>
+            </a:endParaRPr>
           </a:p>
         </p:txBody>
       </p:sp>
@@ -24751,7 +24530,7 @@
           <p:cNvPr id="19" name="Retângulo 18">
             <a:extLst>
               <a:ext uri="{FF2B5EF4-FFF2-40B4-BE49-F238E27FC236}">
-                <a16:creationId xmlns:a16="http://schemas.microsoft.com/office/drawing/2014/main" id="{4997F601-006F-4BC7-9604-88E30DA500D9}"/>
+                <a16:creationId xmlns:a16="http://schemas.microsoft.com/office/drawing/2014/main" xmlns="" id="{4997F601-006F-4BC7-9604-88E30DA500D9}"/>
               </a:ext>
             </a:extLst>
           </p:cNvPr>
@@ -24803,7 +24582,7 @@
           <a:p>
             <a:pPr algn="ctr"/>
             <a:r>
-              <a:rPr lang="pt-BR" sz="1544" dirty="0">
+              <a:rPr lang="pt-BR" sz="1544" dirty="0" smtClean="0">
                 <a:solidFill>
                   <a:schemeClr val="tx1"/>
                 </a:solidFill>
@@ -24812,6 +24591,13 @@
               </a:rPr>
               <a:t>Trabalho em equipe</a:t>
             </a:r>
+            <a:endParaRPr lang="pt-BR" sz="1544" dirty="0">
+              <a:solidFill>
+                <a:schemeClr val="tx1"/>
+              </a:solidFill>
+              <a:latin typeface="MV Boli" panose="02000500030200090000" pitchFamily="2" charset="0"/>
+              <a:cs typeface="MV Boli" panose="02000500030200090000" pitchFamily="2" charset="0"/>
+            </a:endParaRPr>
           </a:p>
         </p:txBody>
       </p:sp>
@@ -24820,7 +24606,7 @@
           <p:cNvPr id="20" name="Retângulo 19">
             <a:extLst>
               <a:ext uri="{FF2B5EF4-FFF2-40B4-BE49-F238E27FC236}">
-                <a16:creationId xmlns:a16="http://schemas.microsoft.com/office/drawing/2014/main" id="{4997F601-006F-4BC7-9604-88E30DA500D9}"/>
+                <a16:creationId xmlns:a16="http://schemas.microsoft.com/office/drawing/2014/main" xmlns="" id="{4997F601-006F-4BC7-9604-88E30DA500D9}"/>
               </a:ext>
             </a:extLst>
           </p:cNvPr>
@@ -24872,7 +24658,7 @@
           <a:p>
             <a:pPr algn="ctr"/>
             <a:r>
-              <a:rPr lang="pt-BR" sz="1544" dirty="0">
+              <a:rPr lang="pt-BR" sz="1544" dirty="0" smtClean="0">
                 <a:solidFill>
                   <a:schemeClr val="tx1"/>
                 </a:solidFill>
@@ -24881,6 +24667,13 @@
               </a:rPr>
               <a:t>Ajuda mútua</a:t>
             </a:r>
+            <a:endParaRPr lang="pt-BR" sz="1544" dirty="0">
+              <a:solidFill>
+                <a:schemeClr val="tx1"/>
+              </a:solidFill>
+              <a:latin typeface="MV Boli" panose="02000500030200090000" pitchFamily="2" charset="0"/>
+              <a:cs typeface="MV Boli" panose="02000500030200090000" pitchFamily="2" charset="0"/>
+            </a:endParaRPr>
           </a:p>
         </p:txBody>
       </p:sp>
@@ -24889,7 +24682,7 @@
           <p:cNvPr id="24" name="Retângulo 23">
             <a:extLst>
               <a:ext uri="{FF2B5EF4-FFF2-40B4-BE49-F238E27FC236}">
-                <a16:creationId xmlns:a16="http://schemas.microsoft.com/office/drawing/2014/main" id="{4997F601-006F-4BC7-9604-88E30DA500D9}"/>
+                <a16:creationId xmlns:a16="http://schemas.microsoft.com/office/drawing/2014/main" xmlns="" id="{4997F601-006F-4BC7-9604-88E30DA500D9}"/>
               </a:ext>
             </a:extLst>
           </p:cNvPr>
@@ -24941,7 +24734,7 @@
           <a:p>
             <a:pPr algn="ctr"/>
             <a:r>
-              <a:rPr lang="pt-BR" sz="1544" dirty="0">
+              <a:rPr lang="pt-BR" sz="1544" dirty="0" smtClean="0">
                 <a:solidFill>
                   <a:schemeClr val="tx1"/>
                 </a:solidFill>
@@ -24950,6 +24743,13 @@
               </a:rPr>
               <a:t>Comprometimento</a:t>
             </a:r>
+            <a:endParaRPr lang="pt-BR" sz="1544" dirty="0">
+              <a:solidFill>
+                <a:schemeClr val="tx1"/>
+              </a:solidFill>
+              <a:latin typeface="MV Boli" panose="02000500030200090000" pitchFamily="2" charset="0"/>
+              <a:cs typeface="MV Boli" panose="02000500030200090000" pitchFamily="2" charset="0"/>
+            </a:endParaRPr>
           </a:p>
         </p:txBody>
       </p:sp>
@@ -25040,8 +24840,53 @@
                 </a:solidFill>
                 <a:latin typeface="Simplon BP Regular" pitchFamily="2" charset="0"/>
               </a:rPr>
-              <a:t>PROJETO ILLUMY – PLANO DE AÇÃO</a:t>
+              <a:t>PROJETO </a:t>
             </a:r>
+            <a:r>
+              <a:rPr lang="pt-BR" sz="3087" dirty="0" smtClean="0">
+                <a:solidFill>
+                  <a:schemeClr val="tx1">
+                    <a:lumMod val="75000"/>
+                    <a:lumOff val="25000"/>
+                  </a:schemeClr>
+                </a:solidFill>
+                <a:latin typeface="Simplon BP Regular" pitchFamily="2" charset="0"/>
+              </a:rPr>
+              <a:t>ILLUMY </a:t>
+            </a:r>
+            <a:r>
+              <a:rPr lang="pt-BR" sz="3087" dirty="0">
+                <a:solidFill>
+                  <a:schemeClr val="tx1">
+                    <a:lumMod val="75000"/>
+                    <a:lumOff val="25000"/>
+                  </a:schemeClr>
+                </a:solidFill>
+                <a:latin typeface="Simplon BP Regular" pitchFamily="2" charset="0"/>
+              </a:rPr>
+              <a:t>– </a:t>
+            </a:r>
+            <a:r>
+              <a:rPr lang="pt-BR" sz="3087" dirty="0">
+                <a:solidFill>
+                  <a:schemeClr val="tx1">
+                    <a:lumMod val="75000"/>
+                    <a:lumOff val="25000"/>
+                  </a:schemeClr>
+                </a:solidFill>
+                <a:latin typeface="Simplon BP Regular" pitchFamily="2" charset="0"/>
+              </a:rPr>
+              <a:t>PLANO DE AÇÃO</a:t>
+            </a:r>
+            <a:endParaRPr lang="pt-BR" sz="3087" dirty="0">
+              <a:solidFill>
+                <a:schemeClr val="tx1">
+                  <a:lumMod val="75000"/>
+                  <a:lumOff val="25000"/>
+                </a:schemeClr>
+              </a:solidFill>
+              <a:latin typeface="Simplon BP Regular" pitchFamily="2" charset="0"/>
+            </a:endParaRPr>
           </a:p>
         </p:txBody>
       </p:sp>
@@ -25240,7 +25085,7 @@
           <p:cNvPr id="11" name="Retângulo 10">
             <a:extLst>
               <a:ext uri="{FF2B5EF4-FFF2-40B4-BE49-F238E27FC236}">
-                <a16:creationId xmlns:a16="http://schemas.microsoft.com/office/drawing/2014/main" id="{4997F601-006F-4BC7-9604-88E30DA500D9}"/>
+                <a16:creationId xmlns:a16="http://schemas.microsoft.com/office/drawing/2014/main" xmlns="" id="{4997F601-006F-4BC7-9604-88E30DA500D9}"/>
               </a:ext>
             </a:extLst>
           </p:cNvPr>
@@ -25292,7 +25137,7 @@
           <a:p>
             <a:pPr algn="ctr" defTabSz="1149969"/>
             <a:r>
-              <a:rPr lang="pt-BR" sz="1544" dirty="0">
+              <a:rPr lang="pt-BR" sz="1544" dirty="0" smtClean="0">
                 <a:solidFill>
                   <a:schemeClr val="tx1"/>
                 </a:solidFill>
@@ -25301,6 +25146,13 @@
               </a:rPr>
               <a:t>Curto prazo</a:t>
             </a:r>
+            <a:endParaRPr lang="pt-BR" sz="1544" dirty="0">
+              <a:solidFill>
+                <a:schemeClr val="tx1"/>
+              </a:solidFill>
+              <a:latin typeface="MV Boli" panose="02000500030200090000" pitchFamily="2" charset="0"/>
+              <a:cs typeface="MV Boli" panose="02000500030200090000" pitchFamily="2" charset="0"/>
+            </a:endParaRPr>
           </a:p>
         </p:txBody>
       </p:sp>
@@ -25309,7 +25161,7 @@
           <p:cNvPr id="13" name="Retângulo 12">
             <a:extLst>
               <a:ext uri="{FF2B5EF4-FFF2-40B4-BE49-F238E27FC236}">
-                <a16:creationId xmlns:a16="http://schemas.microsoft.com/office/drawing/2014/main" id="{4997F601-006F-4BC7-9604-88E30DA500D9}"/>
+                <a16:creationId xmlns:a16="http://schemas.microsoft.com/office/drawing/2014/main" xmlns="" id="{4997F601-006F-4BC7-9604-88E30DA500D9}"/>
               </a:ext>
             </a:extLst>
           </p:cNvPr>
@@ -25361,15 +25213,32 @@
           <a:p>
             <a:pPr algn="ctr" defTabSz="1149969"/>
             <a:r>
-              <a:rPr lang="pt-BR" sz="1544" dirty="0">
+              <a:rPr lang="pt-BR" sz="1544" dirty="0" smtClean="0">
                 <a:solidFill>
                   <a:schemeClr val="tx1"/>
                 </a:solidFill>
                 <a:latin typeface="MV Boli" panose="02000500030200090000" pitchFamily="2" charset="0"/>
                 <a:cs typeface="MV Boli" panose="02000500030200090000" pitchFamily="2" charset="0"/>
               </a:rPr>
-              <a:t>Indecisão/dificuldade para encontrar uma inovação </a:t>
+              <a:t>Indecisão/dificuldade para encontrar uma inovação</a:t>
             </a:r>
+            <a:r>
+              <a:rPr lang="pt-BR" sz="1544" dirty="0" smtClean="0">
+                <a:solidFill>
+                  <a:schemeClr val="tx1"/>
+                </a:solidFill>
+                <a:latin typeface="MV Boli" panose="02000500030200090000" pitchFamily="2" charset="0"/>
+                <a:cs typeface="MV Boli" panose="02000500030200090000" pitchFamily="2" charset="0"/>
+              </a:rPr>
+              <a:t> </a:t>
+            </a:r>
+            <a:endParaRPr lang="pt-BR" sz="1544" dirty="0">
+              <a:solidFill>
+                <a:schemeClr val="tx1"/>
+              </a:solidFill>
+              <a:latin typeface="MV Boli" panose="02000500030200090000" pitchFamily="2" charset="0"/>
+              <a:cs typeface="MV Boli" panose="02000500030200090000" pitchFamily="2" charset="0"/>
+            </a:endParaRPr>
           </a:p>
         </p:txBody>
       </p:sp>
@@ -25378,7 +25247,7 @@
           <p:cNvPr id="17" name="Retângulo 16">
             <a:extLst>
               <a:ext uri="{FF2B5EF4-FFF2-40B4-BE49-F238E27FC236}">
-                <a16:creationId xmlns:a16="http://schemas.microsoft.com/office/drawing/2014/main" id="{4997F601-006F-4BC7-9604-88E30DA500D9}"/>
+                <a16:creationId xmlns:a16="http://schemas.microsoft.com/office/drawing/2014/main" xmlns="" id="{4997F601-006F-4BC7-9604-88E30DA500D9}"/>
               </a:ext>
             </a:extLst>
           </p:cNvPr>
@@ -25434,15 +25303,32 @@
           <a:p>
             <a:pPr algn="ctr"/>
             <a:r>
-              <a:rPr lang="pt-BR" sz="1544" dirty="0">
+              <a:rPr lang="pt-BR" sz="1544" dirty="0" smtClean="0">
                 <a:solidFill>
                   <a:schemeClr val="tx1"/>
                 </a:solidFill>
                 <a:latin typeface="MV Boli" panose="02000500030200090000" pitchFamily="2" charset="0"/>
                 <a:cs typeface="MV Boli" panose="02000500030200090000" pitchFamily="2" charset="0"/>
               </a:rPr>
-              <a:t>Por conta do tempo, o site institucional não atingiu nossas expectativas </a:t>
+              <a:t>Por conta do tempo, o site institucional não atingiu nossas expectativas</a:t>
             </a:r>
+            <a:r>
+              <a:rPr lang="pt-BR" sz="1544" dirty="0" smtClean="0">
+                <a:solidFill>
+                  <a:schemeClr val="tx1"/>
+                </a:solidFill>
+                <a:latin typeface="MV Boli" panose="02000500030200090000" pitchFamily="2" charset="0"/>
+                <a:cs typeface="MV Boli" panose="02000500030200090000" pitchFamily="2" charset="0"/>
+              </a:rPr>
+              <a:t> </a:t>
+            </a:r>
+            <a:endParaRPr lang="pt-BR" sz="1544" dirty="0">
+              <a:solidFill>
+                <a:schemeClr val="tx1"/>
+              </a:solidFill>
+              <a:latin typeface="MV Boli" panose="02000500030200090000" pitchFamily="2" charset="0"/>
+              <a:cs typeface="MV Boli" panose="02000500030200090000" pitchFamily="2" charset="0"/>
+            </a:endParaRPr>
           </a:p>
         </p:txBody>
       </p:sp>
@@ -25451,7 +25337,7 @@
           <p:cNvPr id="27" name="Retângulo 26">
             <a:extLst>
               <a:ext uri="{FF2B5EF4-FFF2-40B4-BE49-F238E27FC236}">
-                <a16:creationId xmlns:a16="http://schemas.microsoft.com/office/drawing/2014/main" id="{4997F601-006F-4BC7-9604-88E30DA500D9}"/>
+                <a16:creationId xmlns:a16="http://schemas.microsoft.com/office/drawing/2014/main" xmlns="" id="{4997F601-006F-4BC7-9604-88E30DA500D9}"/>
               </a:ext>
             </a:extLst>
           </p:cNvPr>
@@ -25503,7 +25389,7 @@
           <a:p>
             <a:pPr algn="ctr"/>
             <a:r>
-              <a:rPr lang="pt-BR" sz="1544" dirty="0">
+              <a:rPr lang="pt-BR" sz="1544" dirty="0" smtClean="0">
                 <a:solidFill>
                   <a:schemeClr val="tx1"/>
                 </a:solidFill>
@@ -25512,6 +25398,13 @@
               </a:rPr>
               <a:t>Comunicação</a:t>
             </a:r>
+            <a:endParaRPr lang="pt-BR" sz="1544" dirty="0">
+              <a:solidFill>
+                <a:schemeClr val="tx1"/>
+              </a:solidFill>
+              <a:latin typeface="MV Boli" panose="02000500030200090000" pitchFamily="2" charset="0"/>
+              <a:cs typeface="MV Boli" panose="02000500030200090000" pitchFamily="2" charset="0"/>
+            </a:endParaRPr>
           </a:p>
         </p:txBody>
       </p:sp>
@@ -25570,7 +25463,7 @@
           <p:cNvPr id="19" name="Retângulo 18">
             <a:extLst>
               <a:ext uri="{FF2B5EF4-FFF2-40B4-BE49-F238E27FC236}">
-                <a16:creationId xmlns:a16="http://schemas.microsoft.com/office/drawing/2014/main" id="{4997F601-006F-4BC7-9604-88E30DA500D9}"/>
+                <a16:creationId xmlns:a16="http://schemas.microsoft.com/office/drawing/2014/main" xmlns="" id="{4997F601-006F-4BC7-9604-88E30DA500D9}"/>
               </a:ext>
             </a:extLst>
           </p:cNvPr>
@@ -25622,7 +25515,7 @@
           <a:p>
             <a:pPr algn="ctr"/>
             <a:r>
-              <a:rPr lang="pt-BR" sz="1544" dirty="0">
+              <a:rPr lang="pt-BR" sz="1544" dirty="0" smtClean="0">
                 <a:solidFill>
                   <a:schemeClr val="tx1"/>
                 </a:solidFill>
@@ -25631,6 +25524,13 @@
               </a:rPr>
               <a:t>Trabalho em equipe</a:t>
             </a:r>
+            <a:endParaRPr lang="pt-BR" sz="1544" dirty="0">
+              <a:solidFill>
+                <a:schemeClr val="tx1"/>
+              </a:solidFill>
+              <a:latin typeface="MV Boli" panose="02000500030200090000" pitchFamily="2" charset="0"/>
+              <a:cs typeface="MV Boli" panose="02000500030200090000" pitchFamily="2" charset="0"/>
+            </a:endParaRPr>
           </a:p>
         </p:txBody>
       </p:sp>
@@ -25639,7 +25539,7 @@
           <p:cNvPr id="20" name="Retângulo 19">
             <a:extLst>
               <a:ext uri="{FF2B5EF4-FFF2-40B4-BE49-F238E27FC236}">
-                <a16:creationId xmlns:a16="http://schemas.microsoft.com/office/drawing/2014/main" id="{4997F601-006F-4BC7-9604-88E30DA500D9}"/>
+                <a16:creationId xmlns:a16="http://schemas.microsoft.com/office/drawing/2014/main" xmlns="" id="{4997F601-006F-4BC7-9604-88E30DA500D9}"/>
               </a:ext>
             </a:extLst>
           </p:cNvPr>
@@ -25691,7 +25591,7 @@
           <a:p>
             <a:pPr algn="ctr"/>
             <a:r>
-              <a:rPr lang="pt-BR" sz="1544" dirty="0">
+              <a:rPr lang="pt-BR" sz="1544" dirty="0" smtClean="0">
                 <a:solidFill>
                   <a:schemeClr val="tx1"/>
                 </a:solidFill>
@@ -25700,6 +25600,13 @@
               </a:rPr>
               <a:t>Ajuda mútua</a:t>
             </a:r>
+            <a:endParaRPr lang="pt-BR" sz="1544" dirty="0">
+              <a:solidFill>
+                <a:schemeClr val="tx1"/>
+              </a:solidFill>
+              <a:latin typeface="MV Boli" panose="02000500030200090000" pitchFamily="2" charset="0"/>
+              <a:cs typeface="MV Boli" panose="02000500030200090000" pitchFamily="2" charset="0"/>
+            </a:endParaRPr>
           </a:p>
         </p:txBody>
       </p:sp>
@@ -25708,7 +25615,7 @@
           <p:cNvPr id="24" name="Retângulo 23">
             <a:extLst>
               <a:ext uri="{FF2B5EF4-FFF2-40B4-BE49-F238E27FC236}">
-                <a16:creationId xmlns:a16="http://schemas.microsoft.com/office/drawing/2014/main" id="{4997F601-006F-4BC7-9604-88E30DA500D9}"/>
+                <a16:creationId xmlns:a16="http://schemas.microsoft.com/office/drawing/2014/main" xmlns="" id="{4997F601-006F-4BC7-9604-88E30DA500D9}"/>
               </a:ext>
             </a:extLst>
           </p:cNvPr>
@@ -25760,7 +25667,7 @@
           <a:p>
             <a:pPr algn="ctr"/>
             <a:r>
-              <a:rPr lang="pt-BR" sz="1544" dirty="0">
+              <a:rPr lang="pt-BR" sz="1544" dirty="0" smtClean="0">
                 <a:solidFill>
                   <a:schemeClr val="tx1"/>
                 </a:solidFill>
@@ -25769,6 +25676,13 @@
               </a:rPr>
               <a:t>Comprometimento</a:t>
             </a:r>
+            <a:endParaRPr lang="pt-BR" sz="1544" dirty="0">
+              <a:solidFill>
+                <a:schemeClr val="tx1"/>
+              </a:solidFill>
+              <a:latin typeface="MV Boli" panose="02000500030200090000" pitchFamily="2" charset="0"/>
+              <a:cs typeface="MV Boli" panose="02000500030200090000" pitchFamily="2" charset="0"/>
+            </a:endParaRPr>
           </a:p>
         </p:txBody>
       </p:sp>
@@ -25777,7 +25691,7 @@
           <p:cNvPr id="18" name="Retângulo 17">
             <a:extLst>
               <a:ext uri="{FF2B5EF4-FFF2-40B4-BE49-F238E27FC236}">
-                <a16:creationId xmlns:a16="http://schemas.microsoft.com/office/drawing/2014/main" id="{4997F601-006F-4BC7-9604-88E30DA500D9}"/>
+                <a16:creationId xmlns:a16="http://schemas.microsoft.com/office/drawing/2014/main" xmlns="" id="{4997F601-006F-4BC7-9604-88E30DA500D9}"/>
               </a:ext>
             </a:extLst>
           </p:cNvPr>
@@ -25829,7 +25743,7 @@
           <a:p>
             <a:pPr algn="ctr" defTabSz="1149969"/>
             <a:r>
-              <a:rPr lang="pt-BR" sz="1544" dirty="0">
+              <a:rPr lang="pt-BR" sz="1544" dirty="0" smtClean="0">
                 <a:solidFill>
                   <a:schemeClr val="tx1"/>
                 </a:solidFill>
@@ -25838,6 +25752,13 @@
               </a:rPr>
               <a:t>Melhor planejamento</a:t>
             </a:r>
+            <a:endParaRPr lang="pt-BR" sz="1544" dirty="0">
+              <a:solidFill>
+                <a:schemeClr val="tx1"/>
+              </a:solidFill>
+              <a:latin typeface="MV Boli" panose="02000500030200090000" pitchFamily="2" charset="0"/>
+              <a:cs typeface="MV Boli" panose="02000500030200090000" pitchFamily="2" charset="0"/>
+            </a:endParaRPr>
           </a:p>
         </p:txBody>
       </p:sp>
@@ -25846,7 +25767,7 @@
           <p:cNvPr id="21" name="Retângulo 20">
             <a:extLst>
               <a:ext uri="{FF2B5EF4-FFF2-40B4-BE49-F238E27FC236}">
-                <a16:creationId xmlns:a16="http://schemas.microsoft.com/office/drawing/2014/main" id="{4997F601-006F-4BC7-9604-88E30DA500D9}"/>
+                <a16:creationId xmlns:a16="http://schemas.microsoft.com/office/drawing/2014/main" xmlns="" id="{4997F601-006F-4BC7-9604-88E30DA500D9}"/>
               </a:ext>
             </a:extLst>
           </p:cNvPr>
@@ -25898,7 +25819,7 @@
           <a:p>
             <a:pPr algn="ctr" defTabSz="1149969"/>
             <a:r>
-              <a:rPr lang="pt-BR" sz="1544" dirty="0">
+              <a:rPr lang="pt-BR" sz="1544" dirty="0" smtClean="0">
                 <a:solidFill>
                   <a:schemeClr val="tx1"/>
                 </a:solidFill>
@@ -25907,6 +25828,13 @@
               </a:rPr>
               <a:t>Maior embasamento nas pesquisas</a:t>
             </a:r>
+            <a:endParaRPr lang="pt-BR" sz="1544" dirty="0">
+              <a:solidFill>
+                <a:schemeClr val="tx1"/>
+              </a:solidFill>
+              <a:latin typeface="MV Boli" panose="02000500030200090000" pitchFamily="2" charset="0"/>
+              <a:cs typeface="MV Boli" panose="02000500030200090000" pitchFamily="2" charset="0"/>
+            </a:endParaRPr>
           </a:p>
         </p:txBody>
       </p:sp>
@@ -25915,7 +25843,7 @@
           <p:cNvPr id="22" name="Retângulo 21">
             <a:extLst>
               <a:ext uri="{FF2B5EF4-FFF2-40B4-BE49-F238E27FC236}">
-                <a16:creationId xmlns:a16="http://schemas.microsoft.com/office/drawing/2014/main" id="{4997F601-006F-4BC7-9604-88E30DA500D9}"/>
+                <a16:creationId xmlns:a16="http://schemas.microsoft.com/office/drawing/2014/main" xmlns="" id="{4997F601-006F-4BC7-9604-88E30DA500D9}"/>
               </a:ext>
             </a:extLst>
           </p:cNvPr>
@@ -25967,7 +25895,7 @@
           <a:p>
             <a:pPr algn="ctr" defTabSz="1149969"/>
             <a:r>
-              <a:rPr lang="pt-BR" sz="1544" dirty="0">
+              <a:rPr lang="pt-BR" sz="1544" dirty="0" smtClean="0">
                 <a:solidFill>
                   <a:schemeClr val="tx1"/>
                 </a:solidFill>
@@ -25976,6 +25904,13 @@
               </a:rPr>
               <a:t>Melhor planejamento </a:t>
             </a:r>
+            <a:endParaRPr lang="pt-BR" sz="1544" dirty="0">
+              <a:solidFill>
+                <a:schemeClr val="tx1"/>
+              </a:solidFill>
+              <a:latin typeface="MV Boli" panose="02000500030200090000" pitchFamily="2" charset="0"/>
+              <a:cs typeface="MV Boli" panose="02000500030200090000" pitchFamily="2" charset="0"/>
+            </a:endParaRPr>
           </a:p>
         </p:txBody>
       </p:sp>
@@ -25984,7 +25919,7 @@
           <p:cNvPr id="23" name="Retângulo 22">
             <a:extLst>
               <a:ext uri="{FF2B5EF4-FFF2-40B4-BE49-F238E27FC236}">
-                <a16:creationId xmlns:a16="http://schemas.microsoft.com/office/drawing/2014/main" id="{4997F601-006F-4BC7-9604-88E30DA500D9}"/>
+                <a16:creationId xmlns:a16="http://schemas.microsoft.com/office/drawing/2014/main" xmlns="" id="{4997F601-006F-4BC7-9604-88E30DA500D9}"/>
               </a:ext>
             </a:extLst>
           </p:cNvPr>
@@ -26036,7 +25971,7 @@
           <a:p>
             <a:pPr algn="ctr" defTabSz="1149969"/>
             <a:r>
-              <a:rPr lang="pt-BR" sz="1544" dirty="0">
+              <a:rPr lang="pt-BR" sz="1544" dirty="0" smtClean="0">
                 <a:solidFill>
                   <a:schemeClr val="tx1"/>
                 </a:solidFill>
@@ -26045,6 +25980,13 @@
               </a:rPr>
               <a:t>Manter a colaboração</a:t>
             </a:r>
+            <a:endParaRPr lang="pt-BR" sz="1544" dirty="0">
+              <a:solidFill>
+                <a:schemeClr val="tx1"/>
+              </a:solidFill>
+              <a:latin typeface="MV Boli" panose="02000500030200090000" pitchFamily="2" charset="0"/>
+              <a:cs typeface="MV Boli" panose="02000500030200090000" pitchFamily="2" charset="0"/>
+            </a:endParaRPr>
           </a:p>
         </p:txBody>
       </p:sp>
@@ -26053,7 +25995,7 @@
           <p:cNvPr id="25" name="Retângulo 24">
             <a:extLst>
               <a:ext uri="{FF2B5EF4-FFF2-40B4-BE49-F238E27FC236}">
-                <a16:creationId xmlns:a16="http://schemas.microsoft.com/office/drawing/2014/main" id="{4997F601-006F-4BC7-9604-88E30DA500D9}"/>
+                <a16:creationId xmlns:a16="http://schemas.microsoft.com/office/drawing/2014/main" xmlns="" id="{4997F601-006F-4BC7-9604-88E30DA500D9}"/>
               </a:ext>
             </a:extLst>
           </p:cNvPr>
@@ -26105,7 +26047,7 @@
           <a:p>
             <a:pPr algn="ctr" defTabSz="1149969"/>
             <a:r>
-              <a:rPr lang="pt-BR" sz="1544" dirty="0">
+              <a:rPr lang="pt-BR" sz="1544" dirty="0" smtClean="0">
                 <a:solidFill>
                   <a:schemeClr val="tx1"/>
                 </a:solidFill>
@@ -26114,6 +26056,13 @@
               </a:rPr>
               <a:t>Procurar expor as dificuldades e opiniões</a:t>
             </a:r>
+            <a:endParaRPr lang="pt-BR" sz="1544" dirty="0">
+              <a:solidFill>
+                <a:schemeClr val="tx1"/>
+              </a:solidFill>
+              <a:latin typeface="MV Boli" panose="02000500030200090000" pitchFamily="2" charset="0"/>
+              <a:cs typeface="MV Boli" panose="02000500030200090000" pitchFamily="2" charset="0"/>
+            </a:endParaRPr>
           </a:p>
         </p:txBody>
       </p:sp>
@@ -26122,7 +26071,7 @@
           <p:cNvPr id="28" name="Retângulo 27">
             <a:extLst>
               <a:ext uri="{FF2B5EF4-FFF2-40B4-BE49-F238E27FC236}">
-                <a16:creationId xmlns:a16="http://schemas.microsoft.com/office/drawing/2014/main" id="{4997F601-006F-4BC7-9604-88E30DA500D9}"/>
+                <a16:creationId xmlns:a16="http://schemas.microsoft.com/office/drawing/2014/main" xmlns="" id="{4997F601-006F-4BC7-9604-88E30DA500D9}"/>
               </a:ext>
             </a:extLst>
           </p:cNvPr>
@@ -26174,7 +26123,7 @@
           <a:p>
             <a:pPr algn="ctr" defTabSz="1149969"/>
             <a:r>
-              <a:rPr lang="pt-BR" sz="1544" dirty="0">
+              <a:rPr lang="pt-BR" sz="1544" dirty="0" smtClean="0">
                 <a:solidFill>
                   <a:schemeClr val="tx1"/>
                 </a:solidFill>
@@ -26183,6 +26132,13 @@
               </a:rPr>
               <a:t>Manter o apoio e auxiliar uns aos outros</a:t>
             </a:r>
+            <a:endParaRPr lang="pt-BR" sz="1544" dirty="0">
+              <a:solidFill>
+                <a:schemeClr val="tx1"/>
+              </a:solidFill>
+              <a:latin typeface="MV Boli" panose="02000500030200090000" pitchFamily="2" charset="0"/>
+              <a:cs typeface="MV Boli" panose="02000500030200090000" pitchFamily="2" charset="0"/>
+            </a:endParaRPr>
           </a:p>
         </p:txBody>
       </p:sp>
@@ -26191,7 +26147,7 @@
           <p:cNvPr id="29" name="Retângulo 28">
             <a:extLst>
               <a:ext uri="{FF2B5EF4-FFF2-40B4-BE49-F238E27FC236}">
-                <a16:creationId xmlns:a16="http://schemas.microsoft.com/office/drawing/2014/main" id="{4997F601-006F-4BC7-9604-88E30DA500D9}"/>
+                <a16:creationId xmlns:a16="http://schemas.microsoft.com/office/drawing/2014/main" xmlns="" id="{4997F601-006F-4BC7-9604-88E30DA500D9}"/>
               </a:ext>
             </a:extLst>
           </p:cNvPr>
@@ -26243,7 +26199,7 @@
           <a:p>
             <a:pPr algn="ctr" defTabSz="1149969"/>
             <a:r>
-              <a:rPr lang="pt-BR" sz="1544" dirty="0">
+              <a:rPr lang="pt-BR" sz="1544" dirty="0" smtClean="0">
                 <a:solidFill>
                   <a:schemeClr val="tx1"/>
                 </a:solidFill>
@@ -26252,6 +26208,13 @@
               </a:rPr>
               <a:t>Ter envolvimento e responsabilidade com o projeto</a:t>
             </a:r>
+            <a:endParaRPr lang="pt-BR" sz="1544" dirty="0">
+              <a:solidFill>
+                <a:schemeClr val="tx1"/>
+              </a:solidFill>
+              <a:latin typeface="MV Boli" panose="02000500030200090000" pitchFamily="2" charset="0"/>
+              <a:cs typeface="MV Boli" panose="02000500030200090000" pitchFamily="2" charset="0"/>
+            </a:endParaRPr>
           </a:p>
         </p:txBody>
       </p:sp>
@@ -26259,1106 +26222,6 @@
     <p:extLst>
       <p:ext uri="{BB962C8B-B14F-4D97-AF65-F5344CB8AC3E}">
         <p14:creationId xmlns:p14="http://schemas.microsoft.com/office/powerpoint/2010/main" val="1296799340"/>
-      </p:ext>
-    </p:extLst>
-  </p:cSld>
-  <p:clrMapOvr>
-    <a:masterClrMapping/>
-  </p:clrMapOvr>
-</p:sld>
-</file>
-
-<file path=ppt/slides/slide6.xml><?xml version="1.0" encoding="utf-8"?>
-<p:sld xmlns:a="http://schemas.openxmlformats.org/drawingml/2006/main" xmlns:r="http://schemas.openxmlformats.org/officeDocument/2006/relationships" xmlns:p="http://schemas.openxmlformats.org/presentationml/2006/main">
-  <p:cSld>
-    <p:spTree>
-      <p:nvGrpSpPr>
-        <p:cNvPr id="1" name=""/>
-        <p:cNvGrpSpPr/>
-        <p:nvPr/>
-      </p:nvGrpSpPr>
-      <p:grpSpPr>
-        <a:xfrm>
-          <a:off x="0" y="0"/>
-          <a:ext cx="0" cy="0"/>
-          <a:chOff x="0" y="0"/>
-          <a:chExt cx="0" cy="0"/>
-        </a:xfrm>
-      </p:grpSpPr>
-      <p:sp>
-        <p:nvSpPr>
-          <p:cNvPr id="3" name="Título 5">
-            <a:extLst>
-              <a:ext uri="{FF2B5EF4-FFF2-40B4-BE49-F238E27FC236}">
-                <a16:creationId xmlns:a16="http://schemas.microsoft.com/office/drawing/2014/main" id="{4E097E77-F80E-4867-86A1-4D220F4B9E0B}"/>
-              </a:ext>
-            </a:extLst>
-          </p:cNvPr>
-          <p:cNvSpPr txBox="1">
-            <a:spLocks/>
-          </p:cNvSpPr>
-          <p:nvPr/>
-        </p:nvSpPr>
-        <p:spPr>
-          <a:xfrm>
-            <a:off x="282944" y="186348"/>
-            <a:ext cx="10836482" cy="1252138"/>
-          </a:xfrm>
-          <a:prstGeom prst="rect">
-            <a:avLst/>
-          </a:prstGeom>
-        </p:spPr>
-        <p:txBody>
-          <a:bodyPr/>
-          <a:lstStyle>
-            <a:lvl1pPr algn="l" defTabSz="914400" rtl="0" eaLnBrk="1" latinLnBrk="0" hangingPunct="1">
-              <a:lnSpc>
-                <a:spcPct val="90000"/>
-              </a:lnSpc>
-              <a:spcBef>
-                <a:spcPct val="0"/>
-              </a:spcBef>
-              <a:buNone/>
-              <a:defRPr sz="4400" kern="1200">
-                <a:solidFill>
-                  <a:schemeClr val="tx1"/>
-                </a:solidFill>
-                <a:latin typeface="+mj-lt"/>
-                <a:ea typeface="+mj-ea"/>
-                <a:cs typeface="+mj-cs"/>
-              </a:defRPr>
-            </a:lvl1pPr>
-          </a:lstStyle>
-          <a:p>
-            <a:pPr>
-              <a:lnSpc>
-                <a:spcPct val="100000"/>
-              </a:lnSpc>
-              <a:spcAft>
-                <a:spcPts val="662"/>
-              </a:spcAft>
-            </a:pPr>
-            <a:r>
-              <a:rPr lang="pt-BR" sz="3087" dirty="0">
-                <a:solidFill>
-                  <a:schemeClr val="tx1">
-                    <a:lumMod val="75000"/>
-                    <a:lumOff val="25000"/>
-                  </a:schemeClr>
-                </a:solidFill>
-                <a:latin typeface="Simplon BP Regular" pitchFamily="2" charset="0"/>
-              </a:rPr>
-              <a:t>PROJETO ILLUMY – Planejamento/ Gestão do tempo</a:t>
-            </a:r>
-          </a:p>
-        </p:txBody>
-      </p:sp>
-      <p:sp>
-        <p:nvSpPr>
-          <p:cNvPr id="5" name="Retângulo 4">
-            <a:extLst>
-              <a:ext uri="{FF2B5EF4-FFF2-40B4-BE49-F238E27FC236}">
-                <a16:creationId xmlns:a16="http://schemas.microsoft.com/office/drawing/2014/main" id="{4FA34816-DBD2-4315-8DC9-1D28D9CEFEFB}"/>
-              </a:ext>
-            </a:extLst>
-          </p:cNvPr>
-          <p:cNvSpPr/>
-          <p:nvPr/>
-        </p:nvSpPr>
-        <p:spPr>
-          <a:xfrm>
-            <a:off x="816819" y="2052439"/>
-            <a:ext cx="7920880" cy="3046988"/>
-          </a:xfrm>
-          <a:prstGeom prst="rect">
-            <a:avLst/>
-          </a:prstGeom>
-        </p:spPr>
-        <p:txBody>
-          <a:bodyPr wrap="square">
-            <a:spAutoFit/>
-          </a:bodyPr>
-          <a:lstStyle/>
-          <a:p>
-            <a:pPr algn="just"/>
-            <a:endParaRPr lang="pt-BR" sz="2400" b="1" dirty="0">
-              <a:solidFill>
-                <a:srgbClr val="253746"/>
-              </a:solidFill>
-              <a:latin typeface="Simplon BP Regular"/>
-            </a:endParaRPr>
-          </a:p>
-          <a:p>
-            <a:pPr marL="342900" indent="-342900" algn="just">
-              <a:buFont typeface="Arial" panose="020B0604020202020204" pitchFamily="34" charset="0"/>
-              <a:buChar char="•"/>
-            </a:pPr>
-            <a:r>
-              <a:rPr lang="pt-BR" sz="2400" dirty="0">
-                <a:solidFill>
-                  <a:srgbClr val="253746"/>
-                </a:solidFill>
-                <a:latin typeface="Simplon BP Regular"/>
-              </a:rPr>
-              <a:t>Criação de horários comuns para chegada dos integrantes</a:t>
-            </a:r>
-          </a:p>
-          <a:p>
-            <a:pPr marL="342900" indent="-342900" algn="just">
-              <a:buFont typeface="Arial" panose="020B0604020202020204" pitchFamily="34" charset="0"/>
-              <a:buChar char="•"/>
-            </a:pPr>
-            <a:r>
-              <a:rPr lang="pt-BR" sz="2400" dirty="0">
-                <a:solidFill>
-                  <a:srgbClr val="253746"/>
-                </a:solidFill>
-                <a:latin typeface="Simplon BP Regular"/>
-              </a:rPr>
-              <a:t>Horário mínimo de permanência no </a:t>
-            </a:r>
-            <a:r>
-              <a:rPr lang="pt-BR" sz="2400" dirty="0" err="1">
-                <a:solidFill>
-                  <a:srgbClr val="253746"/>
-                </a:solidFill>
-                <a:latin typeface="Simplon BP Regular"/>
-              </a:rPr>
-              <a:t>OpenLab</a:t>
-            </a:r>
-            <a:endParaRPr lang="pt-BR" sz="2400" dirty="0">
-              <a:solidFill>
-                <a:srgbClr val="253746"/>
-              </a:solidFill>
-              <a:latin typeface="Simplon BP Regular"/>
-            </a:endParaRPr>
-          </a:p>
-          <a:p>
-            <a:pPr marL="342900" indent="-342900" algn="just">
-              <a:buFont typeface="Arial" panose="020B0604020202020204" pitchFamily="34" charset="0"/>
-              <a:buChar char="•"/>
-            </a:pPr>
-            <a:r>
-              <a:rPr lang="pt-BR" sz="2400" dirty="0">
-                <a:solidFill>
-                  <a:srgbClr val="253746"/>
-                </a:solidFill>
-                <a:latin typeface="Simplon BP Regular"/>
-              </a:rPr>
-              <a:t>Utilizamos o </a:t>
-            </a:r>
-            <a:r>
-              <a:rPr lang="pt-BR" sz="2400" dirty="0" err="1">
-                <a:solidFill>
-                  <a:srgbClr val="253746"/>
-                </a:solidFill>
-                <a:latin typeface="Simplon BP Regular"/>
-              </a:rPr>
-              <a:t>Planner</a:t>
-            </a:r>
-            <a:endParaRPr lang="pt-BR" sz="2400" dirty="0">
-              <a:solidFill>
-                <a:srgbClr val="253746"/>
-              </a:solidFill>
-              <a:latin typeface="Simplon BP Regular"/>
-            </a:endParaRPr>
-          </a:p>
-          <a:p>
-            <a:pPr marL="342900" indent="-342900" algn="just">
-              <a:buFont typeface="Arial" panose="020B0604020202020204" pitchFamily="34" charset="0"/>
-              <a:buChar char="•"/>
-            </a:pPr>
-            <a:r>
-              <a:rPr lang="pt-BR" sz="2400" dirty="0">
-                <a:solidFill>
-                  <a:srgbClr val="253746"/>
-                </a:solidFill>
-                <a:latin typeface="Simplon BP Regular"/>
-              </a:rPr>
-              <a:t>Slack/WhatsApp para comunicação </a:t>
-            </a:r>
-          </a:p>
-          <a:p>
-            <a:pPr marL="342900" indent="-342900" algn="just">
-              <a:buFont typeface="Arial" panose="020B0604020202020204" pitchFamily="34" charset="0"/>
-              <a:buChar char="•"/>
-            </a:pPr>
-            <a:r>
-              <a:rPr lang="pt-BR" sz="2400" dirty="0">
-                <a:solidFill>
-                  <a:srgbClr val="253746"/>
-                </a:solidFill>
-                <a:latin typeface="Simplon BP Regular"/>
-              </a:rPr>
-              <a:t>Google Drive para documentação temporária </a:t>
-            </a:r>
-          </a:p>
-          <a:p>
-            <a:pPr marL="342900" indent="-342900" algn="just">
-              <a:buFont typeface="Arial" panose="020B0604020202020204" pitchFamily="34" charset="0"/>
-              <a:buChar char="•"/>
-            </a:pPr>
-            <a:r>
-              <a:rPr lang="pt-BR" sz="2400" dirty="0">
-                <a:solidFill>
-                  <a:srgbClr val="253746"/>
-                </a:solidFill>
-                <a:latin typeface="Simplon BP Regular"/>
-              </a:rPr>
-              <a:t>GitHub para envio todos os arquivos do projeto</a:t>
-            </a:r>
-          </a:p>
-          <a:p>
-            <a:pPr marL="342900" indent="-342900" algn="just">
-              <a:buFont typeface="Arial" panose="020B0604020202020204" pitchFamily="34" charset="0"/>
-              <a:buChar char="•"/>
-            </a:pPr>
-            <a:endParaRPr lang="pt-BR" sz="2400" dirty="0">
-              <a:solidFill>
-                <a:srgbClr val="253746"/>
-              </a:solidFill>
-              <a:latin typeface="Simplon BP Regular"/>
-            </a:endParaRPr>
-          </a:p>
-        </p:txBody>
-      </p:sp>
-      <p:pic>
-        <p:nvPicPr>
-          <p:cNvPr id="2050" name="Picture 2" descr="Resultado de imagem para tempo png">
-            <a:extLst>
-              <a:ext uri="{FF2B5EF4-FFF2-40B4-BE49-F238E27FC236}">
-                <a16:creationId xmlns:a16="http://schemas.microsoft.com/office/drawing/2014/main" id="{DF86C165-D545-467E-844B-E83EB207FD63}"/>
-              </a:ext>
-            </a:extLst>
-          </p:cNvPr>
-          <p:cNvPicPr>
-            <a:picLocks noChangeAspect="1" noChangeArrowheads="1"/>
-          </p:cNvPicPr>
-          <p:nvPr/>
-        </p:nvPicPr>
-        <p:blipFill>
-          <a:blip r:embed="rId3">
-            <a:extLst>
-              <a:ext uri="{28A0092B-C50C-407E-A947-70E740481C1C}">
-                <a14:useLocalDpi xmlns:a14="http://schemas.microsoft.com/office/drawing/2010/main" val="0"/>
-              </a:ext>
-            </a:extLst>
-          </a:blip>
-          <a:srcRect/>
-          <a:stretch>
-            <a:fillRect/>
-          </a:stretch>
-        </p:blipFill>
-        <p:spPr bwMode="auto">
-          <a:xfrm>
-            <a:off x="9097739" y="2478385"/>
-            <a:ext cx="3268784" cy="2195096"/>
-          </a:xfrm>
-          <a:prstGeom prst="rect">
-            <a:avLst/>
-          </a:prstGeom>
-          <a:noFill/>
-          <a:extLst>
-            <a:ext uri="{909E8E84-426E-40DD-AFC4-6F175D3DCCD1}">
-              <a14:hiddenFill xmlns:a14="http://schemas.microsoft.com/office/drawing/2010/main">
-                <a:solidFill>
-                  <a:srgbClr val="FFFFFF"/>
-                </a:solidFill>
-              </a14:hiddenFill>
-            </a:ext>
-          </a:extLst>
-        </p:spPr>
-      </p:pic>
-    </p:spTree>
-    <p:extLst>
-      <p:ext uri="{BB962C8B-B14F-4D97-AF65-F5344CB8AC3E}">
-        <p14:creationId xmlns:p14="http://schemas.microsoft.com/office/powerpoint/2010/main" val="431258497"/>
-      </p:ext>
-    </p:extLst>
-  </p:cSld>
-  <p:clrMapOvr>
-    <a:masterClrMapping/>
-  </p:clrMapOvr>
-</p:sld>
-</file>
-
-<file path=ppt/slides/slide7.xml><?xml version="1.0" encoding="utf-8"?>
-<p:sld xmlns:a="http://schemas.openxmlformats.org/drawingml/2006/main" xmlns:r="http://schemas.openxmlformats.org/officeDocument/2006/relationships" xmlns:p="http://schemas.openxmlformats.org/presentationml/2006/main">
-  <p:cSld>
-    <p:spTree>
-      <p:nvGrpSpPr>
-        <p:cNvPr id="1" name=""/>
-        <p:cNvGrpSpPr/>
-        <p:nvPr/>
-      </p:nvGrpSpPr>
-      <p:grpSpPr>
-        <a:xfrm>
-          <a:off x="0" y="0"/>
-          <a:ext cx="0" cy="0"/>
-          <a:chOff x="0" y="0"/>
-          <a:chExt cx="0" cy="0"/>
-        </a:xfrm>
-      </p:grpSpPr>
-      <p:sp>
-        <p:nvSpPr>
-          <p:cNvPr id="3" name="Título 5">
-            <a:extLst>
-              <a:ext uri="{FF2B5EF4-FFF2-40B4-BE49-F238E27FC236}">
-                <a16:creationId xmlns:a16="http://schemas.microsoft.com/office/drawing/2014/main" id="{4E097E77-F80E-4867-86A1-4D220F4B9E0B}"/>
-              </a:ext>
-            </a:extLst>
-          </p:cNvPr>
-          <p:cNvSpPr txBox="1">
-            <a:spLocks/>
-          </p:cNvSpPr>
-          <p:nvPr/>
-        </p:nvSpPr>
-        <p:spPr>
-          <a:xfrm>
-            <a:off x="282944" y="186348"/>
-            <a:ext cx="10836482" cy="1252138"/>
-          </a:xfrm>
-          <a:prstGeom prst="rect">
-            <a:avLst/>
-          </a:prstGeom>
-        </p:spPr>
-        <p:txBody>
-          <a:bodyPr/>
-          <a:lstStyle>
-            <a:lvl1pPr algn="l" defTabSz="914400" rtl="0" eaLnBrk="1" latinLnBrk="0" hangingPunct="1">
-              <a:lnSpc>
-                <a:spcPct val="90000"/>
-              </a:lnSpc>
-              <a:spcBef>
-                <a:spcPct val="0"/>
-              </a:spcBef>
-              <a:buNone/>
-              <a:defRPr sz="4400" kern="1200">
-                <a:solidFill>
-                  <a:schemeClr val="tx1"/>
-                </a:solidFill>
-                <a:latin typeface="+mj-lt"/>
-                <a:ea typeface="+mj-ea"/>
-                <a:cs typeface="+mj-cs"/>
-              </a:defRPr>
-            </a:lvl1pPr>
-          </a:lstStyle>
-          <a:p>
-            <a:pPr>
-              <a:lnSpc>
-                <a:spcPct val="100000"/>
-              </a:lnSpc>
-              <a:spcAft>
-                <a:spcPts val="662"/>
-              </a:spcAft>
-            </a:pPr>
-            <a:r>
-              <a:rPr lang="pt-BR" sz="3087" dirty="0">
-                <a:solidFill>
-                  <a:schemeClr val="tx1">
-                    <a:lumMod val="75000"/>
-                    <a:lumOff val="25000"/>
-                  </a:schemeClr>
-                </a:solidFill>
-                <a:latin typeface="Simplon BP Regular" pitchFamily="2" charset="0"/>
-              </a:rPr>
-              <a:t>PROJETO ILLUMY – Execução </a:t>
-            </a:r>
-          </a:p>
-        </p:txBody>
-      </p:sp>
-      <p:sp>
-        <p:nvSpPr>
-          <p:cNvPr id="5" name="Retângulo 4">
-            <a:extLst>
-              <a:ext uri="{FF2B5EF4-FFF2-40B4-BE49-F238E27FC236}">
-                <a16:creationId xmlns:a16="http://schemas.microsoft.com/office/drawing/2014/main" id="{4FA34816-DBD2-4315-8DC9-1D28D9CEFEFB}"/>
-              </a:ext>
-            </a:extLst>
-          </p:cNvPr>
-          <p:cNvSpPr/>
-          <p:nvPr/>
-        </p:nvSpPr>
-        <p:spPr>
-          <a:xfrm>
-            <a:off x="816819" y="2052439"/>
-            <a:ext cx="8712968" cy="2308324"/>
-          </a:xfrm>
-          <a:prstGeom prst="rect">
-            <a:avLst/>
-          </a:prstGeom>
-        </p:spPr>
-        <p:txBody>
-          <a:bodyPr wrap="square">
-            <a:spAutoFit/>
-          </a:bodyPr>
-          <a:lstStyle/>
-          <a:p>
-            <a:pPr algn="just"/>
-            <a:endParaRPr lang="pt-BR" sz="2400" b="1" dirty="0">
-              <a:solidFill>
-                <a:srgbClr val="253746"/>
-              </a:solidFill>
-              <a:latin typeface="Simplon BP Regular"/>
-            </a:endParaRPr>
-          </a:p>
-          <a:p>
-            <a:pPr marL="342900" indent="-342900" algn="just">
-              <a:buFont typeface="Arial" panose="020B0604020202020204" pitchFamily="34" charset="0"/>
-              <a:buChar char="•"/>
-            </a:pPr>
-            <a:r>
-              <a:rPr lang="pt-BR" sz="2400" dirty="0">
-                <a:solidFill>
-                  <a:srgbClr val="253746"/>
-                </a:solidFill>
-                <a:latin typeface="Simplon BP Regular"/>
-              </a:rPr>
-              <a:t>No primeiro momento houve mínima rotatividade </a:t>
-            </a:r>
-          </a:p>
-          <a:p>
-            <a:pPr marL="342900" indent="-342900" algn="just">
-              <a:buFont typeface="Arial" panose="020B0604020202020204" pitchFamily="34" charset="0"/>
-              <a:buChar char="•"/>
-            </a:pPr>
-            <a:r>
-              <a:rPr lang="pt-BR" sz="2400" dirty="0">
-                <a:solidFill>
-                  <a:srgbClr val="253746"/>
-                </a:solidFill>
-                <a:latin typeface="Simplon BP Regular"/>
-              </a:rPr>
-              <a:t>Construir bases sólidas</a:t>
-            </a:r>
-          </a:p>
-          <a:p>
-            <a:pPr marL="342900" indent="-342900" algn="just">
-              <a:buFont typeface="Arial" panose="020B0604020202020204" pitchFamily="34" charset="0"/>
-              <a:buChar char="•"/>
-            </a:pPr>
-            <a:r>
-              <a:rPr lang="pt-BR" sz="2400" dirty="0">
-                <a:solidFill>
-                  <a:srgbClr val="253746"/>
-                </a:solidFill>
-                <a:latin typeface="Simplon BP Regular"/>
-              </a:rPr>
-              <a:t>Início de uma rotatividade mais efetiva </a:t>
-            </a:r>
-          </a:p>
-          <a:p>
-            <a:pPr marL="342900" indent="-342900" algn="just">
-              <a:buFont typeface="Arial" panose="020B0604020202020204" pitchFamily="34" charset="0"/>
-              <a:buChar char="•"/>
-            </a:pPr>
-            <a:r>
-              <a:rPr lang="pt-BR" sz="2400" dirty="0">
-                <a:solidFill>
-                  <a:srgbClr val="253746"/>
-                </a:solidFill>
-                <a:latin typeface="Simplon BP Regular"/>
-              </a:rPr>
-              <a:t>Todos tiveram contato com todos os pontos do projeto </a:t>
-            </a:r>
-          </a:p>
-          <a:p>
-            <a:pPr marL="342900" indent="-342900" algn="just">
-              <a:buFont typeface="Arial" panose="020B0604020202020204" pitchFamily="34" charset="0"/>
-              <a:buChar char="•"/>
-            </a:pPr>
-            <a:r>
-              <a:rPr lang="pt-BR" sz="2400" dirty="0">
-                <a:solidFill>
-                  <a:srgbClr val="253746"/>
-                </a:solidFill>
-                <a:latin typeface="Simplon BP Regular"/>
-              </a:rPr>
-              <a:t>Reuniões as sextas-feiras das 16h30 até 18h30 (horário mínimo)</a:t>
-            </a:r>
-          </a:p>
-        </p:txBody>
-      </p:sp>
-      <p:pic>
-        <p:nvPicPr>
-          <p:cNvPr id="3074" name="Picture 2" descr="Resultado de imagem para execuÃ§Ã£o png">
-            <a:extLst>
-              <a:ext uri="{FF2B5EF4-FFF2-40B4-BE49-F238E27FC236}">
-                <a16:creationId xmlns:a16="http://schemas.microsoft.com/office/drawing/2014/main" id="{A985E3FE-A141-4668-8D4E-19A28CF4F8CA}"/>
-              </a:ext>
-            </a:extLst>
-          </p:cNvPr>
-          <p:cNvPicPr>
-            <a:picLocks noChangeAspect="1" noChangeArrowheads="1"/>
-          </p:cNvPicPr>
-          <p:nvPr/>
-        </p:nvPicPr>
-        <p:blipFill>
-          <a:blip r:embed="rId3">
-            <a:extLst>
-              <a:ext uri="{28A0092B-C50C-407E-A947-70E740481C1C}">
-                <a14:useLocalDpi xmlns:a14="http://schemas.microsoft.com/office/drawing/2010/main" val="0"/>
-              </a:ext>
-            </a:extLst>
-          </a:blip>
-          <a:srcRect/>
-          <a:stretch>
-            <a:fillRect/>
-          </a:stretch>
-        </p:blipFill>
-        <p:spPr bwMode="auto">
-          <a:xfrm>
-            <a:off x="9529787" y="2103525"/>
-            <a:ext cx="2871241" cy="2871241"/>
-          </a:xfrm>
-          <a:prstGeom prst="rect">
-            <a:avLst/>
-          </a:prstGeom>
-          <a:noFill/>
-          <a:extLst>
-            <a:ext uri="{909E8E84-426E-40DD-AFC4-6F175D3DCCD1}">
-              <a14:hiddenFill xmlns:a14="http://schemas.microsoft.com/office/drawing/2010/main">
-                <a:solidFill>
-                  <a:srgbClr val="FFFFFF"/>
-                </a:solidFill>
-              </a14:hiddenFill>
-            </a:ext>
-          </a:extLst>
-        </p:spPr>
-      </p:pic>
-    </p:spTree>
-    <p:extLst>
-      <p:ext uri="{BB962C8B-B14F-4D97-AF65-F5344CB8AC3E}">
-        <p14:creationId xmlns:p14="http://schemas.microsoft.com/office/powerpoint/2010/main" val="800186173"/>
-      </p:ext>
-    </p:extLst>
-  </p:cSld>
-  <p:clrMapOvr>
-    <a:masterClrMapping/>
-  </p:clrMapOvr>
-</p:sld>
-</file>
-
-<file path=ppt/slides/slide8.xml><?xml version="1.0" encoding="utf-8"?>
-<p:sld xmlns:a="http://schemas.openxmlformats.org/drawingml/2006/main" xmlns:r="http://schemas.openxmlformats.org/officeDocument/2006/relationships" xmlns:p="http://schemas.openxmlformats.org/presentationml/2006/main">
-  <p:cSld>
-    <p:spTree>
-      <p:nvGrpSpPr>
-        <p:cNvPr id="1" name=""/>
-        <p:cNvGrpSpPr/>
-        <p:nvPr/>
-      </p:nvGrpSpPr>
-      <p:grpSpPr>
-        <a:xfrm>
-          <a:off x="0" y="0"/>
-          <a:ext cx="0" cy="0"/>
-          <a:chOff x="0" y="0"/>
-          <a:chExt cx="0" cy="0"/>
-        </a:xfrm>
-      </p:grpSpPr>
-      <p:sp>
-        <p:nvSpPr>
-          <p:cNvPr id="3" name="Título 5">
-            <a:extLst>
-              <a:ext uri="{FF2B5EF4-FFF2-40B4-BE49-F238E27FC236}">
-                <a16:creationId xmlns:a16="http://schemas.microsoft.com/office/drawing/2014/main" id="{4E097E77-F80E-4867-86A1-4D220F4B9E0B}"/>
-              </a:ext>
-            </a:extLst>
-          </p:cNvPr>
-          <p:cNvSpPr txBox="1">
-            <a:spLocks/>
-          </p:cNvSpPr>
-          <p:nvPr/>
-        </p:nvSpPr>
-        <p:spPr>
-          <a:xfrm>
-            <a:off x="282944" y="186348"/>
-            <a:ext cx="10836482" cy="1252138"/>
-          </a:xfrm>
-          <a:prstGeom prst="rect">
-            <a:avLst/>
-          </a:prstGeom>
-        </p:spPr>
-        <p:txBody>
-          <a:bodyPr/>
-          <a:lstStyle>
-            <a:lvl1pPr algn="l" defTabSz="914400" rtl="0" eaLnBrk="1" latinLnBrk="0" hangingPunct="1">
-              <a:lnSpc>
-                <a:spcPct val="90000"/>
-              </a:lnSpc>
-              <a:spcBef>
-                <a:spcPct val="0"/>
-              </a:spcBef>
-              <a:buNone/>
-              <a:defRPr sz="4400" kern="1200">
-                <a:solidFill>
-                  <a:schemeClr val="tx1"/>
-                </a:solidFill>
-                <a:latin typeface="+mj-lt"/>
-                <a:ea typeface="+mj-ea"/>
-                <a:cs typeface="+mj-cs"/>
-              </a:defRPr>
-            </a:lvl1pPr>
-          </a:lstStyle>
-          <a:p>
-            <a:pPr>
-              <a:lnSpc>
-                <a:spcPct val="100000"/>
-              </a:lnSpc>
-              <a:spcAft>
-                <a:spcPts val="662"/>
-              </a:spcAft>
-            </a:pPr>
-            <a:r>
-              <a:rPr lang="pt-BR" sz="3087" dirty="0">
-                <a:solidFill>
-                  <a:schemeClr val="tx1">
-                    <a:lumMod val="75000"/>
-                    <a:lumOff val="25000"/>
-                  </a:schemeClr>
-                </a:solidFill>
-                <a:latin typeface="Simplon BP Regular" pitchFamily="2" charset="0"/>
-              </a:rPr>
-              <a:t>PROJETO ILLUMY – Metodologia de trabalho </a:t>
-            </a:r>
-          </a:p>
-        </p:txBody>
-      </p:sp>
-      <p:sp>
-        <p:nvSpPr>
-          <p:cNvPr id="5" name="Retângulo 4">
-            <a:extLst>
-              <a:ext uri="{FF2B5EF4-FFF2-40B4-BE49-F238E27FC236}">
-                <a16:creationId xmlns:a16="http://schemas.microsoft.com/office/drawing/2014/main" id="{4FA34816-DBD2-4315-8DC9-1D28D9CEFEFB}"/>
-              </a:ext>
-            </a:extLst>
-          </p:cNvPr>
-          <p:cNvSpPr/>
-          <p:nvPr/>
-        </p:nvSpPr>
-        <p:spPr>
-          <a:xfrm>
-            <a:off x="816819" y="2052439"/>
-            <a:ext cx="7416824" cy="2677656"/>
-          </a:xfrm>
-          <a:prstGeom prst="rect">
-            <a:avLst/>
-          </a:prstGeom>
-        </p:spPr>
-        <p:txBody>
-          <a:bodyPr wrap="square">
-            <a:spAutoFit/>
-          </a:bodyPr>
-          <a:lstStyle/>
-          <a:p>
-            <a:pPr algn="just"/>
-            <a:endParaRPr lang="pt-BR" sz="2400" b="1" dirty="0">
-              <a:solidFill>
-                <a:srgbClr val="253746"/>
-              </a:solidFill>
-              <a:latin typeface="Simplon BP Regular"/>
-            </a:endParaRPr>
-          </a:p>
-          <a:p>
-            <a:pPr marL="342900" indent="-342900" algn="just">
-              <a:buFont typeface="Arial" panose="020B0604020202020204" pitchFamily="34" charset="0"/>
-              <a:buChar char="•"/>
-            </a:pPr>
-            <a:r>
-              <a:rPr lang="pt-BR" sz="2400" dirty="0">
-                <a:solidFill>
-                  <a:srgbClr val="253746"/>
-                </a:solidFill>
-                <a:latin typeface="Simplon BP Regular"/>
-              </a:rPr>
-              <a:t>Utilizamos a metodologia ágil (Scrum)</a:t>
-            </a:r>
-          </a:p>
-          <a:p>
-            <a:pPr marL="342900" indent="-342900" algn="just">
-              <a:buFont typeface="Arial" panose="020B0604020202020204" pitchFamily="34" charset="0"/>
-              <a:buChar char="•"/>
-            </a:pPr>
-            <a:r>
-              <a:rPr lang="pt-BR" sz="2400" dirty="0">
-                <a:solidFill>
-                  <a:srgbClr val="253746"/>
-                </a:solidFill>
-                <a:latin typeface="Simplon BP Regular"/>
-              </a:rPr>
-              <a:t>Entregas semanais para pessoa com maior domínio no </a:t>
-            </a:r>
-          </a:p>
-          <a:p>
-            <a:pPr algn="just"/>
-            <a:r>
-              <a:rPr lang="pt-BR" sz="2400" dirty="0">
-                <a:solidFill>
-                  <a:srgbClr val="253746"/>
-                </a:solidFill>
-                <a:latin typeface="Simplon BP Regular"/>
-              </a:rPr>
-              <a:t>assunto avaliar </a:t>
-            </a:r>
-          </a:p>
-          <a:p>
-            <a:pPr marL="342900" indent="-342900" algn="just">
-              <a:buFont typeface="Arial" panose="020B0604020202020204" pitchFamily="34" charset="0"/>
-              <a:buChar char="•"/>
-            </a:pPr>
-            <a:r>
-              <a:rPr lang="pt-BR" sz="2400" dirty="0">
-                <a:solidFill>
-                  <a:srgbClr val="253746"/>
-                </a:solidFill>
-                <a:latin typeface="Simplon BP Regular"/>
-              </a:rPr>
-              <a:t>Revisão de tarefas</a:t>
-            </a:r>
-          </a:p>
-          <a:p>
-            <a:pPr marL="342900" indent="-342900" algn="just">
-              <a:buFont typeface="Arial" panose="020B0604020202020204" pitchFamily="34" charset="0"/>
-              <a:buChar char="•"/>
-            </a:pPr>
-            <a:r>
-              <a:rPr lang="pt-BR" sz="2400" dirty="0">
-                <a:solidFill>
-                  <a:srgbClr val="253746"/>
-                </a:solidFill>
-                <a:latin typeface="Simplon BP Regular"/>
-              </a:rPr>
-              <a:t>Participação coletiva na tomada de decisões</a:t>
-            </a:r>
-          </a:p>
-          <a:p>
-            <a:pPr marL="342900" indent="-342900" algn="just">
-              <a:buFont typeface="Arial" panose="020B0604020202020204" pitchFamily="34" charset="0"/>
-              <a:buChar char="•"/>
-            </a:pPr>
-            <a:r>
-              <a:rPr lang="pt-BR" sz="2400" dirty="0" err="1">
-                <a:solidFill>
-                  <a:srgbClr val="253746"/>
-                </a:solidFill>
-                <a:latin typeface="Simplon BP Regular"/>
-              </a:rPr>
-              <a:t>Feebacks</a:t>
-            </a:r>
-            <a:r>
-              <a:rPr lang="pt-BR" sz="2400" dirty="0">
-                <a:solidFill>
-                  <a:srgbClr val="253746"/>
-                </a:solidFill>
-                <a:latin typeface="Simplon BP Regular"/>
-              </a:rPr>
-              <a:t> constantes</a:t>
-            </a:r>
-          </a:p>
-        </p:txBody>
-      </p:sp>
-      <p:pic>
-        <p:nvPicPr>
-          <p:cNvPr id="4098" name="Picture 2" descr="Imagem relacionada">
-            <a:extLst>
-              <a:ext uri="{FF2B5EF4-FFF2-40B4-BE49-F238E27FC236}">
-                <a16:creationId xmlns:a16="http://schemas.microsoft.com/office/drawing/2014/main" id="{9AE64546-6C9D-4F96-A74D-C3312265E12B}"/>
-              </a:ext>
-            </a:extLst>
-          </p:cNvPr>
-          <p:cNvPicPr>
-            <a:picLocks noChangeAspect="1" noChangeArrowheads="1"/>
-          </p:cNvPicPr>
-          <p:nvPr/>
-        </p:nvPicPr>
-        <p:blipFill>
-          <a:blip r:embed="rId3">
-            <a:extLst>
-              <a:ext uri="{28A0092B-C50C-407E-A947-70E740481C1C}">
-                <a14:useLocalDpi xmlns:a14="http://schemas.microsoft.com/office/drawing/2010/main" val="0"/>
-              </a:ext>
-            </a:extLst>
-          </a:blip>
-          <a:srcRect/>
-          <a:stretch>
-            <a:fillRect/>
-          </a:stretch>
-        </p:blipFill>
-        <p:spPr bwMode="auto">
-          <a:xfrm>
-            <a:off x="9097739" y="1677763"/>
-            <a:ext cx="3427008" cy="3427008"/>
-          </a:xfrm>
-          <a:prstGeom prst="rect">
-            <a:avLst/>
-          </a:prstGeom>
-          <a:noFill/>
-          <a:extLst>
-            <a:ext uri="{909E8E84-426E-40DD-AFC4-6F175D3DCCD1}">
-              <a14:hiddenFill xmlns:a14="http://schemas.microsoft.com/office/drawing/2010/main">
-                <a:solidFill>
-                  <a:srgbClr val="FFFFFF"/>
-                </a:solidFill>
-              </a14:hiddenFill>
-            </a:ext>
-          </a:extLst>
-        </p:spPr>
-      </p:pic>
-    </p:spTree>
-    <p:extLst>
-      <p:ext uri="{BB962C8B-B14F-4D97-AF65-F5344CB8AC3E}">
-        <p14:creationId xmlns:p14="http://schemas.microsoft.com/office/powerpoint/2010/main" val="2087651878"/>
-      </p:ext>
-    </p:extLst>
-  </p:cSld>
-  <p:clrMapOvr>
-    <a:masterClrMapping/>
-  </p:clrMapOvr>
-</p:sld>
-</file>
-
-<file path=ppt/slides/slide9.xml><?xml version="1.0" encoding="utf-8"?>
-<p:sld xmlns:a="http://schemas.openxmlformats.org/drawingml/2006/main" xmlns:r="http://schemas.openxmlformats.org/officeDocument/2006/relationships" xmlns:p="http://schemas.openxmlformats.org/presentationml/2006/main">
-  <p:cSld>
-    <p:spTree>
-      <p:nvGrpSpPr>
-        <p:cNvPr id="1" name=""/>
-        <p:cNvGrpSpPr/>
-        <p:nvPr/>
-      </p:nvGrpSpPr>
-      <p:grpSpPr>
-        <a:xfrm>
-          <a:off x="0" y="0"/>
-          <a:ext cx="0" cy="0"/>
-          <a:chOff x="0" y="0"/>
-          <a:chExt cx="0" cy="0"/>
-        </a:xfrm>
-      </p:grpSpPr>
-      <p:sp>
-        <p:nvSpPr>
-          <p:cNvPr id="3" name="Título 5">
-            <a:extLst>
-              <a:ext uri="{FF2B5EF4-FFF2-40B4-BE49-F238E27FC236}">
-                <a16:creationId xmlns:a16="http://schemas.microsoft.com/office/drawing/2014/main" id="{4E097E77-F80E-4867-86A1-4D220F4B9E0B}"/>
-              </a:ext>
-            </a:extLst>
-          </p:cNvPr>
-          <p:cNvSpPr txBox="1">
-            <a:spLocks/>
-          </p:cNvSpPr>
-          <p:nvPr/>
-        </p:nvSpPr>
-        <p:spPr>
-          <a:xfrm>
-            <a:off x="282944" y="186348"/>
-            <a:ext cx="10836482" cy="1252138"/>
-          </a:xfrm>
-          <a:prstGeom prst="rect">
-            <a:avLst/>
-          </a:prstGeom>
-        </p:spPr>
-        <p:txBody>
-          <a:bodyPr/>
-          <a:lstStyle>
-            <a:lvl1pPr algn="l" defTabSz="914400" rtl="0" eaLnBrk="1" latinLnBrk="0" hangingPunct="1">
-              <a:lnSpc>
-                <a:spcPct val="90000"/>
-              </a:lnSpc>
-              <a:spcBef>
-                <a:spcPct val="0"/>
-              </a:spcBef>
-              <a:buNone/>
-              <a:defRPr sz="4400" kern="1200">
-                <a:solidFill>
-                  <a:schemeClr val="tx1"/>
-                </a:solidFill>
-                <a:latin typeface="+mj-lt"/>
-                <a:ea typeface="+mj-ea"/>
-                <a:cs typeface="+mj-cs"/>
-              </a:defRPr>
-            </a:lvl1pPr>
-          </a:lstStyle>
-          <a:p>
-            <a:pPr>
-              <a:lnSpc>
-                <a:spcPct val="100000"/>
-              </a:lnSpc>
-              <a:spcAft>
-                <a:spcPts val="662"/>
-              </a:spcAft>
-            </a:pPr>
-            <a:r>
-              <a:rPr lang="pt-BR" sz="3087" dirty="0">
-                <a:solidFill>
-                  <a:schemeClr val="tx1">
-                    <a:lumMod val="75000"/>
-                    <a:lumOff val="25000"/>
-                  </a:schemeClr>
-                </a:solidFill>
-                <a:latin typeface="Simplon BP Regular" pitchFamily="2" charset="0"/>
-              </a:rPr>
-              <a:t>PROJETO ILLUMY – Riscos/Imprevistos</a:t>
-            </a:r>
-          </a:p>
-        </p:txBody>
-      </p:sp>
-      <p:sp>
-        <p:nvSpPr>
-          <p:cNvPr id="5" name="Retângulo 4">
-            <a:extLst>
-              <a:ext uri="{FF2B5EF4-FFF2-40B4-BE49-F238E27FC236}">
-                <a16:creationId xmlns:a16="http://schemas.microsoft.com/office/drawing/2014/main" id="{4FA34816-DBD2-4315-8DC9-1D28D9CEFEFB}"/>
-              </a:ext>
-            </a:extLst>
-          </p:cNvPr>
-          <p:cNvSpPr/>
-          <p:nvPr/>
-        </p:nvSpPr>
-        <p:spPr>
-          <a:xfrm>
-            <a:off x="816819" y="2052439"/>
-            <a:ext cx="7920880" cy="1938992"/>
-          </a:xfrm>
-          <a:prstGeom prst="rect">
-            <a:avLst/>
-          </a:prstGeom>
-        </p:spPr>
-        <p:txBody>
-          <a:bodyPr wrap="square">
-            <a:spAutoFit/>
-          </a:bodyPr>
-          <a:lstStyle/>
-          <a:p>
-            <a:pPr algn="just"/>
-            <a:endParaRPr lang="pt-BR" sz="2400" b="1" dirty="0">
-              <a:solidFill>
-                <a:srgbClr val="253746"/>
-              </a:solidFill>
-              <a:latin typeface="Simplon BP Regular"/>
-            </a:endParaRPr>
-          </a:p>
-          <a:p>
-            <a:pPr marL="342900" indent="-342900" algn="just">
-              <a:buFont typeface="Arial" panose="020B0604020202020204" pitchFamily="34" charset="0"/>
-              <a:buChar char="•"/>
-            </a:pPr>
-            <a:r>
-              <a:rPr lang="pt-BR" sz="2400" dirty="0">
-                <a:solidFill>
-                  <a:srgbClr val="253746"/>
-                </a:solidFill>
-                <a:latin typeface="Simplon BP Regular"/>
-              </a:rPr>
-              <a:t>Determinamos um corresponsável </a:t>
-            </a:r>
-          </a:p>
-          <a:p>
-            <a:pPr marL="342900" indent="-342900" algn="just">
-              <a:buFont typeface="Arial" panose="020B0604020202020204" pitchFamily="34" charset="0"/>
-              <a:buChar char="•"/>
-            </a:pPr>
-            <a:r>
-              <a:rPr lang="pt-BR" sz="2400" dirty="0" err="1">
-                <a:solidFill>
-                  <a:srgbClr val="253746"/>
-                </a:solidFill>
-                <a:latin typeface="Simplon BP Regular"/>
-              </a:rPr>
-              <a:t>Lider</a:t>
-            </a:r>
-            <a:r>
-              <a:rPr lang="pt-BR" sz="2400" dirty="0">
-                <a:solidFill>
-                  <a:srgbClr val="253746"/>
-                </a:solidFill>
-                <a:latin typeface="Simplon BP Regular"/>
-              </a:rPr>
-              <a:t> técnico para áreas especificas</a:t>
-            </a:r>
-          </a:p>
-          <a:p>
-            <a:pPr marL="342900" indent="-342900" algn="just">
-              <a:buFont typeface="Arial" panose="020B0604020202020204" pitchFamily="34" charset="0"/>
-              <a:buChar char="•"/>
-            </a:pPr>
-            <a:r>
-              <a:rPr lang="pt-BR" sz="2400" dirty="0">
-                <a:solidFill>
-                  <a:srgbClr val="253746"/>
-                </a:solidFill>
-                <a:latin typeface="Simplon BP Regular"/>
-              </a:rPr>
-              <a:t>Punição para quem não tem justificativa plausível </a:t>
-            </a:r>
-          </a:p>
-          <a:p>
-            <a:pPr marL="342900" indent="-342900" algn="just">
-              <a:buFont typeface="Arial" panose="020B0604020202020204" pitchFamily="34" charset="0"/>
-              <a:buChar char="•"/>
-            </a:pPr>
-            <a:r>
-              <a:rPr lang="pt-BR" sz="2400" dirty="0">
-                <a:solidFill>
-                  <a:srgbClr val="253746"/>
-                </a:solidFill>
-                <a:latin typeface="Simplon BP Regular"/>
-              </a:rPr>
-              <a:t>Opinião em momento de escolhas não será valida</a:t>
-            </a:r>
-          </a:p>
-        </p:txBody>
-      </p:sp>
-      <p:pic>
-        <p:nvPicPr>
-          <p:cNvPr id="5124" name="Picture 4" descr="Resultado de imagem para alert png">
-            <a:extLst>
-              <a:ext uri="{FF2B5EF4-FFF2-40B4-BE49-F238E27FC236}">
-                <a16:creationId xmlns:a16="http://schemas.microsoft.com/office/drawing/2014/main" id="{629118B5-4BD8-4BCC-A67D-2C78BB0F3D13}"/>
-              </a:ext>
-            </a:extLst>
-          </p:cNvPr>
-          <p:cNvPicPr>
-            <a:picLocks noChangeAspect="1" noChangeArrowheads="1"/>
-          </p:cNvPicPr>
-          <p:nvPr/>
-        </p:nvPicPr>
-        <p:blipFill>
-          <a:blip r:embed="rId3" cstate="print">
-            <a:extLst>
-              <a:ext uri="{28A0092B-C50C-407E-A947-70E740481C1C}">
-                <a14:useLocalDpi xmlns:a14="http://schemas.microsoft.com/office/drawing/2010/main" val="0"/>
-              </a:ext>
-            </a:extLst>
-          </a:blip>
-          <a:srcRect/>
-          <a:stretch>
-            <a:fillRect/>
-          </a:stretch>
-        </p:blipFill>
-        <p:spPr bwMode="auto">
-          <a:xfrm>
-            <a:off x="9495827" y="2196455"/>
-            <a:ext cx="3247198" cy="2412479"/>
-          </a:xfrm>
-          <a:prstGeom prst="rect">
-            <a:avLst/>
-          </a:prstGeom>
-          <a:noFill/>
-          <a:extLst>
-            <a:ext uri="{909E8E84-426E-40DD-AFC4-6F175D3DCCD1}">
-              <a14:hiddenFill xmlns:a14="http://schemas.microsoft.com/office/drawing/2010/main">
-                <a:solidFill>
-                  <a:srgbClr val="FFFFFF"/>
-                </a:solidFill>
-              </a14:hiddenFill>
-            </a:ext>
-          </a:extLst>
-        </p:spPr>
-      </p:pic>
-    </p:spTree>
-    <p:extLst>
-      <p:ext uri="{BB962C8B-B14F-4D97-AF65-F5344CB8AC3E}">
-        <p14:creationId xmlns:p14="http://schemas.microsoft.com/office/powerpoint/2010/main" val="1173550451"/>
       </p:ext>
     </p:extLst>
   </p:cSld>
